--- a/Slide_APCS/CH0B APCS實作題分析.pptx
+++ b/Slide_APCS/CH0B APCS實作題分析.pptx
@@ -8,17 +8,6 @@
     <p:sldId id="256" r:id="rId2"/>
     <p:sldId id="257" r:id="rId3"/>
     <p:sldId id="258" r:id="rId4"/>
-    <p:sldId id="269" r:id="rId5"/>
-    <p:sldId id="259" r:id="rId6"/>
-    <p:sldId id="260" r:id="rId7"/>
-    <p:sldId id="261" r:id="rId8"/>
-    <p:sldId id="262" r:id="rId9"/>
-    <p:sldId id="263" r:id="rId10"/>
-    <p:sldId id="268" r:id="rId11"/>
-    <p:sldId id="264" r:id="rId12"/>
-    <p:sldId id="265" r:id="rId13"/>
-    <p:sldId id="266" r:id="rId14"/>
-    <p:sldId id="267" r:id="rId15"/>
   </p:sldIdLst>
   <p:sldSz cx="12192000" cy="6858000"/>
   <p:notesSz cx="6858000" cy="9144000"/>
@@ -5856,2074 +5845,6 @@
 </p:sld>
 </file>
 
-<file path=ppt/slides/slide10.xml><?xml version="1.0" encoding="utf-8"?>
-<p:sld xmlns:a="http://schemas.openxmlformats.org/drawingml/2006/main" xmlns:r="http://schemas.openxmlformats.org/officeDocument/2006/relationships" xmlns:p="http://schemas.openxmlformats.org/presentationml/2006/main">
-  <p:cSld>
-    <p:spTree>
-      <p:nvGrpSpPr>
-        <p:cNvPr id="1" name=""/>
-        <p:cNvGrpSpPr/>
-        <p:nvPr/>
-      </p:nvGrpSpPr>
-      <p:grpSpPr>
-        <a:xfrm>
-          <a:off x="0" y="0"/>
-          <a:ext cx="0" cy="0"/>
-          <a:chOff x="0" y="0"/>
-          <a:chExt cx="0" cy="0"/>
-        </a:xfrm>
-      </p:grpSpPr>
-      <p:sp>
-        <p:nvSpPr>
-          <p:cNvPr id="2" name="標題 1">
-            <a:extLst>
-              <a:ext uri="{FF2B5EF4-FFF2-40B4-BE49-F238E27FC236}">
-                <a16:creationId xmlns:a16="http://schemas.microsoft.com/office/drawing/2014/main" id="{10B8BB61-7E9B-344D-BFA6-31DF107FD4A4}"/>
-              </a:ext>
-            </a:extLst>
-          </p:cNvPr>
-          <p:cNvSpPr>
-            <a:spLocks noGrp="1"/>
-          </p:cNvSpPr>
-          <p:nvPr>
-            <p:ph type="title"/>
-          </p:nvPr>
-        </p:nvSpPr>
-        <p:spPr/>
-        <p:txBody>
-          <a:bodyPr>
-            <a:normAutofit fontScale="90000"/>
-          </a:bodyPr>
-          <a:lstStyle/>
-          <a:p>
-            <a:r>
-              <a:rPr lang="en-US" altLang="zh-TW" dirty="0"/>
-              <a:t>2017</a:t>
-            </a:r>
-            <a:r>
-              <a:rPr lang="zh-TW" altLang="en-US" dirty="0"/>
-              <a:t>年</a:t>
-            </a:r>
-            <a:r>
-              <a:rPr lang="en-US" altLang="zh-TW" dirty="0"/>
-              <a:t>3</a:t>
-            </a:r>
-            <a:r>
-              <a:rPr lang="zh-TW" altLang="en-US" dirty="0"/>
-              <a:t>月</a:t>
-            </a:r>
-            <a:r>
-              <a:rPr lang="zh-TW" altLang="en-US" dirty="0">
-                <a:solidFill>
-                  <a:schemeClr val="dk1"/>
-                </a:solidFill>
-              </a:rPr>
-              <a:t>第 </a:t>
-            </a:r>
-            <a:r>
-              <a:rPr lang="en-US" altLang="zh-TW" dirty="0">
-                <a:solidFill>
-                  <a:schemeClr val="dk1"/>
-                </a:solidFill>
-              </a:rPr>
-              <a:t>3 </a:t>
-            </a:r>
-            <a:r>
-              <a:rPr lang="zh-TW" altLang="en-US" dirty="0">
-                <a:solidFill>
-                  <a:schemeClr val="dk1"/>
-                </a:solidFill>
-              </a:rPr>
-              <a:t>題 數字龍捲風</a:t>
-            </a:r>
-            <a:r>
-              <a:rPr lang="en-US" altLang="zh-TW" dirty="0">
-                <a:solidFill>
-                  <a:schemeClr val="dk1"/>
-                </a:solidFill>
-              </a:rPr>
-              <a:t> [</a:t>
-            </a:r>
-            <a:r>
-              <a:rPr lang="en-US" altLang="zh-TW" dirty="0">
-                <a:solidFill>
-                  <a:schemeClr val="dk1"/>
-                </a:solidFill>
-                <a:hlinkClick r:id="rId2"/>
-              </a:rPr>
-              <a:t>Link</a:t>
-            </a:r>
-            <a:r>
-              <a:rPr lang="en-US" altLang="zh-TW" dirty="0">
-                <a:solidFill>
-                  <a:schemeClr val="dk1"/>
-                </a:solidFill>
-              </a:rPr>
-              <a:t>]</a:t>
-            </a:r>
-            <a:br>
-              <a:rPr lang="zh-TW" altLang="en-US" dirty="0"/>
-            </a:br>
-            <a:br>
-              <a:rPr lang="zh-TW" altLang="en-US" dirty="0"/>
-            </a:br>
-            <a:endParaRPr kumimoji="1" lang="zh-TW" altLang="en-US" dirty="0"/>
-          </a:p>
-        </p:txBody>
-      </p:sp>
-      <p:sp>
-        <p:nvSpPr>
-          <p:cNvPr id="4" name="文字方塊 3">
-            <a:extLst>
-              <a:ext uri="{FF2B5EF4-FFF2-40B4-BE49-F238E27FC236}">
-                <a16:creationId xmlns:a16="http://schemas.microsoft.com/office/drawing/2014/main" id="{CE4C617B-B5EE-3C45-8283-893ED13FEAA9}"/>
-              </a:ext>
-            </a:extLst>
-          </p:cNvPr>
-          <p:cNvSpPr txBox="1"/>
-          <p:nvPr/>
-        </p:nvSpPr>
-        <p:spPr>
-          <a:xfrm>
-            <a:off x="803458" y="1289269"/>
-            <a:ext cx="6849952" cy="5262979"/>
-          </a:xfrm>
-          <a:prstGeom prst="rect">
-            <a:avLst/>
-          </a:prstGeom>
-          <a:noFill/>
-          <a:ln>
-            <a:solidFill>
-              <a:schemeClr val="accent1"/>
-            </a:solidFill>
-          </a:ln>
-        </p:spPr>
-        <p:txBody>
-          <a:bodyPr wrap="none" rtlCol="0">
-            <a:spAutoFit/>
-          </a:bodyPr>
-          <a:lstStyle/>
-          <a:p>
-            <a:r>
-              <a:rPr kumimoji="1" lang="en" altLang="zh-TW" sz="1600" dirty="0">
-                <a:latin typeface="Menlo" panose="020B0609030804020204" pitchFamily="49" charset="0"/>
-                <a:ea typeface="Menlo" panose="020B0609030804020204" pitchFamily="49" charset="0"/>
-                <a:cs typeface="Menlo" panose="020B0609030804020204" pitchFamily="49" charset="0"/>
-              </a:rPr>
-              <a:t>while True:</a:t>
-            </a:r>
-          </a:p>
-          <a:p>
-            <a:r>
-              <a:rPr kumimoji="1" lang="en" altLang="zh-TW" sz="1600" dirty="0">
-                <a:latin typeface="Menlo" panose="020B0609030804020204" pitchFamily="49" charset="0"/>
-                <a:ea typeface="Menlo" panose="020B0609030804020204" pitchFamily="49" charset="0"/>
-                <a:cs typeface="Menlo" panose="020B0609030804020204" pitchFamily="49" charset="0"/>
-              </a:rPr>
-              <a:t>    try:</a:t>
-            </a:r>
-          </a:p>
-          <a:p>
-            <a:r>
-              <a:rPr kumimoji="1" lang="en" altLang="zh-TW" sz="1600" dirty="0">
-                <a:latin typeface="Menlo" panose="020B0609030804020204" pitchFamily="49" charset="0"/>
-                <a:ea typeface="Menlo" panose="020B0609030804020204" pitchFamily="49" charset="0"/>
-                <a:cs typeface="Menlo" panose="020B0609030804020204" pitchFamily="49" charset="0"/>
-              </a:rPr>
-              <a:t>        N = int(input().strip())</a:t>
-            </a:r>
-          </a:p>
-          <a:p>
-            <a:r>
-              <a:rPr kumimoji="1" lang="en" altLang="zh-TW" sz="1600" dirty="0">
-                <a:latin typeface="Menlo" panose="020B0609030804020204" pitchFamily="49" charset="0"/>
-                <a:ea typeface="Menlo" panose="020B0609030804020204" pitchFamily="49" charset="0"/>
-                <a:cs typeface="Menlo" panose="020B0609030804020204" pitchFamily="49" charset="0"/>
-              </a:rPr>
-              <a:t>        d = int(input().strip())</a:t>
-            </a:r>
-          </a:p>
-          <a:p>
-            <a:r>
-              <a:rPr kumimoji="1" lang="en" altLang="zh-TW" sz="1600" dirty="0">
-                <a:latin typeface="Menlo" panose="020B0609030804020204" pitchFamily="49" charset="0"/>
-                <a:ea typeface="Menlo" panose="020B0609030804020204" pitchFamily="49" charset="0"/>
-                <a:cs typeface="Menlo" panose="020B0609030804020204" pitchFamily="49" charset="0"/>
-              </a:rPr>
-              <a:t>        mat = []</a:t>
-            </a:r>
-          </a:p>
-          <a:p>
-            <a:r>
-              <a:rPr kumimoji="1" lang="en" altLang="zh-TW" sz="1600" dirty="0">
-                <a:latin typeface="Menlo" panose="020B0609030804020204" pitchFamily="49" charset="0"/>
-                <a:ea typeface="Menlo" panose="020B0609030804020204" pitchFamily="49" charset="0"/>
-                <a:cs typeface="Menlo" panose="020B0609030804020204" pitchFamily="49" charset="0"/>
-              </a:rPr>
-              <a:t>        for </a:t>
-            </a:r>
-            <a:r>
-              <a:rPr kumimoji="1" lang="en" altLang="zh-TW" sz="1600" dirty="0" err="1">
-                <a:latin typeface="Menlo" panose="020B0609030804020204" pitchFamily="49" charset="0"/>
-                <a:ea typeface="Menlo" panose="020B0609030804020204" pitchFamily="49" charset="0"/>
-                <a:cs typeface="Menlo" panose="020B0609030804020204" pitchFamily="49" charset="0"/>
-              </a:rPr>
-              <a:t>i</a:t>
-            </a:r>
-            <a:r>
-              <a:rPr kumimoji="1" lang="en" altLang="zh-TW" sz="1600" dirty="0">
-                <a:latin typeface="Menlo" panose="020B0609030804020204" pitchFamily="49" charset="0"/>
-                <a:ea typeface="Menlo" panose="020B0609030804020204" pitchFamily="49" charset="0"/>
-                <a:cs typeface="Menlo" panose="020B0609030804020204" pitchFamily="49" charset="0"/>
-              </a:rPr>
-              <a:t> in range(N):</a:t>
-            </a:r>
-          </a:p>
-          <a:p>
-            <a:r>
-              <a:rPr kumimoji="1" lang="en" altLang="zh-TW" sz="1600" dirty="0">
-                <a:latin typeface="Menlo" panose="020B0609030804020204" pitchFamily="49" charset="0"/>
-                <a:ea typeface="Menlo" panose="020B0609030804020204" pitchFamily="49" charset="0"/>
-                <a:cs typeface="Menlo" panose="020B0609030804020204" pitchFamily="49" charset="0"/>
-              </a:rPr>
-              <a:t>            </a:t>
-            </a:r>
-            <a:r>
-              <a:rPr kumimoji="1" lang="en" altLang="zh-TW" sz="1600" dirty="0" err="1">
-                <a:latin typeface="Menlo" panose="020B0609030804020204" pitchFamily="49" charset="0"/>
-                <a:ea typeface="Menlo" panose="020B0609030804020204" pitchFamily="49" charset="0"/>
-                <a:cs typeface="Menlo" panose="020B0609030804020204" pitchFamily="49" charset="0"/>
-              </a:rPr>
-              <a:t>mat.append</a:t>
-            </a:r>
-            <a:r>
-              <a:rPr kumimoji="1" lang="en" altLang="zh-TW" sz="1600" dirty="0">
-                <a:latin typeface="Menlo" panose="020B0609030804020204" pitchFamily="49" charset="0"/>
-                <a:ea typeface="Menlo" panose="020B0609030804020204" pitchFamily="49" charset="0"/>
-                <a:cs typeface="Menlo" panose="020B0609030804020204" pitchFamily="49" charset="0"/>
-              </a:rPr>
-              <a:t>(input().strip().split())</a:t>
-            </a:r>
-          </a:p>
-          <a:p>
-            <a:endParaRPr kumimoji="1" lang="en" altLang="zh-TW" sz="1600" dirty="0">
-              <a:latin typeface="Menlo" panose="020B0609030804020204" pitchFamily="49" charset="0"/>
-              <a:ea typeface="Menlo" panose="020B0609030804020204" pitchFamily="49" charset="0"/>
-              <a:cs typeface="Menlo" panose="020B0609030804020204" pitchFamily="49" charset="0"/>
-            </a:endParaRPr>
-          </a:p>
-          <a:p>
-            <a:r>
-              <a:rPr kumimoji="1" lang="en" altLang="zh-TW" sz="1600" dirty="0">
-                <a:latin typeface="Menlo" panose="020B0609030804020204" pitchFamily="49" charset="0"/>
-                <a:ea typeface="Menlo" panose="020B0609030804020204" pitchFamily="49" charset="0"/>
-                <a:cs typeface="Menlo" panose="020B0609030804020204" pitchFamily="49" charset="0"/>
-              </a:rPr>
-              <a:t>        </a:t>
-            </a:r>
-            <a:r>
-              <a:rPr kumimoji="1" lang="en" altLang="zh-TW" sz="1600" dirty="0" err="1">
-                <a:latin typeface="Menlo" panose="020B0609030804020204" pitchFamily="49" charset="0"/>
-                <a:ea typeface="Menlo" panose="020B0609030804020204" pitchFamily="49" charset="0"/>
-                <a:cs typeface="Menlo" panose="020B0609030804020204" pitchFamily="49" charset="0"/>
-              </a:rPr>
-              <a:t>total_steps</a:t>
-            </a:r>
-            <a:r>
-              <a:rPr kumimoji="1" lang="en" altLang="zh-TW" sz="1600" dirty="0">
-                <a:latin typeface="Menlo" panose="020B0609030804020204" pitchFamily="49" charset="0"/>
-                <a:ea typeface="Menlo" panose="020B0609030804020204" pitchFamily="49" charset="0"/>
-                <a:cs typeface="Menlo" panose="020B0609030804020204" pitchFamily="49" charset="0"/>
-              </a:rPr>
-              <a:t> = N * N</a:t>
-            </a:r>
-          </a:p>
-          <a:p>
-            <a:r>
-              <a:rPr kumimoji="1" lang="en" altLang="zh-TW" sz="1600" dirty="0">
-                <a:latin typeface="Menlo" panose="020B0609030804020204" pitchFamily="49" charset="0"/>
-                <a:ea typeface="Menlo" panose="020B0609030804020204" pitchFamily="49" charset="0"/>
-                <a:cs typeface="Menlo" panose="020B0609030804020204" pitchFamily="49" charset="0"/>
-              </a:rPr>
-              <a:t>        # 0</a:t>
-            </a:r>
-            <a:r>
-              <a:rPr kumimoji="1" lang="zh-TW" altLang="en-US" sz="1600" dirty="0">
-                <a:latin typeface="Menlo" panose="020B0609030804020204" pitchFamily="49" charset="0"/>
-                <a:cs typeface="Menlo" panose="020B0609030804020204" pitchFamily="49" charset="0"/>
-              </a:rPr>
-              <a:t>代表左 、</a:t>
-            </a:r>
-            <a:r>
-              <a:rPr kumimoji="1" lang="en-US" altLang="zh-TW" sz="1600" dirty="0">
-                <a:latin typeface="Menlo" panose="020B0609030804020204" pitchFamily="49" charset="0"/>
-                <a:ea typeface="Menlo" panose="020B0609030804020204" pitchFamily="49" charset="0"/>
-                <a:cs typeface="Menlo" panose="020B0609030804020204" pitchFamily="49" charset="0"/>
-              </a:rPr>
-              <a:t>1</a:t>
-            </a:r>
-            <a:r>
-              <a:rPr kumimoji="1" lang="zh-TW" altLang="en-US" sz="1600" dirty="0">
-                <a:latin typeface="Menlo" panose="020B0609030804020204" pitchFamily="49" charset="0"/>
-                <a:cs typeface="Menlo" panose="020B0609030804020204" pitchFamily="49" charset="0"/>
-              </a:rPr>
-              <a:t>代表上 、</a:t>
-            </a:r>
-            <a:r>
-              <a:rPr kumimoji="1" lang="en-US" altLang="zh-TW" sz="1600" dirty="0">
-                <a:latin typeface="Menlo" panose="020B0609030804020204" pitchFamily="49" charset="0"/>
-                <a:ea typeface="Menlo" panose="020B0609030804020204" pitchFamily="49" charset="0"/>
-                <a:cs typeface="Menlo" panose="020B0609030804020204" pitchFamily="49" charset="0"/>
-              </a:rPr>
-              <a:t>2</a:t>
-            </a:r>
-            <a:r>
-              <a:rPr kumimoji="1" lang="zh-TW" altLang="en-US" sz="1600" dirty="0">
-                <a:latin typeface="Menlo" panose="020B0609030804020204" pitchFamily="49" charset="0"/>
-                <a:cs typeface="Menlo" panose="020B0609030804020204" pitchFamily="49" charset="0"/>
-              </a:rPr>
-              <a:t>代表右 、</a:t>
-            </a:r>
-            <a:r>
-              <a:rPr kumimoji="1" lang="en-US" altLang="zh-TW" sz="1600" dirty="0">
-                <a:latin typeface="Menlo" panose="020B0609030804020204" pitchFamily="49" charset="0"/>
-                <a:ea typeface="Menlo" panose="020B0609030804020204" pitchFamily="49" charset="0"/>
-                <a:cs typeface="Menlo" panose="020B0609030804020204" pitchFamily="49" charset="0"/>
-              </a:rPr>
-              <a:t>3</a:t>
-            </a:r>
-            <a:r>
-              <a:rPr kumimoji="1" lang="zh-TW" altLang="en-US" sz="1600" dirty="0">
-                <a:latin typeface="Menlo" panose="020B0609030804020204" pitchFamily="49" charset="0"/>
-                <a:cs typeface="Menlo" panose="020B0609030804020204" pitchFamily="49" charset="0"/>
-              </a:rPr>
-              <a:t>代表下 </a:t>
-            </a:r>
-          </a:p>
-          <a:p>
-            <a:r>
-              <a:rPr kumimoji="1" lang="zh-TW" altLang="en-US" sz="1600" dirty="0">
-                <a:latin typeface="Menlo" panose="020B0609030804020204" pitchFamily="49" charset="0"/>
-                <a:cs typeface="Menlo" panose="020B0609030804020204" pitchFamily="49" charset="0"/>
-              </a:rPr>
-              <a:t>        </a:t>
-            </a:r>
-            <a:r>
-              <a:rPr kumimoji="1" lang="en" altLang="zh-TW" sz="1600" dirty="0">
-                <a:latin typeface="Menlo" panose="020B0609030804020204" pitchFamily="49" charset="0"/>
-                <a:ea typeface="Menlo" panose="020B0609030804020204" pitchFamily="49" charset="0"/>
-                <a:cs typeface="Menlo" panose="020B0609030804020204" pitchFamily="49" charset="0"/>
-              </a:rPr>
-              <a:t>direction = [(0, -1), (-1, 0), (0, 1), (1, 0)]</a:t>
-            </a:r>
-          </a:p>
-          <a:p>
-            <a:r>
-              <a:rPr kumimoji="1" lang="en" altLang="zh-TW" sz="1600" dirty="0">
-                <a:latin typeface="Menlo" panose="020B0609030804020204" pitchFamily="49" charset="0"/>
-                <a:ea typeface="Menlo" panose="020B0609030804020204" pitchFamily="49" charset="0"/>
-                <a:cs typeface="Menlo" panose="020B0609030804020204" pitchFamily="49" charset="0"/>
-              </a:rPr>
-              <a:t>        </a:t>
-            </a:r>
-          </a:p>
-          <a:p>
-            <a:r>
-              <a:rPr kumimoji="1" lang="en" altLang="zh-TW" sz="1600" dirty="0">
-                <a:latin typeface="Menlo" panose="020B0609030804020204" pitchFamily="49" charset="0"/>
-                <a:ea typeface="Menlo" panose="020B0609030804020204" pitchFamily="49" charset="0"/>
-                <a:cs typeface="Menlo" panose="020B0609030804020204" pitchFamily="49" charset="0"/>
-              </a:rPr>
-              <a:t>        step = 1</a:t>
-            </a:r>
-          </a:p>
-          <a:p>
-            <a:r>
-              <a:rPr kumimoji="1" lang="en" altLang="zh-TW" sz="1600" dirty="0">
-                <a:latin typeface="Menlo" panose="020B0609030804020204" pitchFamily="49" charset="0"/>
-                <a:ea typeface="Menlo" panose="020B0609030804020204" pitchFamily="49" charset="0"/>
-                <a:cs typeface="Menlo" panose="020B0609030804020204" pitchFamily="49" charset="0"/>
-              </a:rPr>
-              <a:t>        </a:t>
-            </a:r>
-            <a:r>
-              <a:rPr kumimoji="1" lang="en" altLang="zh-TW" sz="1600" dirty="0" err="1">
-                <a:latin typeface="Menlo" panose="020B0609030804020204" pitchFamily="49" charset="0"/>
-                <a:ea typeface="Menlo" panose="020B0609030804020204" pitchFamily="49" charset="0"/>
-                <a:cs typeface="Menlo" panose="020B0609030804020204" pitchFamily="49" charset="0"/>
-              </a:rPr>
-              <a:t>step_counter</a:t>
-            </a:r>
-            <a:r>
-              <a:rPr kumimoji="1" lang="en" altLang="zh-TW" sz="1600" dirty="0">
-                <a:latin typeface="Menlo" panose="020B0609030804020204" pitchFamily="49" charset="0"/>
-                <a:ea typeface="Menlo" panose="020B0609030804020204" pitchFamily="49" charset="0"/>
-                <a:cs typeface="Menlo" panose="020B0609030804020204" pitchFamily="49" charset="0"/>
-              </a:rPr>
-              <a:t> = 0</a:t>
-            </a:r>
-          </a:p>
-          <a:p>
-            <a:r>
-              <a:rPr kumimoji="1" lang="en" altLang="zh-TW" sz="1600" dirty="0">
-                <a:latin typeface="Menlo" panose="020B0609030804020204" pitchFamily="49" charset="0"/>
-                <a:ea typeface="Menlo" panose="020B0609030804020204" pitchFamily="49" charset="0"/>
-                <a:cs typeface="Menlo" panose="020B0609030804020204" pitchFamily="49" charset="0"/>
-              </a:rPr>
-              <a:t>        </a:t>
-            </a:r>
-          </a:p>
-          <a:p>
-            <a:r>
-              <a:rPr kumimoji="1" lang="en" altLang="zh-TW" sz="1600" dirty="0">
-                <a:latin typeface="Menlo" panose="020B0609030804020204" pitchFamily="49" charset="0"/>
-                <a:ea typeface="Menlo" panose="020B0609030804020204" pitchFamily="49" charset="0"/>
-                <a:cs typeface="Menlo" panose="020B0609030804020204" pitchFamily="49" charset="0"/>
-              </a:rPr>
-              <a:t>        counter = 1</a:t>
-            </a:r>
-          </a:p>
-          <a:p>
-            <a:r>
-              <a:rPr kumimoji="1" lang="en" altLang="zh-TW" sz="1600" dirty="0">
-                <a:latin typeface="Menlo" panose="020B0609030804020204" pitchFamily="49" charset="0"/>
-                <a:ea typeface="Menlo" panose="020B0609030804020204" pitchFamily="49" charset="0"/>
-                <a:cs typeface="Menlo" panose="020B0609030804020204" pitchFamily="49" charset="0"/>
-              </a:rPr>
-              <a:t>        row = N // 2</a:t>
-            </a:r>
-          </a:p>
-          <a:p>
-            <a:r>
-              <a:rPr kumimoji="1" lang="en" altLang="zh-TW" sz="1600" dirty="0">
-                <a:latin typeface="Menlo" panose="020B0609030804020204" pitchFamily="49" charset="0"/>
-                <a:ea typeface="Menlo" panose="020B0609030804020204" pitchFamily="49" charset="0"/>
-                <a:cs typeface="Menlo" panose="020B0609030804020204" pitchFamily="49" charset="0"/>
-              </a:rPr>
-              <a:t>        col = N // 2</a:t>
-            </a:r>
-          </a:p>
-          <a:p>
-            <a:r>
-              <a:rPr kumimoji="1" lang="en" altLang="zh-TW" sz="1600" dirty="0">
-                <a:latin typeface="Menlo" panose="020B0609030804020204" pitchFamily="49" charset="0"/>
-                <a:ea typeface="Menlo" panose="020B0609030804020204" pitchFamily="49" charset="0"/>
-                <a:cs typeface="Menlo" panose="020B0609030804020204" pitchFamily="49" charset="0"/>
-              </a:rPr>
-              <a:t>        print(mat[row][col], end="")</a:t>
-            </a:r>
-          </a:p>
-          <a:p>
-            <a:r>
-              <a:rPr kumimoji="1" lang="en" altLang="zh-TW" sz="1600" dirty="0">
-                <a:latin typeface="Menlo" panose="020B0609030804020204" pitchFamily="49" charset="0"/>
-                <a:ea typeface="Menlo" panose="020B0609030804020204" pitchFamily="49" charset="0"/>
-                <a:cs typeface="Menlo" panose="020B0609030804020204" pitchFamily="49" charset="0"/>
-              </a:rPr>
-              <a:t>        </a:t>
-            </a:r>
-          </a:p>
-          <a:p>
-            <a:r>
-              <a:rPr kumimoji="1" lang="en" altLang="zh-TW" sz="1600" dirty="0">
-                <a:latin typeface="Menlo" panose="020B0609030804020204" pitchFamily="49" charset="0"/>
-                <a:ea typeface="Menlo" panose="020B0609030804020204" pitchFamily="49" charset="0"/>
-                <a:cs typeface="Menlo" panose="020B0609030804020204" pitchFamily="49" charset="0"/>
-              </a:rPr>
-              <a:t>        </a:t>
-            </a:r>
-            <a:endParaRPr kumimoji="1" lang="zh-TW" altLang="en-US" sz="1600" dirty="0">
-              <a:latin typeface="Menlo" panose="020B0609030804020204" pitchFamily="49" charset="0"/>
-              <a:cs typeface="Menlo" panose="020B0609030804020204" pitchFamily="49" charset="0"/>
-            </a:endParaRPr>
-          </a:p>
-        </p:txBody>
-      </p:sp>
-    </p:spTree>
-    <p:extLst>
-      <p:ext uri="{BB962C8B-B14F-4D97-AF65-F5344CB8AC3E}">
-        <p14:creationId xmlns:p14="http://schemas.microsoft.com/office/powerpoint/2010/main" val="2539955528"/>
-      </p:ext>
-    </p:extLst>
-  </p:cSld>
-  <p:clrMapOvr>
-    <a:masterClrMapping/>
-  </p:clrMapOvr>
-</p:sld>
-</file>
-
-<file path=ppt/slides/slide11.xml><?xml version="1.0" encoding="utf-8"?>
-<p:sld xmlns:a="http://schemas.openxmlformats.org/drawingml/2006/main" xmlns:r="http://schemas.openxmlformats.org/officeDocument/2006/relationships" xmlns:p="http://schemas.openxmlformats.org/presentationml/2006/main">
-  <p:cSld>
-    <p:spTree>
-      <p:nvGrpSpPr>
-        <p:cNvPr id="1" name=""/>
-        <p:cNvGrpSpPr/>
-        <p:nvPr/>
-      </p:nvGrpSpPr>
-      <p:grpSpPr>
-        <a:xfrm>
-          <a:off x="0" y="0"/>
-          <a:ext cx="0" cy="0"/>
-          <a:chOff x="0" y="0"/>
-          <a:chExt cx="0" cy="0"/>
-        </a:xfrm>
-      </p:grpSpPr>
-      <p:sp>
-        <p:nvSpPr>
-          <p:cNvPr id="2" name="標題 1">
-            <a:extLst>
-              <a:ext uri="{FF2B5EF4-FFF2-40B4-BE49-F238E27FC236}">
-                <a16:creationId xmlns:a16="http://schemas.microsoft.com/office/drawing/2014/main" id="{10B8BB61-7E9B-344D-BFA6-31DF107FD4A4}"/>
-              </a:ext>
-            </a:extLst>
-          </p:cNvPr>
-          <p:cNvSpPr>
-            <a:spLocks noGrp="1"/>
-          </p:cNvSpPr>
-          <p:nvPr>
-            <p:ph type="title"/>
-          </p:nvPr>
-        </p:nvSpPr>
-        <p:spPr/>
-        <p:txBody>
-          <a:bodyPr>
-            <a:normAutofit fontScale="90000"/>
-          </a:bodyPr>
-          <a:lstStyle/>
-          <a:p>
-            <a:r>
-              <a:rPr lang="en-US" altLang="zh-TW" dirty="0"/>
-              <a:t>2017</a:t>
-            </a:r>
-            <a:r>
-              <a:rPr lang="zh-TW" altLang="en-US" dirty="0"/>
-              <a:t>年</a:t>
-            </a:r>
-            <a:r>
-              <a:rPr lang="en-US" altLang="zh-TW" dirty="0"/>
-              <a:t>3</a:t>
-            </a:r>
-            <a:r>
-              <a:rPr lang="zh-TW" altLang="en-US" dirty="0"/>
-              <a:t>月</a:t>
-            </a:r>
-            <a:r>
-              <a:rPr lang="zh-TW" altLang="en-US" dirty="0">
-                <a:solidFill>
-                  <a:schemeClr val="dk1"/>
-                </a:solidFill>
-              </a:rPr>
-              <a:t>第 </a:t>
-            </a:r>
-            <a:r>
-              <a:rPr lang="en-US" altLang="zh-TW" dirty="0">
-                <a:solidFill>
-                  <a:schemeClr val="dk1"/>
-                </a:solidFill>
-              </a:rPr>
-              <a:t>3 </a:t>
-            </a:r>
-            <a:r>
-              <a:rPr lang="zh-TW" altLang="en-US" dirty="0">
-                <a:solidFill>
-                  <a:schemeClr val="dk1"/>
-                </a:solidFill>
-              </a:rPr>
-              <a:t>題 數字龍捲風</a:t>
-            </a:r>
-            <a:r>
-              <a:rPr lang="en-US" altLang="zh-TW" dirty="0">
-                <a:solidFill>
-                  <a:schemeClr val="dk1"/>
-                </a:solidFill>
-              </a:rPr>
-              <a:t> [</a:t>
-            </a:r>
-            <a:r>
-              <a:rPr lang="en-US" altLang="zh-TW" dirty="0">
-                <a:solidFill>
-                  <a:schemeClr val="dk1"/>
-                </a:solidFill>
-                <a:hlinkClick r:id="rId2"/>
-              </a:rPr>
-              <a:t>Link</a:t>
-            </a:r>
-            <a:r>
-              <a:rPr lang="en-US" altLang="zh-TW" dirty="0">
-                <a:solidFill>
-                  <a:schemeClr val="dk1"/>
-                </a:solidFill>
-              </a:rPr>
-              <a:t>]</a:t>
-            </a:r>
-            <a:br>
-              <a:rPr lang="zh-TW" altLang="en-US" dirty="0"/>
-            </a:br>
-            <a:br>
-              <a:rPr lang="zh-TW" altLang="en-US" dirty="0"/>
-            </a:br>
-            <a:endParaRPr kumimoji="1" lang="zh-TW" altLang="en-US" dirty="0"/>
-          </a:p>
-        </p:txBody>
-      </p:sp>
-      <p:sp>
-        <p:nvSpPr>
-          <p:cNvPr id="4" name="文字方塊 3">
-            <a:extLst>
-              <a:ext uri="{FF2B5EF4-FFF2-40B4-BE49-F238E27FC236}">
-                <a16:creationId xmlns:a16="http://schemas.microsoft.com/office/drawing/2014/main" id="{CE4C617B-B5EE-3C45-8283-893ED13FEAA9}"/>
-              </a:ext>
-            </a:extLst>
-          </p:cNvPr>
-          <p:cNvSpPr txBox="1"/>
-          <p:nvPr/>
-        </p:nvSpPr>
-        <p:spPr>
-          <a:xfrm>
-            <a:off x="803458" y="1289269"/>
-            <a:ext cx="5615640" cy="5016758"/>
-          </a:xfrm>
-          <a:prstGeom prst="rect">
-            <a:avLst/>
-          </a:prstGeom>
-          <a:noFill/>
-          <a:ln>
-            <a:solidFill>
-              <a:schemeClr val="accent1"/>
-            </a:solidFill>
-          </a:ln>
-        </p:spPr>
-        <p:txBody>
-          <a:bodyPr wrap="none" rtlCol="0">
-            <a:spAutoFit/>
-          </a:bodyPr>
-          <a:lstStyle/>
-          <a:p>
-            <a:r>
-              <a:rPr kumimoji="1" lang="en" altLang="zh-TW" sz="1600" dirty="0">
-                <a:latin typeface="Menlo" panose="020B0609030804020204" pitchFamily="49" charset="0"/>
-                <a:ea typeface="Menlo" panose="020B0609030804020204" pitchFamily="49" charset="0"/>
-                <a:cs typeface="Menlo" panose="020B0609030804020204" pitchFamily="49" charset="0"/>
-              </a:rPr>
-              <a:t>        </a:t>
-            </a:r>
-          </a:p>
-          <a:p>
-            <a:r>
-              <a:rPr kumimoji="1" lang="en" altLang="zh-TW" sz="1600" dirty="0">
-                <a:latin typeface="Menlo" panose="020B0609030804020204" pitchFamily="49" charset="0"/>
-                <a:ea typeface="Menlo" panose="020B0609030804020204" pitchFamily="49" charset="0"/>
-                <a:cs typeface="Menlo" panose="020B0609030804020204" pitchFamily="49" charset="0"/>
-              </a:rPr>
-              <a:t>        while counter &lt; </a:t>
-            </a:r>
-            <a:r>
-              <a:rPr kumimoji="1" lang="en" altLang="zh-TW" sz="1600" dirty="0" err="1">
-                <a:latin typeface="Menlo" panose="020B0609030804020204" pitchFamily="49" charset="0"/>
-                <a:ea typeface="Menlo" panose="020B0609030804020204" pitchFamily="49" charset="0"/>
-                <a:cs typeface="Menlo" panose="020B0609030804020204" pitchFamily="49" charset="0"/>
-              </a:rPr>
-              <a:t>total_steps</a:t>
-            </a:r>
-            <a:r>
-              <a:rPr kumimoji="1" lang="en" altLang="zh-TW" sz="1600" dirty="0">
-                <a:latin typeface="Menlo" panose="020B0609030804020204" pitchFamily="49" charset="0"/>
-                <a:ea typeface="Menlo" panose="020B0609030804020204" pitchFamily="49" charset="0"/>
-                <a:cs typeface="Menlo" panose="020B0609030804020204" pitchFamily="49" charset="0"/>
-              </a:rPr>
-              <a:t>:</a:t>
-            </a:r>
-          </a:p>
-          <a:p>
-            <a:r>
-              <a:rPr kumimoji="1" lang="en" altLang="zh-TW" sz="1600" dirty="0">
-                <a:latin typeface="Menlo" panose="020B0609030804020204" pitchFamily="49" charset="0"/>
-                <a:ea typeface="Menlo" panose="020B0609030804020204" pitchFamily="49" charset="0"/>
-                <a:cs typeface="Menlo" panose="020B0609030804020204" pitchFamily="49" charset="0"/>
-              </a:rPr>
-              <a:t>            for </a:t>
-            </a:r>
-            <a:r>
-              <a:rPr kumimoji="1" lang="en" altLang="zh-TW" sz="1600" dirty="0" err="1">
-                <a:latin typeface="Menlo" panose="020B0609030804020204" pitchFamily="49" charset="0"/>
-                <a:ea typeface="Menlo" panose="020B0609030804020204" pitchFamily="49" charset="0"/>
-                <a:cs typeface="Menlo" panose="020B0609030804020204" pitchFamily="49" charset="0"/>
-              </a:rPr>
-              <a:t>i</a:t>
-            </a:r>
-            <a:r>
-              <a:rPr kumimoji="1" lang="en" altLang="zh-TW" sz="1600" dirty="0">
-                <a:latin typeface="Menlo" panose="020B0609030804020204" pitchFamily="49" charset="0"/>
-                <a:ea typeface="Menlo" panose="020B0609030804020204" pitchFamily="49" charset="0"/>
-                <a:cs typeface="Menlo" panose="020B0609030804020204" pitchFamily="49" charset="0"/>
-              </a:rPr>
-              <a:t> in range(step):</a:t>
-            </a:r>
-          </a:p>
-          <a:p>
-            <a:r>
-              <a:rPr kumimoji="1" lang="en" altLang="zh-TW" sz="1600" dirty="0">
-                <a:latin typeface="Menlo" panose="020B0609030804020204" pitchFamily="49" charset="0"/>
-                <a:ea typeface="Menlo" panose="020B0609030804020204" pitchFamily="49" charset="0"/>
-                <a:cs typeface="Menlo" panose="020B0609030804020204" pitchFamily="49" charset="0"/>
-              </a:rPr>
-              <a:t>                row += direction[d][0]</a:t>
-            </a:r>
-          </a:p>
-          <a:p>
-            <a:r>
-              <a:rPr kumimoji="1" lang="en" altLang="zh-TW" sz="1600" dirty="0">
-                <a:latin typeface="Menlo" panose="020B0609030804020204" pitchFamily="49" charset="0"/>
-                <a:ea typeface="Menlo" panose="020B0609030804020204" pitchFamily="49" charset="0"/>
-                <a:cs typeface="Menlo" panose="020B0609030804020204" pitchFamily="49" charset="0"/>
-              </a:rPr>
-              <a:t>                col += direction[d][1]</a:t>
-            </a:r>
-          </a:p>
-          <a:p>
-            <a:r>
-              <a:rPr kumimoji="1" lang="en" altLang="zh-TW" sz="1600" dirty="0">
-                <a:latin typeface="Menlo" panose="020B0609030804020204" pitchFamily="49" charset="0"/>
-                <a:ea typeface="Menlo" panose="020B0609030804020204" pitchFamily="49" charset="0"/>
-                <a:cs typeface="Menlo" panose="020B0609030804020204" pitchFamily="49" charset="0"/>
-              </a:rPr>
-              <a:t>                print(mat[row][col], end="")</a:t>
-            </a:r>
-          </a:p>
-          <a:p>
-            <a:r>
-              <a:rPr kumimoji="1" lang="en" altLang="zh-TW" sz="1600" dirty="0">
-                <a:latin typeface="Menlo" panose="020B0609030804020204" pitchFamily="49" charset="0"/>
-                <a:ea typeface="Menlo" panose="020B0609030804020204" pitchFamily="49" charset="0"/>
-                <a:cs typeface="Menlo" panose="020B0609030804020204" pitchFamily="49" charset="0"/>
-              </a:rPr>
-              <a:t>                counter += 1</a:t>
-            </a:r>
-          </a:p>
-          <a:p>
-            <a:r>
-              <a:rPr kumimoji="1" lang="en" altLang="zh-TW" sz="1600" dirty="0">
-                <a:latin typeface="Menlo" panose="020B0609030804020204" pitchFamily="49" charset="0"/>
-                <a:ea typeface="Menlo" panose="020B0609030804020204" pitchFamily="49" charset="0"/>
-                <a:cs typeface="Menlo" panose="020B0609030804020204" pitchFamily="49" charset="0"/>
-              </a:rPr>
-              <a:t>                if counter == </a:t>
-            </a:r>
-            <a:r>
-              <a:rPr kumimoji="1" lang="en" altLang="zh-TW" sz="1600" dirty="0" err="1">
-                <a:latin typeface="Menlo" panose="020B0609030804020204" pitchFamily="49" charset="0"/>
-                <a:ea typeface="Menlo" panose="020B0609030804020204" pitchFamily="49" charset="0"/>
-                <a:cs typeface="Menlo" panose="020B0609030804020204" pitchFamily="49" charset="0"/>
-              </a:rPr>
-              <a:t>total_steps</a:t>
-            </a:r>
-            <a:r>
-              <a:rPr kumimoji="1" lang="en" altLang="zh-TW" sz="1600" dirty="0">
-                <a:latin typeface="Menlo" panose="020B0609030804020204" pitchFamily="49" charset="0"/>
-                <a:ea typeface="Menlo" panose="020B0609030804020204" pitchFamily="49" charset="0"/>
-                <a:cs typeface="Menlo" panose="020B0609030804020204" pitchFamily="49" charset="0"/>
-              </a:rPr>
-              <a:t>:</a:t>
-            </a:r>
-          </a:p>
-          <a:p>
-            <a:r>
-              <a:rPr kumimoji="1" lang="en" altLang="zh-TW" sz="1600" dirty="0">
-                <a:latin typeface="Menlo" panose="020B0609030804020204" pitchFamily="49" charset="0"/>
-                <a:ea typeface="Menlo" panose="020B0609030804020204" pitchFamily="49" charset="0"/>
-                <a:cs typeface="Menlo" panose="020B0609030804020204" pitchFamily="49" charset="0"/>
-              </a:rPr>
-              <a:t>                    break</a:t>
-            </a:r>
-          </a:p>
-          <a:p>
-            <a:r>
-              <a:rPr kumimoji="1" lang="en" altLang="zh-TW" sz="1600" dirty="0">
-                <a:latin typeface="Menlo" panose="020B0609030804020204" pitchFamily="49" charset="0"/>
-                <a:ea typeface="Menlo" panose="020B0609030804020204" pitchFamily="49" charset="0"/>
-                <a:cs typeface="Menlo" panose="020B0609030804020204" pitchFamily="49" charset="0"/>
-              </a:rPr>
-              <a:t>            </a:t>
-            </a:r>
-          </a:p>
-          <a:p>
-            <a:r>
-              <a:rPr kumimoji="1" lang="en" altLang="zh-TW" sz="1600" dirty="0">
-                <a:latin typeface="Menlo" panose="020B0609030804020204" pitchFamily="49" charset="0"/>
-                <a:ea typeface="Menlo" panose="020B0609030804020204" pitchFamily="49" charset="0"/>
-                <a:cs typeface="Menlo" panose="020B0609030804020204" pitchFamily="49" charset="0"/>
-              </a:rPr>
-              <a:t>            if counter == N * N:</a:t>
-            </a:r>
-          </a:p>
-          <a:p>
-            <a:r>
-              <a:rPr kumimoji="1" lang="en" altLang="zh-TW" sz="1600" dirty="0">
-                <a:latin typeface="Menlo" panose="020B0609030804020204" pitchFamily="49" charset="0"/>
-                <a:ea typeface="Menlo" panose="020B0609030804020204" pitchFamily="49" charset="0"/>
-                <a:cs typeface="Menlo" panose="020B0609030804020204" pitchFamily="49" charset="0"/>
-              </a:rPr>
-              <a:t>                break</a:t>
-            </a:r>
-          </a:p>
-          <a:p>
-            <a:r>
-              <a:rPr kumimoji="1" lang="en" altLang="zh-TW" sz="1600" dirty="0">
-                <a:latin typeface="Menlo" panose="020B0609030804020204" pitchFamily="49" charset="0"/>
-                <a:ea typeface="Menlo" panose="020B0609030804020204" pitchFamily="49" charset="0"/>
-                <a:cs typeface="Menlo" panose="020B0609030804020204" pitchFamily="49" charset="0"/>
-              </a:rPr>
-              <a:t>            </a:t>
-            </a:r>
-          </a:p>
-          <a:p>
-            <a:r>
-              <a:rPr kumimoji="1" lang="en" altLang="zh-TW" sz="1600" dirty="0">
-                <a:latin typeface="Menlo" panose="020B0609030804020204" pitchFamily="49" charset="0"/>
-                <a:ea typeface="Menlo" panose="020B0609030804020204" pitchFamily="49" charset="0"/>
-                <a:cs typeface="Menlo" panose="020B0609030804020204" pitchFamily="49" charset="0"/>
-              </a:rPr>
-              <a:t>            </a:t>
-            </a:r>
-            <a:r>
-              <a:rPr kumimoji="1" lang="en" altLang="zh-TW" sz="1600" dirty="0" err="1">
-                <a:latin typeface="Menlo" panose="020B0609030804020204" pitchFamily="49" charset="0"/>
-                <a:ea typeface="Menlo" panose="020B0609030804020204" pitchFamily="49" charset="0"/>
-                <a:cs typeface="Menlo" panose="020B0609030804020204" pitchFamily="49" charset="0"/>
-              </a:rPr>
-              <a:t>step_counter</a:t>
-            </a:r>
-            <a:r>
-              <a:rPr kumimoji="1" lang="en" altLang="zh-TW" sz="1600" dirty="0">
-                <a:latin typeface="Menlo" panose="020B0609030804020204" pitchFamily="49" charset="0"/>
-                <a:ea typeface="Menlo" panose="020B0609030804020204" pitchFamily="49" charset="0"/>
-                <a:cs typeface="Menlo" panose="020B0609030804020204" pitchFamily="49" charset="0"/>
-              </a:rPr>
-              <a:t> += 1</a:t>
-            </a:r>
-          </a:p>
-          <a:p>
-            <a:r>
-              <a:rPr kumimoji="1" lang="en" altLang="zh-TW" sz="1600" dirty="0">
-                <a:latin typeface="Menlo" panose="020B0609030804020204" pitchFamily="49" charset="0"/>
-                <a:ea typeface="Menlo" panose="020B0609030804020204" pitchFamily="49" charset="0"/>
-                <a:cs typeface="Menlo" panose="020B0609030804020204" pitchFamily="49" charset="0"/>
-              </a:rPr>
-              <a:t>            if </a:t>
-            </a:r>
-            <a:r>
-              <a:rPr kumimoji="1" lang="en" altLang="zh-TW" sz="1600" dirty="0" err="1">
-                <a:latin typeface="Menlo" panose="020B0609030804020204" pitchFamily="49" charset="0"/>
-                <a:ea typeface="Menlo" panose="020B0609030804020204" pitchFamily="49" charset="0"/>
-                <a:cs typeface="Menlo" panose="020B0609030804020204" pitchFamily="49" charset="0"/>
-              </a:rPr>
-              <a:t>step_counter</a:t>
-            </a:r>
-            <a:r>
-              <a:rPr kumimoji="1" lang="en" altLang="zh-TW" sz="1600" dirty="0">
-                <a:latin typeface="Menlo" panose="020B0609030804020204" pitchFamily="49" charset="0"/>
-                <a:ea typeface="Menlo" panose="020B0609030804020204" pitchFamily="49" charset="0"/>
-                <a:cs typeface="Menlo" panose="020B0609030804020204" pitchFamily="49" charset="0"/>
-              </a:rPr>
-              <a:t> % 2 == 0:</a:t>
-            </a:r>
-          </a:p>
-          <a:p>
-            <a:r>
-              <a:rPr kumimoji="1" lang="en" altLang="zh-TW" sz="1600" dirty="0">
-                <a:latin typeface="Menlo" panose="020B0609030804020204" pitchFamily="49" charset="0"/>
-                <a:ea typeface="Menlo" panose="020B0609030804020204" pitchFamily="49" charset="0"/>
-                <a:cs typeface="Menlo" panose="020B0609030804020204" pitchFamily="49" charset="0"/>
-              </a:rPr>
-              <a:t>                step += 1</a:t>
-            </a:r>
-          </a:p>
-          <a:p>
-            <a:r>
-              <a:rPr kumimoji="1" lang="en" altLang="zh-TW" sz="1600" dirty="0">
-                <a:latin typeface="Menlo" panose="020B0609030804020204" pitchFamily="49" charset="0"/>
-                <a:ea typeface="Menlo" panose="020B0609030804020204" pitchFamily="49" charset="0"/>
-                <a:cs typeface="Menlo" panose="020B0609030804020204" pitchFamily="49" charset="0"/>
-              </a:rPr>
-              <a:t>            </a:t>
-            </a:r>
-          </a:p>
-          <a:p>
-            <a:r>
-              <a:rPr kumimoji="1" lang="en" altLang="zh-TW" sz="1600" dirty="0">
-                <a:latin typeface="Menlo" panose="020B0609030804020204" pitchFamily="49" charset="0"/>
-                <a:ea typeface="Menlo" panose="020B0609030804020204" pitchFamily="49" charset="0"/>
-                <a:cs typeface="Menlo" panose="020B0609030804020204" pitchFamily="49" charset="0"/>
-              </a:rPr>
-              <a:t>            d = (d + 1) % 4</a:t>
-            </a:r>
-          </a:p>
-          <a:p>
-            <a:r>
-              <a:rPr kumimoji="1" lang="en" altLang="zh-TW" sz="1600" dirty="0">
-                <a:latin typeface="Menlo" panose="020B0609030804020204" pitchFamily="49" charset="0"/>
-                <a:ea typeface="Menlo" panose="020B0609030804020204" pitchFamily="49" charset="0"/>
-                <a:cs typeface="Menlo" panose="020B0609030804020204" pitchFamily="49" charset="0"/>
-              </a:rPr>
-              <a:t>    except:</a:t>
-            </a:r>
-          </a:p>
-          <a:p>
-            <a:r>
-              <a:rPr kumimoji="1" lang="en" altLang="zh-TW" sz="1600" dirty="0">
-                <a:latin typeface="Menlo" panose="020B0609030804020204" pitchFamily="49" charset="0"/>
-                <a:ea typeface="Menlo" panose="020B0609030804020204" pitchFamily="49" charset="0"/>
-                <a:cs typeface="Menlo" panose="020B0609030804020204" pitchFamily="49" charset="0"/>
-              </a:rPr>
-              <a:t>        break</a:t>
-            </a:r>
-            <a:endParaRPr kumimoji="1" lang="zh-TW" altLang="en-US" sz="1600" dirty="0">
-              <a:latin typeface="Menlo" panose="020B0609030804020204" pitchFamily="49" charset="0"/>
-              <a:cs typeface="Menlo" panose="020B0609030804020204" pitchFamily="49" charset="0"/>
-            </a:endParaRPr>
-          </a:p>
-        </p:txBody>
-      </p:sp>
-    </p:spTree>
-    <p:extLst>
-      <p:ext uri="{BB962C8B-B14F-4D97-AF65-F5344CB8AC3E}">
-        <p14:creationId xmlns:p14="http://schemas.microsoft.com/office/powerpoint/2010/main" val="3058296063"/>
-      </p:ext>
-    </p:extLst>
-  </p:cSld>
-  <p:clrMapOvr>
-    <a:masterClrMapping/>
-  </p:clrMapOvr>
-</p:sld>
-</file>
-
-<file path=ppt/slides/slide12.xml><?xml version="1.0" encoding="utf-8"?>
-<p:sld xmlns:a="http://schemas.openxmlformats.org/drawingml/2006/main" xmlns:r="http://schemas.openxmlformats.org/officeDocument/2006/relationships" xmlns:p="http://schemas.openxmlformats.org/presentationml/2006/main">
-  <p:cSld>
-    <p:spTree>
-      <p:nvGrpSpPr>
-        <p:cNvPr id="1" name=""/>
-        <p:cNvGrpSpPr/>
-        <p:nvPr/>
-      </p:nvGrpSpPr>
-      <p:grpSpPr>
-        <a:xfrm>
-          <a:off x="0" y="0"/>
-          <a:ext cx="0" cy="0"/>
-          <a:chOff x="0" y="0"/>
-          <a:chExt cx="0" cy="0"/>
-        </a:xfrm>
-      </p:grpSpPr>
-      <p:sp>
-        <p:nvSpPr>
-          <p:cNvPr id="2" name="標題 1">
-            <a:extLst>
-              <a:ext uri="{FF2B5EF4-FFF2-40B4-BE49-F238E27FC236}">
-                <a16:creationId xmlns:a16="http://schemas.microsoft.com/office/drawing/2014/main" id="{6DA904D2-F421-9141-97B5-200B82E1460C}"/>
-              </a:ext>
-            </a:extLst>
-          </p:cNvPr>
-          <p:cNvSpPr>
-            <a:spLocks noGrp="1"/>
-          </p:cNvSpPr>
-          <p:nvPr>
-            <p:ph type="title"/>
-          </p:nvPr>
-        </p:nvSpPr>
-        <p:spPr/>
-        <p:txBody>
-          <a:bodyPr>
-            <a:normAutofit fontScale="90000"/>
-          </a:bodyPr>
-          <a:lstStyle/>
-          <a:p>
-            <a:r>
-              <a:rPr lang="en-US" altLang="zh-TW" dirty="0"/>
-              <a:t>2017</a:t>
-            </a:r>
-            <a:r>
-              <a:rPr lang="zh-TW" altLang="en-US" dirty="0"/>
-              <a:t>年</a:t>
-            </a:r>
-            <a:r>
-              <a:rPr lang="en-US" altLang="zh-TW" dirty="0"/>
-              <a:t>10</a:t>
-            </a:r>
-            <a:r>
-              <a:rPr lang="zh-TW" altLang="en-US" dirty="0"/>
-              <a:t>月</a:t>
-            </a:r>
-            <a:r>
-              <a:rPr lang="zh-TW" altLang="en-US" dirty="0">
-                <a:solidFill>
-                  <a:schemeClr val="dk1"/>
-                </a:solidFill>
-              </a:rPr>
-              <a:t>第 </a:t>
-            </a:r>
-            <a:r>
-              <a:rPr lang="en-US" altLang="zh-TW" dirty="0">
-                <a:solidFill>
-                  <a:schemeClr val="dk1"/>
-                </a:solidFill>
-              </a:rPr>
-              <a:t>1 </a:t>
-            </a:r>
-            <a:r>
-              <a:rPr lang="zh-TW" altLang="en-US" dirty="0">
-                <a:solidFill>
-                  <a:schemeClr val="dk1"/>
-                </a:solidFill>
-              </a:rPr>
-              <a:t>題 邏輯運算子</a:t>
-            </a:r>
-            <a:r>
-              <a:rPr lang="en" altLang="zh-TW" dirty="0">
-                <a:solidFill>
-                  <a:schemeClr val="dk1"/>
-                </a:solidFill>
-              </a:rPr>
-              <a:t> </a:t>
-            </a:r>
-            <a:r>
-              <a:rPr lang="en-US" altLang="zh-TW" dirty="0">
-                <a:solidFill>
-                  <a:schemeClr val="dk1"/>
-                </a:solidFill>
-              </a:rPr>
-              <a:t>[</a:t>
-            </a:r>
-            <a:r>
-              <a:rPr lang="en-US" altLang="zh-TW" dirty="0">
-                <a:solidFill>
-                  <a:schemeClr val="dk1"/>
-                </a:solidFill>
-                <a:hlinkClick r:id="rId2"/>
-              </a:rPr>
-              <a:t>Link</a:t>
-            </a:r>
-            <a:r>
-              <a:rPr lang="en-US" altLang="zh-TW" dirty="0">
-                <a:solidFill>
-                  <a:schemeClr val="dk1"/>
-                </a:solidFill>
-              </a:rPr>
-              <a:t>]</a:t>
-            </a:r>
-            <a:br>
-              <a:rPr lang="zh-TW" altLang="en-US" dirty="0"/>
-            </a:br>
-            <a:br>
-              <a:rPr lang="zh-TW" altLang="en-US" dirty="0"/>
-            </a:br>
-            <a:endParaRPr kumimoji="1" lang="zh-TW" altLang="en-US" dirty="0"/>
-          </a:p>
-        </p:txBody>
-      </p:sp>
-      <p:sp>
-        <p:nvSpPr>
-          <p:cNvPr id="4" name="矩形 3">
-            <a:extLst>
-              <a:ext uri="{FF2B5EF4-FFF2-40B4-BE49-F238E27FC236}">
-                <a16:creationId xmlns:a16="http://schemas.microsoft.com/office/drawing/2014/main" id="{6698FBF6-5C8F-C444-9E5F-17CF79600CC4}"/>
-              </a:ext>
-            </a:extLst>
-          </p:cNvPr>
-          <p:cNvSpPr/>
-          <p:nvPr/>
-        </p:nvSpPr>
-        <p:spPr>
-          <a:xfrm>
-            <a:off x="1318465" y="1270000"/>
-            <a:ext cx="6096000" cy="5047536"/>
-          </a:xfrm>
-          <a:prstGeom prst="rect">
-            <a:avLst/>
-          </a:prstGeom>
-          <a:ln>
-            <a:solidFill>
-              <a:schemeClr val="accent1"/>
-            </a:solidFill>
-          </a:ln>
-        </p:spPr>
-        <p:txBody>
-          <a:bodyPr>
-            <a:spAutoFit/>
-          </a:bodyPr>
-          <a:lstStyle/>
-          <a:p>
-            <a:r>
-              <a:rPr lang="zh-TW" altLang="en-US" sz="1400" dirty="0">
-                <a:latin typeface="Menlo" panose="020B0609030804020204" pitchFamily="49" charset="0"/>
-                <a:cs typeface="Menlo" panose="020B0609030804020204" pitchFamily="49" charset="0"/>
-              </a:rPr>
-              <a:t>﻿while True:</a:t>
-            </a:r>
-          </a:p>
-          <a:p>
-            <a:r>
-              <a:rPr lang="zh-TW" altLang="en-US" sz="1400" dirty="0">
-                <a:latin typeface="Menlo" panose="020B0609030804020204" pitchFamily="49" charset="0"/>
-                <a:cs typeface="Menlo" panose="020B0609030804020204" pitchFamily="49" charset="0"/>
-              </a:rPr>
-              <a:t>    try:</a:t>
-            </a:r>
-          </a:p>
-          <a:p>
-            <a:r>
-              <a:rPr lang="zh-TW" altLang="en-US" sz="1400" dirty="0">
-                <a:latin typeface="Menlo" panose="020B0609030804020204" pitchFamily="49" charset="0"/>
-                <a:cs typeface="Menlo" panose="020B0609030804020204" pitchFamily="49" charset="0"/>
-              </a:rPr>
-              <a:t>        a, b, c = map(int, input().strip().split())</a:t>
-            </a:r>
-          </a:p>
-          <a:p>
-            <a:r>
-              <a:rPr lang="zh-TW" altLang="en-US" sz="1400" dirty="0">
-                <a:latin typeface="Menlo" panose="020B0609030804020204" pitchFamily="49" charset="0"/>
-                <a:cs typeface="Menlo" panose="020B0609030804020204" pitchFamily="49" charset="0"/>
-              </a:rPr>
-              <a:t>        </a:t>
-            </a:r>
-          </a:p>
-          <a:p>
-            <a:r>
-              <a:rPr lang="zh-TW" altLang="en-US" sz="1400" dirty="0">
-                <a:latin typeface="Menlo" panose="020B0609030804020204" pitchFamily="49" charset="0"/>
-                <a:cs typeface="Menlo" panose="020B0609030804020204" pitchFamily="49" charset="0"/>
-              </a:rPr>
-              <a:t>        isPossible = False</a:t>
-            </a:r>
-          </a:p>
-          <a:p>
-            <a:r>
-              <a:rPr lang="zh-TW" altLang="en-US" sz="1400" dirty="0">
-                <a:latin typeface="Menlo" panose="020B0609030804020204" pitchFamily="49" charset="0"/>
-                <a:cs typeface="Menlo" panose="020B0609030804020204" pitchFamily="49" charset="0"/>
-              </a:rPr>
-              <a:t>        if a != 0 and b != 0:</a:t>
-            </a:r>
-          </a:p>
-          <a:p>
-            <a:r>
-              <a:rPr lang="zh-TW" altLang="en-US" sz="1400" dirty="0">
-                <a:latin typeface="Menlo" panose="020B0609030804020204" pitchFamily="49" charset="0"/>
-                <a:cs typeface="Menlo" panose="020B0609030804020204" pitchFamily="49" charset="0"/>
-              </a:rPr>
-              <a:t>            if c == 1:</a:t>
-            </a:r>
-          </a:p>
-          <a:p>
-            <a:r>
-              <a:rPr lang="zh-TW" altLang="en-US" sz="1400" dirty="0">
-                <a:latin typeface="Menlo" panose="020B0609030804020204" pitchFamily="49" charset="0"/>
-                <a:cs typeface="Menlo" panose="020B0609030804020204" pitchFamily="49" charset="0"/>
-              </a:rPr>
-              <a:t>                isPossible = True</a:t>
-            </a:r>
-          </a:p>
-          <a:p>
-            <a:r>
-              <a:rPr lang="zh-TW" altLang="en-US" sz="1400" dirty="0">
-                <a:latin typeface="Menlo" panose="020B0609030804020204" pitchFamily="49" charset="0"/>
-                <a:cs typeface="Menlo" panose="020B0609030804020204" pitchFamily="49" charset="0"/>
-              </a:rPr>
-              <a:t>                print('AND')</a:t>
-            </a:r>
-          </a:p>
-          <a:p>
-            <a:r>
-              <a:rPr lang="zh-TW" altLang="en-US" sz="1400" dirty="0">
-                <a:latin typeface="Menlo" panose="020B0609030804020204" pitchFamily="49" charset="0"/>
-                <a:cs typeface="Menlo" panose="020B0609030804020204" pitchFamily="49" charset="0"/>
-              </a:rPr>
-              <a:t>        else:</a:t>
-            </a:r>
-          </a:p>
-          <a:p>
-            <a:r>
-              <a:rPr lang="zh-TW" altLang="en-US" sz="1400" dirty="0">
-                <a:latin typeface="Menlo" panose="020B0609030804020204" pitchFamily="49" charset="0"/>
-                <a:cs typeface="Menlo" panose="020B0609030804020204" pitchFamily="49" charset="0"/>
-              </a:rPr>
-              <a:t>            if c == 0:</a:t>
-            </a:r>
-          </a:p>
-          <a:p>
-            <a:r>
-              <a:rPr lang="zh-TW" altLang="en-US" sz="1400" dirty="0">
-                <a:latin typeface="Menlo" panose="020B0609030804020204" pitchFamily="49" charset="0"/>
-                <a:cs typeface="Menlo" panose="020B0609030804020204" pitchFamily="49" charset="0"/>
-              </a:rPr>
-              <a:t>                isPossible = True</a:t>
-            </a:r>
-          </a:p>
-          <a:p>
-            <a:r>
-              <a:rPr lang="zh-TW" altLang="en-US" sz="1400" dirty="0">
-                <a:latin typeface="Menlo" panose="020B0609030804020204" pitchFamily="49" charset="0"/>
-                <a:cs typeface="Menlo" panose="020B0609030804020204" pitchFamily="49" charset="0"/>
-              </a:rPr>
-              <a:t>                print('AND')</a:t>
-            </a:r>
-          </a:p>
-          <a:p>
-            <a:r>
-              <a:rPr lang="zh-TW" altLang="en-US" sz="1400" dirty="0">
-                <a:latin typeface="Menlo" panose="020B0609030804020204" pitchFamily="49" charset="0"/>
-                <a:cs typeface="Menlo" panose="020B0609030804020204" pitchFamily="49" charset="0"/>
-              </a:rPr>
-              <a:t>                </a:t>
-            </a:r>
-          </a:p>
-          <a:p>
-            <a:r>
-              <a:rPr lang="zh-TW" altLang="en-US" sz="1400" dirty="0">
-                <a:latin typeface="Menlo" panose="020B0609030804020204" pitchFamily="49" charset="0"/>
-                <a:cs typeface="Menlo" panose="020B0609030804020204" pitchFamily="49" charset="0"/>
-              </a:rPr>
-              <a:t>        if a != 0 or b != 0:</a:t>
-            </a:r>
-          </a:p>
-          <a:p>
-            <a:r>
-              <a:rPr lang="zh-TW" altLang="en-US" sz="1400" dirty="0">
-                <a:latin typeface="Menlo" panose="020B0609030804020204" pitchFamily="49" charset="0"/>
-                <a:cs typeface="Menlo" panose="020B0609030804020204" pitchFamily="49" charset="0"/>
-              </a:rPr>
-              <a:t>            if c == 1:</a:t>
-            </a:r>
-          </a:p>
-          <a:p>
-            <a:r>
-              <a:rPr lang="zh-TW" altLang="en-US" sz="1400" dirty="0">
-                <a:latin typeface="Menlo" panose="020B0609030804020204" pitchFamily="49" charset="0"/>
-                <a:cs typeface="Menlo" panose="020B0609030804020204" pitchFamily="49" charset="0"/>
-              </a:rPr>
-              <a:t>                isPossible = True</a:t>
-            </a:r>
-          </a:p>
-          <a:p>
-            <a:r>
-              <a:rPr lang="zh-TW" altLang="en-US" sz="1400" dirty="0">
-                <a:latin typeface="Menlo" panose="020B0609030804020204" pitchFamily="49" charset="0"/>
-                <a:cs typeface="Menlo" panose="020B0609030804020204" pitchFamily="49" charset="0"/>
-              </a:rPr>
-              <a:t>                print('OR')</a:t>
-            </a:r>
-          </a:p>
-          <a:p>
-            <a:r>
-              <a:rPr lang="zh-TW" altLang="en-US" sz="1400" dirty="0">
-                <a:latin typeface="Menlo" panose="020B0609030804020204" pitchFamily="49" charset="0"/>
-                <a:cs typeface="Menlo" panose="020B0609030804020204" pitchFamily="49" charset="0"/>
-              </a:rPr>
-              <a:t>        else:</a:t>
-            </a:r>
-          </a:p>
-          <a:p>
-            <a:r>
-              <a:rPr lang="zh-TW" altLang="en-US" sz="1400" dirty="0">
-                <a:latin typeface="Menlo" panose="020B0609030804020204" pitchFamily="49" charset="0"/>
-                <a:cs typeface="Menlo" panose="020B0609030804020204" pitchFamily="49" charset="0"/>
-              </a:rPr>
-              <a:t>            if c == 0:</a:t>
-            </a:r>
-          </a:p>
-          <a:p>
-            <a:r>
-              <a:rPr lang="zh-TW" altLang="en-US" sz="1400" dirty="0">
-                <a:latin typeface="Menlo" panose="020B0609030804020204" pitchFamily="49" charset="0"/>
-                <a:cs typeface="Menlo" panose="020B0609030804020204" pitchFamily="49" charset="0"/>
-              </a:rPr>
-              <a:t>                isPossible = True</a:t>
-            </a:r>
-          </a:p>
-          <a:p>
-            <a:r>
-              <a:rPr lang="zh-TW" altLang="en-US" sz="1400" dirty="0">
-                <a:latin typeface="Menlo" panose="020B0609030804020204" pitchFamily="49" charset="0"/>
-                <a:cs typeface="Menlo" panose="020B0609030804020204" pitchFamily="49" charset="0"/>
-              </a:rPr>
-              <a:t>                print('OR')</a:t>
-            </a:r>
-          </a:p>
-          <a:p>
-            <a:r>
-              <a:rPr lang="zh-TW" altLang="en-US" sz="1400" dirty="0">
-                <a:latin typeface="Menlo" panose="020B0609030804020204" pitchFamily="49" charset="0"/>
-                <a:cs typeface="Menlo" panose="020B0609030804020204" pitchFamily="49" charset="0"/>
-              </a:rPr>
-              <a:t>                </a:t>
-            </a:r>
-          </a:p>
-        </p:txBody>
-      </p:sp>
-    </p:spTree>
-    <p:extLst>
-      <p:ext uri="{BB962C8B-B14F-4D97-AF65-F5344CB8AC3E}">
-        <p14:creationId xmlns:p14="http://schemas.microsoft.com/office/powerpoint/2010/main" val="590031381"/>
-      </p:ext>
-    </p:extLst>
-  </p:cSld>
-  <p:clrMapOvr>
-    <a:masterClrMapping/>
-  </p:clrMapOvr>
-</p:sld>
-</file>
-
-<file path=ppt/slides/slide13.xml><?xml version="1.0" encoding="utf-8"?>
-<p:sld xmlns:a="http://schemas.openxmlformats.org/drawingml/2006/main" xmlns:r="http://schemas.openxmlformats.org/officeDocument/2006/relationships" xmlns:p="http://schemas.openxmlformats.org/presentationml/2006/main">
-  <p:cSld>
-    <p:spTree>
-      <p:nvGrpSpPr>
-        <p:cNvPr id="1" name=""/>
-        <p:cNvGrpSpPr/>
-        <p:nvPr/>
-      </p:nvGrpSpPr>
-      <p:grpSpPr>
-        <a:xfrm>
-          <a:off x="0" y="0"/>
-          <a:ext cx="0" cy="0"/>
-          <a:chOff x="0" y="0"/>
-          <a:chExt cx="0" cy="0"/>
-        </a:xfrm>
-      </p:grpSpPr>
-      <p:sp>
-        <p:nvSpPr>
-          <p:cNvPr id="2" name="標題 1">
-            <a:extLst>
-              <a:ext uri="{FF2B5EF4-FFF2-40B4-BE49-F238E27FC236}">
-                <a16:creationId xmlns:a16="http://schemas.microsoft.com/office/drawing/2014/main" id="{6DA904D2-F421-9141-97B5-200B82E1460C}"/>
-              </a:ext>
-            </a:extLst>
-          </p:cNvPr>
-          <p:cNvSpPr>
-            <a:spLocks noGrp="1"/>
-          </p:cNvSpPr>
-          <p:nvPr>
-            <p:ph type="title"/>
-          </p:nvPr>
-        </p:nvSpPr>
-        <p:spPr/>
-        <p:txBody>
-          <a:bodyPr>
-            <a:normAutofit fontScale="90000"/>
-          </a:bodyPr>
-          <a:lstStyle/>
-          <a:p>
-            <a:r>
-              <a:rPr lang="en-US" altLang="zh-TW" dirty="0"/>
-              <a:t>2017</a:t>
-            </a:r>
-            <a:r>
-              <a:rPr lang="zh-TW" altLang="en-US" dirty="0"/>
-              <a:t>年</a:t>
-            </a:r>
-            <a:r>
-              <a:rPr lang="en-US" altLang="zh-TW" dirty="0"/>
-              <a:t>10</a:t>
-            </a:r>
-            <a:r>
-              <a:rPr lang="zh-TW" altLang="en-US" dirty="0"/>
-              <a:t>月</a:t>
-            </a:r>
-            <a:r>
-              <a:rPr lang="zh-TW" altLang="en-US" dirty="0">
-                <a:solidFill>
-                  <a:schemeClr val="dk1"/>
-                </a:solidFill>
-              </a:rPr>
-              <a:t>第 </a:t>
-            </a:r>
-            <a:r>
-              <a:rPr lang="en-US" altLang="zh-TW" dirty="0">
-                <a:solidFill>
-                  <a:schemeClr val="dk1"/>
-                </a:solidFill>
-              </a:rPr>
-              <a:t>1 </a:t>
-            </a:r>
-            <a:r>
-              <a:rPr lang="zh-TW" altLang="en-US" dirty="0">
-                <a:solidFill>
-                  <a:schemeClr val="dk1"/>
-                </a:solidFill>
-              </a:rPr>
-              <a:t>題 邏輯運算子</a:t>
-            </a:r>
-            <a:r>
-              <a:rPr lang="en" altLang="zh-TW" dirty="0">
-                <a:solidFill>
-                  <a:schemeClr val="dk1"/>
-                </a:solidFill>
-              </a:rPr>
-              <a:t> </a:t>
-            </a:r>
-            <a:r>
-              <a:rPr lang="en-US" altLang="zh-TW" dirty="0">
-                <a:solidFill>
-                  <a:schemeClr val="dk1"/>
-                </a:solidFill>
-              </a:rPr>
-              <a:t>[</a:t>
-            </a:r>
-            <a:r>
-              <a:rPr lang="en-US" altLang="zh-TW" dirty="0">
-                <a:solidFill>
-                  <a:schemeClr val="dk1"/>
-                </a:solidFill>
-                <a:hlinkClick r:id="rId2"/>
-              </a:rPr>
-              <a:t>Link</a:t>
-            </a:r>
-            <a:r>
-              <a:rPr lang="en-US" altLang="zh-TW" dirty="0">
-                <a:solidFill>
-                  <a:schemeClr val="dk1"/>
-                </a:solidFill>
-              </a:rPr>
-              <a:t>]</a:t>
-            </a:r>
-            <a:br>
-              <a:rPr lang="zh-TW" altLang="en-US" dirty="0"/>
-            </a:br>
-            <a:br>
-              <a:rPr lang="zh-TW" altLang="en-US" dirty="0"/>
-            </a:br>
-            <a:endParaRPr kumimoji="1" lang="zh-TW" altLang="en-US" dirty="0"/>
-          </a:p>
-        </p:txBody>
-      </p:sp>
-      <p:sp>
-        <p:nvSpPr>
-          <p:cNvPr id="4" name="矩形 3">
-            <a:extLst>
-              <a:ext uri="{FF2B5EF4-FFF2-40B4-BE49-F238E27FC236}">
-                <a16:creationId xmlns:a16="http://schemas.microsoft.com/office/drawing/2014/main" id="{6698FBF6-5C8F-C444-9E5F-17CF79600CC4}"/>
-              </a:ext>
-            </a:extLst>
-          </p:cNvPr>
-          <p:cNvSpPr/>
-          <p:nvPr/>
-        </p:nvSpPr>
-        <p:spPr>
-          <a:xfrm>
-            <a:off x="1276424" y="1522249"/>
-            <a:ext cx="6096000" cy="2893100"/>
-          </a:xfrm>
-          <a:prstGeom prst="rect">
-            <a:avLst/>
-          </a:prstGeom>
-          <a:ln>
-            <a:solidFill>
-              <a:schemeClr val="accent1"/>
-            </a:solidFill>
-          </a:ln>
-        </p:spPr>
-        <p:txBody>
-          <a:bodyPr>
-            <a:spAutoFit/>
-          </a:bodyPr>
-          <a:lstStyle/>
-          <a:p>
-            <a:r>
-              <a:rPr lang="zh-TW" altLang="en-US" sz="1400" dirty="0">
-                <a:latin typeface="Menlo" panose="020B0609030804020204" pitchFamily="49" charset="0"/>
-                <a:cs typeface="Menlo" panose="020B0609030804020204" pitchFamily="49" charset="0"/>
-              </a:rPr>
-              <a:t>﻿        if (a == 0 and b != 0) or (a != 0 and b == 0):</a:t>
-            </a:r>
-          </a:p>
-          <a:p>
-            <a:r>
-              <a:rPr lang="zh-TW" altLang="en-US" sz="1400" dirty="0">
-                <a:latin typeface="Menlo" panose="020B0609030804020204" pitchFamily="49" charset="0"/>
-                <a:cs typeface="Menlo" panose="020B0609030804020204" pitchFamily="49" charset="0"/>
-              </a:rPr>
-              <a:t>            if c == 1:</a:t>
-            </a:r>
-          </a:p>
-          <a:p>
-            <a:r>
-              <a:rPr lang="zh-TW" altLang="en-US" sz="1400" dirty="0">
-                <a:latin typeface="Menlo" panose="020B0609030804020204" pitchFamily="49" charset="0"/>
-                <a:cs typeface="Menlo" panose="020B0609030804020204" pitchFamily="49" charset="0"/>
-              </a:rPr>
-              <a:t>                isPossible = True</a:t>
-            </a:r>
-          </a:p>
-          <a:p>
-            <a:r>
-              <a:rPr lang="zh-TW" altLang="en-US" sz="1400" dirty="0">
-                <a:latin typeface="Menlo" panose="020B0609030804020204" pitchFamily="49" charset="0"/>
-                <a:cs typeface="Menlo" panose="020B0609030804020204" pitchFamily="49" charset="0"/>
-              </a:rPr>
-              <a:t>                print('XOR')</a:t>
-            </a:r>
-          </a:p>
-          <a:p>
-            <a:r>
-              <a:rPr lang="zh-TW" altLang="en-US" sz="1400" dirty="0">
-                <a:latin typeface="Menlo" panose="020B0609030804020204" pitchFamily="49" charset="0"/>
-                <a:cs typeface="Menlo" panose="020B0609030804020204" pitchFamily="49" charset="0"/>
-              </a:rPr>
-              <a:t>        else:</a:t>
-            </a:r>
-          </a:p>
-          <a:p>
-            <a:r>
-              <a:rPr lang="zh-TW" altLang="en-US" sz="1400" dirty="0">
-                <a:latin typeface="Menlo" panose="020B0609030804020204" pitchFamily="49" charset="0"/>
-                <a:cs typeface="Menlo" panose="020B0609030804020204" pitchFamily="49" charset="0"/>
-              </a:rPr>
-              <a:t>            if c == 0:</a:t>
-            </a:r>
-          </a:p>
-          <a:p>
-            <a:r>
-              <a:rPr lang="zh-TW" altLang="en-US" sz="1400" dirty="0">
-                <a:latin typeface="Menlo" panose="020B0609030804020204" pitchFamily="49" charset="0"/>
-                <a:cs typeface="Menlo" panose="020B0609030804020204" pitchFamily="49" charset="0"/>
-              </a:rPr>
-              <a:t>                isPossible = True</a:t>
-            </a:r>
-          </a:p>
-          <a:p>
-            <a:r>
-              <a:rPr lang="zh-TW" altLang="en-US" sz="1400" dirty="0">
-                <a:latin typeface="Menlo" panose="020B0609030804020204" pitchFamily="49" charset="0"/>
-                <a:cs typeface="Menlo" panose="020B0609030804020204" pitchFamily="49" charset="0"/>
-              </a:rPr>
-              <a:t>                print('XOR')</a:t>
-            </a:r>
-          </a:p>
-          <a:p>
-            <a:r>
-              <a:rPr lang="zh-TW" altLang="en-US" sz="1400" dirty="0">
-                <a:latin typeface="Menlo" panose="020B0609030804020204" pitchFamily="49" charset="0"/>
-                <a:cs typeface="Menlo" panose="020B0609030804020204" pitchFamily="49" charset="0"/>
-              </a:rPr>
-              <a:t>                </a:t>
-            </a:r>
-          </a:p>
-          <a:p>
-            <a:r>
-              <a:rPr lang="zh-TW" altLang="en-US" sz="1400" dirty="0">
-                <a:latin typeface="Menlo" panose="020B0609030804020204" pitchFamily="49" charset="0"/>
-                <a:cs typeface="Menlo" panose="020B0609030804020204" pitchFamily="49" charset="0"/>
-              </a:rPr>
-              <a:t>        if not isPossible:</a:t>
-            </a:r>
-          </a:p>
-          <a:p>
-            <a:r>
-              <a:rPr lang="zh-TW" altLang="en-US" sz="1400" dirty="0">
-                <a:latin typeface="Menlo" panose="020B0609030804020204" pitchFamily="49" charset="0"/>
-                <a:cs typeface="Menlo" panose="020B0609030804020204" pitchFamily="49" charset="0"/>
-              </a:rPr>
-              <a:t>            print('IMPOSSIBLE')</a:t>
-            </a:r>
-          </a:p>
-          <a:p>
-            <a:r>
-              <a:rPr lang="zh-TW" altLang="en-US" sz="1400" dirty="0">
-                <a:latin typeface="Menlo" panose="020B0609030804020204" pitchFamily="49" charset="0"/>
-                <a:cs typeface="Menlo" panose="020B0609030804020204" pitchFamily="49" charset="0"/>
-              </a:rPr>
-              <a:t>    except:</a:t>
-            </a:r>
-          </a:p>
-          <a:p>
-            <a:r>
-              <a:rPr lang="zh-TW" altLang="en-US" sz="1400" dirty="0">
-                <a:latin typeface="Menlo" panose="020B0609030804020204" pitchFamily="49" charset="0"/>
-                <a:cs typeface="Menlo" panose="020B0609030804020204" pitchFamily="49" charset="0"/>
-              </a:rPr>
-              <a:t>        break</a:t>
-            </a:r>
-          </a:p>
-        </p:txBody>
-      </p:sp>
-    </p:spTree>
-    <p:extLst>
-      <p:ext uri="{BB962C8B-B14F-4D97-AF65-F5344CB8AC3E}">
-        <p14:creationId xmlns:p14="http://schemas.microsoft.com/office/powerpoint/2010/main" val="3505698926"/>
-      </p:ext>
-    </p:extLst>
-  </p:cSld>
-  <p:clrMapOvr>
-    <a:masterClrMapping/>
-  </p:clrMapOvr>
-</p:sld>
-</file>
-
-<file path=ppt/slides/slide14.xml><?xml version="1.0" encoding="utf-8"?>
-<p:sld xmlns:a="http://schemas.openxmlformats.org/drawingml/2006/main" xmlns:r="http://schemas.openxmlformats.org/officeDocument/2006/relationships" xmlns:p="http://schemas.openxmlformats.org/presentationml/2006/main">
-  <p:cSld>
-    <p:spTree>
-      <p:nvGrpSpPr>
-        <p:cNvPr id="1" name=""/>
-        <p:cNvGrpSpPr/>
-        <p:nvPr/>
-      </p:nvGrpSpPr>
-      <p:grpSpPr>
-        <a:xfrm>
-          <a:off x="0" y="0"/>
-          <a:ext cx="0" cy="0"/>
-          <a:chOff x="0" y="0"/>
-          <a:chExt cx="0" cy="0"/>
-        </a:xfrm>
-      </p:grpSpPr>
-      <p:sp>
-        <p:nvSpPr>
-          <p:cNvPr id="2" name="標題 1">
-            <a:extLst>
-              <a:ext uri="{FF2B5EF4-FFF2-40B4-BE49-F238E27FC236}">
-                <a16:creationId xmlns:a16="http://schemas.microsoft.com/office/drawing/2014/main" id="{AA49C6C3-BA99-B64C-88B2-D624ADE87033}"/>
-              </a:ext>
-            </a:extLst>
-          </p:cNvPr>
-          <p:cNvSpPr>
-            <a:spLocks noGrp="1"/>
-          </p:cNvSpPr>
-          <p:nvPr>
-            <p:ph type="title"/>
-          </p:nvPr>
-        </p:nvSpPr>
-        <p:spPr>
-          <a:xfrm>
-            <a:off x="677334" y="94593"/>
-            <a:ext cx="8596668" cy="1320800"/>
-          </a:xfrm>
-        </p:spPr>
-        <p:txBody>
-          <a:bodyPr>
-            <a:normAutofit fontScale="90000"/>
-          </a:bodyPr>
-          <a:lstStyle/>
-          <a:p>
-            <a:r>
-              <a:rPr lang="en-US" altLang="zh-TW" dirty="0"/>
-              <a:t>2017</a:t>
-            </a:r>
-            <a:r>
-              <a:rPr lang="zh-TW" altLang="en-US" dirty="0"/>
-              <a:t>年</a:t>
-            </a:r>
-            <a:r>
-              <a:rPr lang="en-US" altLang="zh-TW" dirty="0"/>
-              <a:t>10</a:t>
-            </a:r>
-            <a:r>
-              <a:rPr lang="zh-TW" altLang="en-US" dirty="0"/>
-              <a:t>月</a:t>
-            </a:r>
-            <a:r>
-              <a:rPr lang="zh-TW" altLang="en-US" dirty="0">
-                <a:solidFill>
-                  <a:schemeClr val="dk1"/>
-                </a:solidFill>
-              </a:rPr>
-              <a:t>第 </a:t>
-            </a:r>
-            <a:r>
-              <a:rPr lang="en-US" altLang="zh-TW" dirty="0">
-                <a:solidFill>
-                  <a:schemeClr val="dk1"/>
-                </a:solidFill>
-              </a:rPr>
-              <a:t>2 </a:t>
-            </a:r>
-            <a:r>
-              <a:rPr lang="zh-TW" altLang="en-US" dirty="0">
-                <a:solidFill>
-                  <a:schemeClr val="dk1"/>
-                </a:solidFill>
-              </a:rPr>
-              <a:t>題 交錯字串 </a:t>
-            </a:r>
-            <a:r>
-              <a:rPr lang="en-US" altLang="zh-TW" dirty="0">
-                <a:solidFill>
-                  <a:schemeClr val="dk1"/>
-                </a:solidFill>
-              </a:rPr>
-              <a:t>[</a:t>
-            </a:r>
-            <a:r>
-              <a:rPr lang="en-US" altLang="zh-TW" dirty="0">
-                <a:solidFill>
-                  <a:schemeClr val="dk1"/>
-                </a:solidFill>
-                <a:hlinkClick r:id="rId2"/>
-              </a:rPr>
-              <a:t>Link</a:t>
-            </a:r>
-            <a:r>
-              <a:rPr lang="en-US" altLang="zh-TW" dirty="0">
-                <a:solidFill>
-                  <a:schemeClr val="dk1"/>
-                </a:solidFill>
-              </a:rPr>
-              <a:t>]</a:t>
-            </a:r>
-            <a:br>
-              <a:rPr lang="zh-TW" altLang="en-US" dirty="0"/>
-            </a:br>
-            <a:br>
-              <a:rPr lang="zh-TW" altLang="en-US" dirty="0"/>
-            </a:br>
-            <a:endParaRPr kumimoji="1" lang="zh-TW" altLang="en-US" dirty="0"/>
-          </a:p>
-        </p:txBody>
-      </p:sp>
-      <p:sp>
-        <p:nvSpPr>
-          <p:cNvPr id="6" name="文字方塊 5">
-            <a:extLst>
-              <a:ext uri="{FF2B5EF4-FFF2-40B4-BE49-F238E27FC236}">
-                <a16:creationId xmlns:a16="http://schemas.microsoft.com/office/drawing/2014/main" id="{EBFE904A-E351-354F-975C-60AE0BB1BEE5}"/>
-              </a:ext>
-            </a:extLst>
-          </p:cNvPr>
-          <p:cNvSpPr txBox="1"/>
-          <p:nvPr/>
-        </p:nvSpPr>
-        <p:spPr>
-          <a:xfrm>
-            <a:off x="1271097" y="733246"/>
-            <a:ext cx="5769528" cy="6124754"/>
-          </a:xfrm>
-          <a:prstGeom prst="rect">
-            <a:avLst/>
-          </a:prstGeom>
-          <a:noFill/>
-          <a:ln>
-            <a:solidFill>
-              <a:schemeClr val="accent1"/>
-            </a:solidFill>
-          </a:ln>
-        </p:spPr>
-        <p:txBody>
-          <a:bodyPr wrap="none" rtlCol="0">
-            <a:spAutoFit/>
-          </a:bodyPr>
-          <a:lstStyle/>
-          <a:p>
-            <a:r>
-              <a:rPr kumimoji="1" lang="en" altLang="zh-TW" sz="1400" dirty="0">
-                <a:latin typeface="Menlo" panose="020B0609030804020204" pitchFamily="49" charset="0"/>
-                <a:ea typeface="Menlo" panose="020B0609030804020204" pitchFamily="49" charset="0"/>
-                <a:cs typeface="Menlo" panose="020B0609030804020204" pitchFamily="49" charset="0"/>
-              </a:rPr>
-              <a:t>﻿while True:</a:t>
-            </a:r>
-          </a:p>
-          <a:p>
-            <a:r>
-              <a:rPr kumimoji="1" lang="en" altLang="zh-TW" sz="1400" dirty="0">
-                <a:latin typeface="Menlo" panose="020B0609030804020204" pitchFamily="49" charset="0"/>
-                <a:ea typeface="Menlo" panose="020B0609030804020204" pitchFamily="49" charset="0"/>
-                <a:cs typeface="Menlo" panose="020B0609030804020204" pitchFamily="49" charset="0"/>
-              </a:rPr>
-              <a:t>    try:</a:t>
-            </a:r>
-          </a:p>
-          <a:p>
-            <a:r>
-              <a:rPr kumimoji="1" lang="en" altLang="zh-TW" sz="1400" dirty="0">
-                <a:latin typeface="Menlo" panose="020B0609030804020204" pitchFamily="49" charset="0"/>
-                <a:ea typeface="Menlo" panose="020B0609030804020204" pitchFamily="49" charset="0"/>
-                <a:cs typeface="Menlo" panose="020B0609030804020204" pitchFamily="49" charset="0"/>
-              </a:rPr>
-              <a:t>        k = int(input())</a:t>
-            </a:r>
-          </a:p>
-          <a:p>
-            <a:r>
-              <a:rPr kumimoji="1" lang="en" altLang="zh-TW" sz="1400" dirty="0">
-                <a:latin typeface="Menlo" panose="020B0609030804020204" pitchFamily="49" charset="0"/>
-                <a:ea typeface="Menlo" panose="020B0609030804020204" pitchFamily="49" charset="0"/>
-                <a:cs typeface="Menlo" panose="020B0609030804020204" pitchFamily="49" charset="0"/>
-              </a:rPr>
-              <a:t>        S = list(input())</a:t>
-            </a:r>
-          </a:p>
-          <a:p>
-            <a:r>
-              <a:rPr kumimoji="1" lang="en" altLang="zh-TW" sz="1400" dirty="0">
-                <a:latin typeface="Menlo" panose="020B0609030804020204" pitchFamily="49" charset="0"/>
-                <a:ea typeface="Menlo" panose="020B0609030804020204" pitchFamily="49" charset="0"/>
-                <a:cs typeface="Menlo" panose="020B0609030804020204" pitchFamily="49" charset="0"/>
-              </a:rPr>
-              <a:t>        S = ['1' if </a:t>
-            </a:r>
-            <a:r>
-              <a:rPr kumimoji="1" lang="en" altLang="zh-TW" sz="1400" dirty="0" err="1">
-                <a:latin typeface="Menlo" panose="020B0609030804020204" pitchFamily="49" charset="0"/>
-                <a:ea typeface="Menlo" panose="020B0609030804020204" pitchFamily="49" charset="0"/>
-                <a:cs typeface="Menlo" panose="020B0609030804020204" pitchFamily="49" charset="0"/>
-              </a:rPr>
-              <a:t>c.isupper</a:t>
-            </a:r>
-            <a:r>
-              <a:rPr kumimoji="1" lang="en" altLang="zh-TW" sz="1400" dirty="0">
-                <a:latin typeface="Menlo" panose="020B0609030804020204" pitchFamily="49" charset="0"/>
-                <a:ea typeface="Menlo" panose="020B0609030804020204" pitchFamily="49" charset="0"/>
-                <a:cs typeface="Menlo" panose="020B0609030804020204" pitchFamily="49" charset="0"/>
-              </a:rPr>
-              <a:t>() else '0' for c in S]</a:t>
-            </a:r>
-          </a:p>
-          <a:p>
-            <a:r>
-              <a:rPr kumimoji="1" lang="en" altLang="zh-TW" sz="1400" dirty="0">
-                <a:latin typeface="Menlo" panose="020B0609030804020204" pitchFamily="49" charset="0"/>
-                <a:ea typeface="Menlo" panose="020B0609030804020204" pitchFamily="49" charset="0"/>
-                <a:cs typeface="Menlo" panose="020B0609030804020204" pitchFamily="49" charset="0"/>
-              </a:rPr>
-              <a:t>        S = ''.join(S)</a:t>
-            </a:r>
-          </a:p>
-          <a:p>
-            <a:endParaRPr kumimoji="1" lang="en" altLang="zh-TW" sz="1400" dirty="0">
-              <a:latin typeface="Menlo" panose="020B0609030804020204" pitchFamily="49" charset="0"/>
-              <a:ea typeface="Menlo" panose="020B0609030804020204" pitchFamily="49" charset="0"/>
-              <a:cs typeface="Menlo" panose="020B0609030804020204" pitchFamily="49" charset="0"/>
-            </a:endParaRPr>
-          </a:p>
-          <a:p>
-            <a:r>
-              <a:rPr kumimoji="1" lang="en" altLang="zh-TW" sz="1400" dirty="0">
-                <a:latin typeface="Menlo" panose="020B0609030804020204" pitchFamily="49" charset="0"/>
-                <a:ea typeface="Menlo" panose="020B0609030804020204" pitchFamily="49" charset="0"/>
-                <a:cs typeface="Menlo" panose="020B0609030804020204" pitchFamily="49" charset="0"/>
-              </a:rPr>
-              <a:t>        length = 0</a:t>
-            </a:r>
-          </a:p>
-          <a:p>
-            <a:r>
-              <a:rPr kumimoji="1" lang="en" altLang="zh-TW" sz="1400" dirty="0">
-                <a:latin typeface="Menlo" panose="020B0609030804020204" pitchFamily="49" charset="0"/>
-                <a:ea typeface="Menlo" panose="020B0609030804020204" pitchFamily="49" charset="0"/>
-                <a:cs typeface="Menlo" panose="020B0609030804020204" pitchFamily="49" charset="0"/>
-              </a:rPr>
-              <a:t>        t = 0</a:t>
-            </a:r>
-          </a:p>
-          <a:p>
-            <a:r>
-              <a:rPr kumimoji="1" lang="en" altLang="zh-TW" sz="1400" dirty="0">
-                <a:latin typeface="Menlo" panose="020B0609030804020204" pitchFamily="49" charset="0"/>
-                <a:ea typeface="Menlo" panose="020B0609030804020204" pitchFamily="49" charset="0"/>
-                <a:cs typeface="Menlo" panose="020B0609030804020204" pitchFamily="49" charset="0"/>
-              </a:rPr>
-              <a:t>        token = str(t) * k</a:t>
-            </a:r>
-          </a:p>
-          <a:p>
-            <a:r>
-              <a:rPr kumimoji="1" lang="en" altLang="zh-TW" sz="1400" dirty="0">
-                <a:latin typeface="Menlo" panose="020B0609030804020204" pitchFamily="49" charset="0"/>
-                <a:ea typeface="Menlo" panose="020B0609030804020204" pitchFamily="49" charset="0"/>
-                <a:cs typeface="Menlo" panose="020B0609030804020204" pitchFamily="49" charset="0"/>
-              </a:rPr>
-              <a:t>        while token in S:</a:t>
-            </a:r>
-          </a:p>
-          <a:p>
-            <a:r>
-              <a:rPr kumimoji="1" lang="en" altLang="zh-TW" sz="1400" dirty="0">
-                <a:latin typeface="Menlo" panose="020B0609030804020204" pitchFamily="49" charset="0"/>
-                <a:ea typeface="Menlo" panose="020B0609030804020204" pitchFamily="49" charset="0"/>
-                <a:cs typeface="Menlo" panose="020B0609030804020204" pitchFamily="49" charset="0"/>
-              </a:rPr>
-              <a:t>            length += k</a:t>
-            </a:r>
-          </a:p>
-          <a:p>
-            <a:r>
-              <a:rPr kumimoji="1" lang="en" altLang="zh-TW" sz="1400" dirty="0">
-                <a:latin typeface="Menlo" panose="020B0609030804020204" pitchFamily="49" charset="0"/>
-                <a:ea typeface="Menlo" panose="020B0609030804020204" pitchFamily="49" charset="0"/>
-                <a:cs typeface="Menlo" panose="020B0609030804020204" pitchFamily="49" charset="0"/>
-              </a:rPr>
-              <a:t>            t = (t+1) % 2</a:t>
-            </a:r>
-          </a:p>
-          <a:p>
-            <a:r>
-              <a:rPr kumimoji="1" lang="en" altLang="zh-TW" sz="1400" dirty="0">
-                <a:latin typeface="Menlo" panose="020B0609030804020204" pitchFamily="49" charset="0"/>
-                <a:ea typeface="Menlo" panose="020B0609030804020204" pitchFamily="49" charset="0"/>
-                <a:cs typeface="Menlo" panose="020B0609030804020204" pitchFamily="49" charset="0"/>
-              </a:rPr>
-              <a:t>            token += str(t) * k</a:t>
-            </a:r>
-          </a:p>
-          <a:p>
-            <a:r>
-              <a:rPr kumimoji="1" lang="en" altLang="zh-TW" sz="1400" dirty="0">
-                <a:latin typeface="Menlo" panose="020B0609030804020204" pitchFamily="49" charset="0"/>
-                <a:ea typeface="Menlo" panose="020B0609030804020204" pitchFamily="49" charset="0"/>
-                <a:cs typeface="Menlo" panose="020B0609030804020204" pitchFamily="49" charset="0"/>
-              </a:rPr>
-              <a:t>        res = length</a:t>
-            </a:r>
-          </a:p>
-          <a:p>
-            <a:r>
-              <a:rPr kumimoji="1" lang="en" altLang="zh-TW" sz="1400" dirty="0">
-                <a:latin typeface="Menlo" panose="020B0609030804020204" pitchFamily="49" charset="0"/>
-                <a:ea typeface="Menlo" panose="020B0609030804020204" pitchFamily="49" charset="0"/>
-                <a:cs typeface="Menlo" panose="020B0609030804020204" pitchFamily="49" charset="0"/>
-              </a:rPr>
-              <a:t>        </a:t>
-            </a:r>
-          </a:p>
-          <a:p>
-            <a:r>
-              <a:rPr kumimoji="1" lang="en" altLang="zh-TW" sz="1400" dirty="0">
-                <a:latin typeface="Menlo" panose="020B0609030804020204" pitchFamily="49" charset="0"/>
-                <a:ea typeface="Menlo" panose="020B0609030804020204" pitchFamily="49" charset="0"/>
-                <a:cs typeface="Menlo" panose="020B0609030804020204" pitchFamily="49" charset="0"/>
-              </a:rPr>
-              <a:t>        length = 0</a:t>
-            </a:r>
-          </a:p>
-          <a:p>
-            <a:r>
-              <a:rPr kumimoji="1" lang="en" altLang="zh-TW" sz="1400" dirty="0">
-                <a:latin typeface="Menlo" panose="020B0609030804020204" pitchFamily="49" charset="0"/>
-                <a:ea typeface="Menlo" panose="020B0609030804020204" pitchFamily="49" charset="0"/>
-                <a:cs typeface="Menlo" panose="020B0609030804020204" pitchFamily="49" charset="0"/>
-              </a:rPr>
-              <a:t>        t = 1</a:t>
-            </a:r>
-          </a:p>
-          <a:p>
-            <a:r>
-              <a:rPr kumimoji="1" lang="en" altLang="zh-TW" sz="1400" dirty="0">
-                <a:latin typeface="Menlo" panose="020B0609030804020204" pitchFamily="49" charset="0"/>
-                <a:ea typeface="Menlo" panose="020B0609030804020204" pitchFamily="49" charset="0"/>
-                <a:cs typeface="Menlo" panose="020B0609030804020204" pitchFamily="49" charset="0"/>
-              </a:rPr>
-              <a:t>        token = str(t) * k</a:t>
-            </a:r>
-          </a:p>
-          <a:p>
-            <a:r>
-              <a:rPr kumimoji="1" lang="en" altLang="zh-TW" sz="1400" dirty="0">
-                <a:latin typeface="Menlo" panose="020B0609030804020204" pitchFamily="49" charset="0"/>
-                <a:ea typeface="Menlo" panose="020B0609030804020204" pitchFamily="49" charset="0"/>
-                <a:cs typeface="Menlo" panose="020B0609030804020204" pitchFamily="49" charset="0"/>
-              </a:rPr>
-              <a:t>        while token in S:</a:t>
-            </a:r>
-          </a:p>
-          <a:p>
-            <a:r>
-              <a:rPr kumimoji="1" lang="en" altLang="zh-TW" sz="1400" dirty="0">
-                <a:latin typeface="Menlo" panose="020B0609030804020204" pitchFamily="49" charset="0"/>
-                <a:ea typeface="Menlo" panose="020B0609030804020204" pitchFamily="49" charset="0"/>
-                <a:cs typeface="Menlo" panose="020B0609030804020204" pitchFamily="49" charset="0"/>
-              </a:rPr>
-              <a:t>            length += k</a:t>
-            </a:r>
-          </a:p>
-          <a:p>
-            <a:r>
-              <a:rPr kumimoji="1" lang="en" altLang="zh-TW" sz="1400" dirty="0">
-                <a:latin typeface="Menlo" panose="020B0609030804020204" pitchFamily="49" charset="0"/>
-                <a:ea typeface="Menlo" panose="020B0609030804020204" pitchFamily="49" charset="0"/>
-                <a:cs typeface="Menlo" panose="020B0609030804020204" pitchFamily="49" charset="0"/>
-              </a:rPr>
-              <a:t>            t = (t+1) % 2</a:t>
-            </a:r>
-          </a:p>
-          <a:p>
-            <a:r>
-              <a:rPr kumimoji="1" lang="en" altLang="zh-TW" sz="1400" dirty="0">
-                <a:latin typeface="Menlo" panose="020B0609030804020204" pitchFamily="49" charset="0"/>
-                <a:ea typeface="Menlo" panose="020B0609030804020204" pitchFamily="49" charset="0"/>
-                <a:cs typeface="Menlo" panose="020B0609030804020204" pitchFamily="49" charset="0"/>
-              </a:rPr>
-              <a:t>            token += str(t) * k</a:t>
-            </a:r>
-          </a:p>
-          <a:p>
-            <a:r>
-              <a:rPr kumimoji="1" lang="en" altLang="zh-TW" sz="1400" dirty="0">
-                <a:latin typeface="Menlo" panose="020B0609030804020204" pitchFamily="49" charset="0"/>
-                <a:ea typeface="Menlo" panose="020B0609030804020204" pitchFamily="49" charset="0"/>
-                <a:cs typeface="Menlo" panose="020B0609030804020204" pitchFamily="49" charset="0"/>
-              </a:rPr>
-              <a:t>        res = max(res, length)</a:t>
-            </a:r>
-          </a:p>
-          <a:p>
-            <a:r>
-              <a:rPr kumimoji="1" lang="en" altLang="zh-TW" sz="1400" dirty="0">
-                <a:latin typeface="Menlo" panose="020B0609030804020204" pitchFamily="49" charset="0"/>
-                <a:ea typeface="Menlo" panose="020B0609030804020204" pitchFamily="49" charset="0"/>
-                <a:cs typeface="Menlo" panose="020B0609030804020204" pitchFamily="49" charset="0"/>
-              </a:rPr>
-              <a:t>        </a:t>
-            </a:r>
-          </a:p>
-          <a:p>
-            <a:r>
-              <a:rPr kumimoji="1" lang="en" altLang="zh-TW" sz="1400" dirty="0">
-                <a:latin typeface="Menlo" panose="020B0609030804020204" pitchFamily="49" charset="0"/>
-                <a:ea typeface="Menlo" panose="020B0609030804020204" pitchFamily="49" charset="0"/>
-                <a:cs typeface="Menlo" panose="020B0609030804020204" pitchFamily="49" charset="0"/>
-              </a:rPr>
-              <a:t>        print(res)</a:t>
-            </a:r>
-          </a:p>
-          <a:p>
-            <a:r>
-              <a:rPr kumimoji="1" lang="en" altLang="zh-TW" sz="1400" dirty="0">
-                <a:latin typeface="Menlo" panose="020B0609030804020204" pitchFamily="49" charset="0"/>
-                <a:ea typeface="Menlo" panose="020B0609030804020204" pitchFamily="49" charset="0"/>
-                <a:cs typeface="Menlo" panose="020B0609030804020204" pitchFamily="49" charset="0"/>
-              </a:rPr>
-              <a:t>    except:</a:t>
-            </a:r>
-          </a:p>
-          <a:p>
-            <a:r>
-              <a:rPr kumimoji="1" lang="en" altLang="zh-TW" sz="1400" dirty="0">
-                <a:latin typeface="Menlo" panose="020B0609030804020204" pitchFamily="49" charset="0"/>
-                <a:ea typeface="Menlo" panose="020B0609030804020204" pitchFamily="49" charset="0"/>
-                <a:cs typeface="Menlo" panose="020B0609030804020204" pitchFamily="49" charset="0"/>
-              </a:rPr>
-              <a:t>        break</a:t>
-            </a:r>
-            <a:endParaRPr kumimoji="1" lang="zh-TW" altLang="en-US" sz="1400" dirty="0">
-              <a:latin typeface="Menlo" panose="020B0609030804020204" pitchFamily="49" charset="0"/>
-              <a:cs typeface="Menlo" panose="020B0609030804020204" pitchFamily="49" charset="0"/>
-            </a:endParaRPr>
-          </a:p>
-        </p:txBody>
-      </p:sp>
-    </p:spTree>
-    <p:extLst>
-      <p:ext uri="{BB962C8B-B14F-4D97-AF65-F5344CB8AC3E}">
-        <p14:creationId xmlns:p14="http://schemas.microsoft.com/office/powerpoint/2010/main" val="3809896005"/>
-      </p:ext>
-    </p:extLst>
-  </p:cSld>
-  <p:clrMapOvr>
-    <a:masterClrMapping/>
-  </p:clrMapOvr>
-</p:sld>
-</file>
-
 <file path=ppt/slides/slide2.xml><?xml version="1.0" encoding="utf-8"?>
 <p:sld xmlns:a="http://schemas.openxmlformats.org/drawingml/2006/main" xmlns:r="http://schemas.openxmlformats.org/officeDocument/2006/relationships" xmlns:p="http://schemas.openxmlformats.org/presentationml/2006/main">
   <p:cSld>
@@ -11146,8 +9067,8 @@
         </p:nvSpPr>
         <p:spPr>
           <a:xfrm>
-            <a:off x="677335" y="394754"/>
-            <a:ext cx="2763898" cy="369332"/>
+            <a:off x="4975669" y="4341184"/>
+            <a:ext cx="2763898" cy="646331"/>
           </a:xfrm>
           <a:prstGeom prst="rect">
             <a:avLst/>
@@ -11200,6 +9121,24 @@
               </a:rPr>
               <a:t>」</a:t>
             </a:r>
+            <a:endParaRPr kumimoji="1" lang="en-US" altLang="zh-TW" dirty="0">
+              <a:solidFill>
+                <a:srgbClr val="0070C0"/>
+              </a:solidFill>
+            </a:endParaRPr>
+          </a:p>
+          <a:p>
+            <a:r>
+              <a:rPr lang="en" altLang="zh-TW" dirty="0">
+                <a:hlinkClick r:id="rId2"/>
+              </a:rPr>
+              <a:t>https://zerojudge.tw/</a:t>
+            </a:r>
+            <a:endParaRPr kumimoji="1" lang="zh-TW" altLang="en-US" dirty="0">
+              <a:solidFill>
+                <a:srgbClr val="0070C0"/>
+              </a:solidFill>
+            </a:endParaRPr>
           </a:p>
         </p:txBody>
       </p:sp>
@@ -11207,2467 +9146,6 @@
     <p:extLst>
       <p:ext uri="{BB962C8B-B14F-4D97-AF65-F5344CB8AC3E}">
         <p14:creationId xmlns:p14="http://schemas.microsoft.com/office/powerpoint/2010/main" val="620144340"/>
-      </p:ext>
-    </p:extLst>
-  </p:cSld>
-  <p:clrMapOvr>
-    <a:masterClrMapping/>
-  </p:clrMapOvr>
-</p:sld>
-</file>
-
-<file path=ppt/slides/slide4.xml><?xml version="1.0" encoding="utf-8"?>
-<p:sld xmlns:a="http://schemas.openxmlformats.org/drawingml/2006/main" xmlns:r="http://schemas.openxmlformats.org/officeDocument/2006/relationships" xmlns:p="http://schemas.openxmlformats.org/presentationml/2006/main">
-  <p:cSld>
-    <p:spTree>
-      <p:nvGrpSpPr>
-        <p:cNvPr id="1" name=""/>
-        <p:cNvGrpSpPr/>
-        <p:nvPr/>
-      </p:nvGrpSpPr>
-      <p:grpSpPr>
-        <a:xfrm>
-          <a:off x="0" y="0"/>
-          <a:ext cx="0" cy="0"/>
-          <a:chOff x="0" y="0"/>
-          <a:chExt cx="0" cy="0"/>
-        </a:xfrm>
-      </p:grpSpPr>
-      <p:sp>
-        <p:nvSpPr>
-          <p:cNvPr id="2" name="標題 1">
-            <a:extLst>
-              <a:ext uri="{FF2B5EF4-FFF2-40B4-BE49-F238E27FC236}">
-                <a16:creationId xmlns:a16="http://schemas.microsoft.com/office/drawing/2014/main" id="{183CD5C7-4294-B349-B27B-75DF8BBEAF3D}"/>
-              </a:ext>
-            </a:extLst>
-          </p:cNvPr>
-          <p:cNvSpPr>
-            <a:spLocks noGrp="1"/>
-          </p:cNvSpPr>
-          <p:nvPr>
-            <p:ph type="title"/>
-          </p:nvPr>
-        </p:nvSpPr>
-        <p:spPr/>
-        <p:txBody>
-          <a:bodyPr/>
-          <a:lstStyle/>
-          <a:p>
-            <a:r>
-              <a:rPr kumimoji="1" lang="zh-TW" altLang="en-US" dirty="0"/>
-              <a:t>基礎題 題解</a:t>
-            </a:r>
-          </a:p>
-        </p:txBody>
-      </p:sp>
-      <p:sp>
-        <p:nvSpPr>
-          <p:cNvPr id="3" name="文字版面配置區 2">
-            <a:extLst>
-              <a:ext uri="{FF2B5EF4-FFF2-40B4-BE49-F238E27FC236}">
-                <a16:creationId xmlns:a16="http://schemas.microsoft.com/office/drawing/2014/main" id="{84E9A7CB-6A81-564A-879B-2FED67393E76}"/>
-              </a:ext>
-            </a:extLst>
-          </p:cNvPr>
-          <p:cNvSpPr>
-            <a:spLocks noGrp="1"/>
-          </p:cNvSpPr>
-          <p:nvPr>
-            <p:ph type="body" idx="1"/>
-          </p:nvPr>
-        </p:nvSpPr>
-        <p:spPr/>
-        <p:txBody>
-          <a:bodyPr/>
-          <a:lstStyle/>
-          <a:p>
-            <a:endParaRPr kumimoji="1" lang="zh-TW" altLang="en-US"/>
-          </a:p>
-        </p:txBody>
-      </p:sp>
-    </p:spTree>
-    <p:extLst>
-      <p:ext uri="{BB962C8B-B14F-4D97-AF65-F5344CB8AC3E}">
-        <p14:creationId xmlns:p14="http://schemas.microsoft.com/office/powerpoint/2010/main" val="3424183992"/>
-      </p:ext>
-    </p:extLst>
-  </p:cSld>
-  <p:clrMapOvr>
-    <a:masterClrMapping/>
-  </p:clrMapOvr>
-</p:sld>
-</file>
-
-<file path=ppt/slides/slide5.xml><?xml version="1.0" encoding="utf-8"?>
-<p:sld xmlns:a="http://schemas.openxmlformats.org/drawingml/2006/main" xmlns:r="http://schemas.openxmlformats.org/officeDocument/2006/relationships" xmlns:p="http://schemas.openxmlformats.org/presentationml/2006/main">
-  <p:cSld>
-    <p:spTree>
-      <p:nvGrpSpPr>
-        <p:cNvPr id="1" name=""/>
-        <p:cNvGrpSpPr/>
-        <p:nvPr/>
-      </p:nvGrpSpPr>
-      <p:grpSpPr>
-        <a:xfrm>
-          <a:off x="0" y="0"/>
-          <a:ext cx="0" cy="0"/>
-          <a:chOff x="0" y="0"/>
-          <a:chExt cx="0" cy="0"/>
-        </a:xfrm>
-      </p:grpSpPr>
-      <p:sp>
-        <p:nvSpPr>
-          <p:cNvPr id="4" name="標題 3">
-            <a:extLst>
-              <a:ext uri="{FF2B5EF4-FFF2-40B4-BE49-F238E27FC236}">
-                <a16:creationId xmlns:a16="http://schemas.microsoft.com/office/drawing/2014/main" id="{07FCF47D-CD0C-8D42-A381-F0D8A5A977C5}"/>
-              </a:ext>
-            </a:extLst>
-          </p:cNvPr>
-          <p:cNvSpPr>
-            <a:spLocks noGrp="1"/>
-          </p:cNvSpPr>
-          <p:nvPr>
-            <p:ph type="title"/>
-          </p:nvPr>
-        </p:nvSpPr>
-        <p:spPr/>
-        <p:txBody>
-          <a:bodyPr>
-            <a:normAutofit fontScale="90000"/>
-          </a:bodyPr>
-          <a:lstStyle/>
-          <a:p>
-            <a:r>
-              <a:rPr lang="en-US" altLang="zh-TW" dirty="0"/>
-              <a:t>2016</a:t>
-            </a:r>
-            <a:r>
-              <a:rPr lang="zh-TW" altLang="en-US" dirty="0"/>
-              <a:t>年</a:t>
-            </a:r>
-            <a:r>
-              <a:rPr lang="en-US" altLang="zh-TW" dirty="0"/>
-              <a:t>3</a:t>
-            </a:r>
-            <a:r>
-              <a:rPr lang="zh-TW" altLang="en-US" dirty="0"/>
-              <a:t>月</a:t>
-            </a:r>
-            <a:r>
-              <a:rPr lang="zh-TW" altLang="en-US" dirty="0">
-                <a:solidFill>
-                  <a:schemeClr val="dk1"/>
-                </a:solidFill>
-              </a:rPr>
-              <a:t>第 </a:t>
-            </a:r>
-            <a:r>
-              <a:rPr lang="en-US" altLang="zh-TW" dirty="0">
-                <a:solidFill>
-                  <a:schemeClr val="dk1"/>
-                </a:solidFill>
-              </a:rPr>
-              <a:t>2 </a:t>
-            </a:r>
-            <a:r>
-              <a:rPr lang="zh-TW" altLang="en-US" dirty="0">
-                <a:solidFill>
-                  <a:schemeClr val="dk1"/>
-                </a:solidFill>
-              </a:rPr>
-              <a:t>題 矩陣轉換</a:t>
-            </a:r>
-            <a:r>
-              <a:rPr lang="en-US" altLang="zh-TW" dirty="0">
-                <a:solidFill>
-                  <a:schemeClr val="dk1"/>
-                </a:solidFill>
-              </a:rPr>
-              <a:t> [</a:t>
-            </a:r>
-            <a:r>
-              <a:rPr lang="en-US" altLang="zh-TW" dirty="0">
-                <a:solidFill>
-                  <a:schemeClr val="dk1"/>
-                </a:solidFill>
-                <a:hlinkClick r:id="rId2"/>
-              </a:rPr>
-              <a:t>Link</a:t>
-            </a:r>
-            <a:r>
-              <a:rPr lang="en-US" altLang="zh-TW" dirty="0">
-                <a:solidFill>
-                  <a:schemeClr val="dk1"/>
-                </a:solidFill>
-              </a:rPr>
-              <a:t>]</a:t>
-            </a:r>
-            <a:br>
-              <a:rPr lang="zh-TW" altLang="en-US" dirty="0"/>
-            </a:br>
-            <a:br>
-              <a:rPr lang="zh-TW" altLang="en-US" dirty="0"/>
-            </a:br>
-            <a:endParaRPr kumimoji="1" lang="zh-TW" altLang="en-US" dirty="0"/>
-          </a:p>
-        </p:txBody>
-      </p:sp>
-      <p:sp>
-        <p:nvSpPr>
-          <p:cNvPr id="6" name="文字方塊 5">
-            <a:extLst>
-              <a:ext uri="{FF2B5EF4-FFF2-40B4-BE49-F238E27FC236}">
-                <a16:creationId xmlns:a16="http://schemas.microsoft.com/office/drawing/2014/main" id="{A1047FAD-6830-D04D-AD3C-9346DF3FC755}"/>
-              </a:ext>
-            </a:extLst>
-          </p:cNvPr>
-          <p:cNvSpPr txBox="1"/>
-          <p:nvPr/>
-        </p:nvSpPr>
-        <p:spPr>
-          <a:xfrm>
-            <a:off x="1307954" y="1538123"/>
-            <a:ext cx="5769528" cy="4185761"/>
-          </a:xfrm>
-          <a:prstGeom prst="rect">
-            <a:avLst/>
-          </a:prstGeom>
-          <a:noFill/>
-          <a:ln>
-            <a:solidFill>
-              <a:schemeClr val="accent1"/>
-            </a:solidFill>
-          </a:ln>
-        </p:spPr>
-        <p:txBody>
-          <a:bodyPr wrap="none" rtlCol="0">
-            <a:spAutoFit/>
-          </a:bodyPr>
-          <a:lstStyle/>
-          <a:p>
-            <a:r>
-              <a:rPr kumimoji="1" lang="en" altLang="zh-TW" sz="1400" dirty="0">
-                <a:latin typeface="Menlo" panose="020B0609030804020204" pitchFamily="49" charset="0"/>
-                <a:ea typeface="Menlo" panose="020B0609030804020204" pitchFamily="49" charset="0"/>
-                <a:cs typeface="Menlo" panose="020B0609030804020204" pitchFamily="49" charset="0"/>
-              </a:rPr>
-              <a:t>﻿def flip(mat):</a:t>
-            </a:r>
-          </a:p>
-          <a:p>
-            <a:r>
-              <a:rPr kumimoji="1" lang="en" altLang="zh-TW" sz="1400" dirty="0">
-                <a:latin typeface="Menlo" panose="020B0609030804020204" pitchFamily="49" charset="0"/>
-                <a:ea typeface="Menlo" panose="020B0609030804020204" pitchFamily="49" charset="0"/>
-                <a:cs typeface="Menlo" panose="020B0609030804020204" pitchFamily="49" charset="0"/>
-              </a:rPr>
-              <a:t>    R = </a:t>
-            </a:r>
-            <a:r>
-              <a:rPr kumimoji="1" lang="en" altLang="zh-TW" sz="1400" dirty="0" err="1">
-                <a:latin typeface="Menlo" panose="020B0609030804020204" pitchFamily="49" charset="0"/>
-                <a:ea typeface="Menlo" panose="020B0609030804020204" pitchFamily="49" charset="0"/>
-                <a:cs typeface="Menlo" panose="020B0609030804020204" pitchFamily="49" charset="0"/>
-              </a:rPr>
-              <a:t>len</a:t>
-            </a:r>
-            <a:r>
-              <a:rPr kumimoji="1" lang="en" altLang="zh-TW" sz="1400" dirty="0">
-                <a:latin typeface="Menlo" panose="020B0609030804020204" pitchFamily="49" charset="0"/>
-                <a:ea typeface="Menlo" panose="020B0609030804020204" pitchFamily="49" charset="0"/>
-                <a:cs typeface="Menlo" panose="020B0609030804020204" pitchFamily="49" charset="0"/>
-              </a:rPr>
-              <a:t>(mat)</a:t>
-            </a:r>
-          </a:p>
-          <a:p>
-            <a:r>
-              <a:rPr kumimoji="1" lang="en" altLang="zh-TW" sz="1400" dirty="0">
-                <a:latin typeface="Menlo" panose="020B0609030804020204" pitchFamily="49" charset="0"/>
-                <a:ea typeface="Menlo" panose="020B0609030804020204" pitchFamily="49" charset="0"/>
-                <a:cs typeface="Menlo" panose="020B0609030804020204" pitchFamily="49" charset="0"/>
-              </a:rPr>
-              <a:t>    for r in range(R//2):</a:t>
-            </a:r>
-          </a:p>
-          <a:p>
-            <a:r>
-              <a:rPr kumimoji="1" lang="en" altLang="zh-TW" sz="1400" dirty="0">
-                <a:latin typeface="Menlo" panose="020B0609030804020204" pitchFamily="49" charset="0"/>
-                <a:ea typeface="Menlo" panose="020B0609030804020204" pitchFamily="49" charset="0"/>
-                <a:cs typeface="Menlo" panose="020B0609030804020204" pitchFamily="49" charset="0"/>
-              </a:rPr>
-              <a:t>        mat[r], mat[R-1-r] = mat[R-1-r], mat[r]</a:t>
-            </a:r>
-          </a:p>
-          <a:p>
-            <a:r>
-              <a:rPr kumimoji="1" lang="en" altLang="zh-TW" sz="1400" dirty="0">
-                <a:latin typeface="Menlo" panose="020B0609030804020204" pitchFamily="49" charset="0"/>
-                <a:ea typeface="Menlo" panose="020B0609030804020204" pitchFamily="49" charset="0"/>
-                <a:cs typeface="Menlo" panose="020B0609030804020204" pitchFamily="49" charset="0"/>
-              </a:rPr>
-              <a:t>    return mat</a:t>
-            </a:r>
-          </a:p>
-          <a:p>
-            <a:endParaRPr kumimoji="1" lang="en" altLang="zh-TW" sz="1400" dirty="0">
-              <a:latin typeface="Menlo" panose="020B0609030804020204" pitchFamily="49" charset="0"/>
-              <a:ea typeface="Menlo" panose="020B0609030804020204" pitchFamily="49" charset="0"/>
-              <a:cs typeface="Menlo" panose="020B0609030804020204" pitchFamily="49" charset="0"/>
-            </a:endParaRPr>
-          </a:p>
-          <a:p>
-            <a:endParaRPr kumimoji="1" lang="en" altLang="zh-TW" sz="1400" dirty="0">
-              <a:latin typeface="Menlo" panose="020B0609030804020204" pitchFamily="49" charset="0"/>
-              <a:ea typeface="Menlo" panose="020B0609030804020204" pitchFamily="49" charset="0"/>
-              <a:cs typeface="Menlo" panose="020B0609030804020204" pitchFamily="49" charset="0"/>
-            </a:endParaRPr>
-          </a:p>
-          <a:p>
-            <a:r>
-              <a:rPr kumimoji="1" lang="en" altLang="zh-TW" sz="1400" dirty="0">
-                <a:latin typeface="Menlo" panose="020B0609030804020204" pitchFamily="49" charset="0"/>
-                <a:ea typeface="Menlo" panose="020B0609030804020204" pitchFamily="49" charset="0"/>
-                <a:cs typeface="Menlo" panose="020B0609030804020204" pitchFamily="49" charset="0"/>
-              </a:rPr>
-              <a:t>def rotate(mat):</a:t>
-            </a:r>
-          </a:p>
-          <a:p>
-            <a:r>
-              <a:rPr kumimoji="1" lang="en" altLang="zh-TW" sz="1400" dirty="0">
-                <a:latin typeface="Menlo" panose="020B0609030804020204" pitchFamily="49" charset="0"/>
-                <a:ea typeface="Menlo" panose="020B0609030804020204" pitchFamily="49" charset="0"/>
-                <a:cs typeface="Menlo" panose="020B0609030804020204" pitchFamily="49" charset="0"/>
-              </a:rPr>
-              <a:t>    C = </a:t>
-            </a:r>
-            <a:r>
-              <a:rPr kumimoji="1" lang="en" altLang="zh-TW" sz="1400" dirty="0" err="1">
-                <a:latin typeface="Menlo" panose="020B0609030804020204" pitchFamily="49" charset="0"/>
-                <a:ea typeface="Menlo" panose="020B0609030804020204" pitchFamily="49" charset="0"/>
-                <a:cs typeface="Menlo" panose="020B0609030804020204" pitchFamily="49" charset="0"/>
-              </a:rPr>
-              <a:t>len</a:t>
-            </a:r>
-            <a:r>
-              <a:rPr kumimoji="1" lang="en" altLang="zh-TW" sz="1400" dirty="0">
-                <a:latin typeface="Menlo" panose="020B0609030804020204" pitchFamily="49" charset="0"/>
-                <a:ea typeface="Menlo" panose="020B0609030804020204" pitchFamily="49" charset="0"/>
-                <a:cs typeface="Menlo" panose="020B0609030804020204" pitchFamily="49" charset="0"/>
-              </a:rPr>
-              <a:t>(mat)</a:t>
-            </a:r>
-          </a:p>
-          <a:p>
-            <a:r>
-              <a:rPr kumimoji="1" lang="en" altLang="zh-TW" sz="1400" dirty="0">
-                <a:latin typeface="Menlo" panose="020B0609030804020204" pitchFamily="49" charset="0"/>
-                <a:ea typeface="Menlo" panose="020B0609030804020204" pitchFamily="49" charset="0"/>
-                <a:cs typeface="Menlo" panose="020B0609030804020204" pitchFamily="49" charset="0"/>
-              </a:rPr>
-              <a:t>    R = </a:t>
-            </a:r>
-            <a:r>
-              <a:rPr kumimoji="1" lang="en" altLang="zh-TW" sz="1400" dirty="0" err="1">
-                <a:latin typeface="Menlo" panose="020B0609030804020204" pitchFamily="49" charset="0"/>
-                <a:ea typeface="Menlo" panose="020B0609030804020204" pitchFamily="49" charset="0"/>
-                <a:cs typeface="Menlo" panose="020B0609030804020204" pitchFamily="49" charset="0"/>
-              </a:rPr>
-              <a:t>len</a:t>
-            </a:r>
-            <a:r>
-              <a:rPr kumimoji="1" lang="en" altLang="zh-TW" sz="1400" dirty="0">
-                <a:latin typeface="Menlo" panose="020B0609030804020204" pitchFamily="49" charset="0"/>
-                <a:ea typeface="Menlo" panose="020B0609030804020204" pitchFamily="49" charset="0"/>
-                <a:cs typeface="Menlo" panose="020B0609030804020204" pitchFamily="49" charset="0"/>
-              </a:rPr>
-              <a:t>(mat[0])</a:t>
-            </a:r>
-          </a:p>
-          <a:p>
-            <a:r>
-              <a:rPr kumimoji="1" lang="en" altLang="zh-TW" sz="1400" dirty="0">
-                <a:latin typeface="Menlo" panose="020B0609030804020204" pitchFamily="49" charset="0"/>
-                <a:ea typeface="Menlo" panose="020B0609030804020204" pitchFamily="49" charset="0"/>
-                <a:cs typeface="Menlo" panose="020B0609030804020204" pitchFamily="49" charset="0"/>
-              </a:rPr>
-              <a:t>    mat1 = [[0 for c in range(C)] for r in range(R)]</a:t>
-            </a:r>
-          </a:p>
-          <a:p>
-            <a:r>
-              <a:rPr kumimoji="1" lang="en" altLang="zh-TW" sz="1400" dirty="0">
-                <a:latin typeface="Menlo" panose="020B0609030804020204" pitchFamily="49" charset="0"/>
-                <a:ea typeface="Menlo" panose="020B0609030804020204" pitchFamily="49" charset="0"/>
-                <a:cs typeface="Menlo" panose="020B0609030804020204" pitchFamily="49" charset="0"/>
-              </a:rPr>
-              <a:t>    for c in range(C):</a:t>
-            </a:r>
-          </a:p>
-          <a:p>
-            <a:r>
-              <a:rPr kumimoji="1" lang="en" altLang="zh-TW" sz="1400" dirty="0">
-                <a:latin typeface="Menlo" panose="020B0609030804020204" pitchFamily="49" charset="0"/>
-                <a:ea typeface="Menlo" panose="020B0609030804020204" pitchFamily="49" charset="0"/>
-                <a:cs typeface="Menlo" panose="020B0609030804020204" pitchFamily="49" charset="0"/>
-              </a:rPr>
-              <a:t>        L = mat[c]</a:t>
-            </a:r>
-          </a:p>
-          <a:p>
-            <a:r>
-              <a:rPr kumimoji="1" lang="en" altLang="zh-TW" sz="1400" dirty="0">
-                <a:latin typeface="Menlo" panose="020B0609030804020204" pitchFamily="49" charset="0"/>
-                <a:ea typeface="Menlo" panose="020B0609030804020204" pitchFamily="49" charset="0"/>
-                <a:cs typeface="Menlo" panose="020B0609030804020204" pitchFamily="49" charset="0"/>
-              </a:rPr>
-              <a:t>        </a:t>
-            </a:r>
-            <a:r>
-              <a:rPr kumimoji="1" lang="en" altLang="zh-TW" sz="1400" dirty="0" err="1">
-                <a:latin typeface="Menlo" panose="020B0609030804020204" pitchFamily="49" charset="0"/>
-                <a:ea typeface="Menlo" panose="020B0609030804020204" pitchFamily="49" charset="0"/>
-                <a:cs typeface="Menlo" panose="020B0609030804020204" pitchFamily="49" charset="0"/>
-              </a:rPr>
-              <a:t>L.reverse</a:t>
-            </a:r>
-            <a:r>
-              <a:rPr kumimoji="1" lang="en" altLang="zh-TW" sz="1400" dirty="0">
-                <a:latin typeface="Menlo" panose="020B0609030804020204" pitchFamily="49" charset="0"/>
-                <a:ea typeface="Menlo" panose="020B0609030804020204" pitchFamily="49" charset="0"/>
-                <a:cs typeface="Menlo" panose="020B0609030804020204" pitchFamily="49" charset="0"/>
-              </a:rPr>
-              <a:t>()</a:t>
-            </a:r>
-          </a:p>
-          <a:p>
-            <a:r>
-              <a:rPr kumimoji="1" lang="en" altLang="zh-TW" sz="1400" dirty="0">
-                <a:latin typeface="Menlo" panose="020B0609030804020204" pitchFamily="49" charset="0"/>
-                <a:ea typeface="Menlo" panose="020B0609030804020204" pitchFamily="49" charset="0"/>
-                <a:cs typeface="Menlo" panose="020B0609030804020204" pitchFamily="49" charset="0"/>
-              </a:rPr>
-              <a:t>        for r in range(R):</a:t>
-            </a:r>
-          </a:p>
-          <a:p>
-            <a:r>
-              <a:rPr kumimoji="1" lang="en" altLang="zh-TW" sz="1400" dirty="0">
-                <a:latin typeface="Menlo" panose="020B0609030804020204" pitchFamily="49" charset="0"/>
-                <a:ea typeface="Menlo" panose="020B0609030804020204" pitchFamily="49" charset="0"/>
-                <a:cs typeface="Menlo" panose="020B0609030804020204" pitchFamily="49" charset="0"/>
-              </a:rPr>
-              <a:t>            mat1[r][c] = L[r]</a:t>
-            </a:r>
-          </a:p>
-          <a:p>
-            <a:r>
-              <a:rPr kumimoji="1" lang="en" altLang="zh-TW" sz="1400" dirty="0">
-                <a:latin typeface="Menlo" panose="020B0609030804020204" pitchFamily="49" charset="0"/>
-                <a:ea typeface="Menlo" panose="020B0609030804020204" pitchFamily="49" charset="0"/>
-                <a:cs typeface="Menlo" panose="020B0609030804020204" pitchFamily="49" charset="0"/>
-              </a:rPr>
-              <a:t>    return mat1</a:t>
-            </a:r>
-          </a:p>
-          <a:p>
-            <a:r>
-              <a:rPr kumimoji="1" lang="en" altLang="zh-TW" sz="1400" dirty="0">
-                <a:latin typeface="Menlo" panose="020B0609030804020204" pitchFamily="49" charset="0"/>
-                <a:ea typeface="Menlo" panose="020B0609030804020204" pitchFamily="49" charset="0"/>
-                <a:cs typeface="Menlo" panose="020B0609030804020204" pitchFamily="49" charset="0"/>
-              </a:rPr>
-              <a:t>    </a:t>
-            </a:r>
-          </a:p>
-          <a:p>
-            <a:endParaRPr kumimoji="1" lang="zh-TW" altLang="en-US" sz="1400" dirty="0">
-              <a:latin typeface="Menlo" panose="020B0609030804020204" pitchFamily="49" charset="0"/>
-              <a:cs typeface="Menlo" panose="020B0609030804020204" pitchFamily="49" charset="0"/>
-            </a:endParaRPr>
-          </a:p>
-        </p:txBody>
-      </p:sp>
-    </p:spTree>
-    <p:extLst>
-      <p:ext uri="{BB962C8B-B14F-4D97-AF65-F5344CB8AC3E}">
-        <p14:creationId xmlns:p14="http://schemas.microsoft.com/office/powerpoint/2010/main" val="3603827048"/>
-      </p:ext>
-    </p:extLst>
-  </p:cSld>
-  <p:clrMapOvr>
-    <a:masterClrMapping/>
-  </p:clrMapOvr>
-</p:sld>
-</file>
-
-<file path=ppt/slides/slide6.xml><?xml version="1.0" encoding="utf-8"?>
-<p:sld xmlns:a="http://schemas.openxmlformats.org/drawingml/2006/main" xmlns:r="http://schemas.openxmlformats.org/officeDocument/2006/relationships" xmlns:p="http://schemas.openxmlformats.org/presentationml/2006/main">
-  <p:cSld>
-    <p:spTree>
-      <p:nvGrpSpPr>
-        <p:cNvPr id="1" name=""/>
-        <p:cNvGrpSpPr/>
-        <p:nvPr/>
-      </p:nvGrpSpPr>
-      <p:grpSpPr>
-        <a:xfrm>
-          <a:off x="0" y="0"/>
-          <a:ext cx="0" cy="0"/>
-          <a:chOff x="0" y="0"/>
-          <a:chExt cx="0" cy="0"/>
-        </a:xfrm>
-      </p:grpSpPr>
-      <p:sp>
-        <p:nvSpPr>
-          <p:cNvPr id="4" name="標題 3">
-            <a:extLst>
-              <a:ext uri="{FF2B5EF4-FFF2-40B4-BE49-F238E27FC236}">
-                <a16:creationId xmlns:a16="http://schemas.microsoft.com/office/drawing/2014/main" id="{07FCF47D-CD0C-8D42-A381-F0D8A5A977C5}"/>
-              </a:ext>
-            </a:extLst>
-          </p:cNvPr>
-          <p:cNvSpPr>
-            <a:spLocks noGrp="1"/>
-          </p:cNvSpPr>
-          <p:nvPr>
-            <p:ph type="title"/>
-          </p:nvPr>
-        </p:nvSpPr>
-        <p:spPr/>
-        <p:txBody>
-          <a:bodyPr>
-            <a:normAutofit fontScale="90000"/>
-          </a:bodyPr>
-          <a:lstStyle/>
-          <a:p>
-            <a:r>
-              <a:rPr lang="en-US" altLang="zh-TW" dirty="0"/>
-              <a:t>2016</a:t>
-            </a:r>
-            <a:r>
-              <a:rPr lang="zh-TW" altLang="en-US" dirty="0"/>
-              <a:t>年</a:t>
-            </a:r>
-            <a:r>
-              <a:rPr lang="en-US" altLang="zh-TW" dirty="0"/>
-              <a:t>3</a:t>
-            </a:r>
-            <a:r>
-              <a:rPr lang="zh-TW" altLang="en-US" dirty="0"/>
-              <a:t>月</a:t>
-            </a:r>
-            <a:r>
-              <a:rPr lang="zh-TW" altLang="en-US" dirty="0">
-                <a:solidFill>
-                  <a:schemeClr val="dk1"/>
-                </a:solidFill>
-              </a:rPr>
-              <a:t>第 </a:t>
-            </a:r>
-            <a:r>
-              <a:rPr lang="en-US" altLang="zh-TW" dirty="0">
-                <a:solidFill>
-                  <a:schemeClr val="dk1"/>
-                </a:solidFill>
-              </a:rPr>
-              <a:t>2 </a:t>
-            </a:r>
-            <a:r>
-              <a:rPr lang="zh-TW" altLang="en-US" dirty="0">
-                <a:solidFill>
-                  <a:schemeClr val="dk1"/>
-                </a:solidFill>
-              </a:rPr>
-              <a:t>題 矩陣轉換</a:t>
-            </a:r>
-            <a:r>
-              <a:rPr lang="en-US" altLang="zh-TW" dirty="0">
-                <a:solidFill>
-                  <a:schemeClr val="dk1"/>
-                </a:solidFill>
-              </a:rPr>
-              <a:t> [</a:t>
-            </a:r>
-            <a:r>
-              <a:rPr lang="en-US" altLang="zh-TW" dirty="0">
-                <a:solidFill>
-                  <a:schemeClr val="dk1"/>
-                </a:solidFill>
-                <a:hlinkClick r:id="rId2"/>
-              </a:rPr>
-              <a:t>Link</a:t>
-            </a:r>
-            <a:r>
-              <a:rPr lang="en-US" altLang="zh-TW" dirty="0">
-                <a:solidFill>
-                  <a:schemeClr val="dk1"/>
-                </a:solidFill>
-              </a:rPr>
-              <a:t>]</a:t>
-            </a:r>
-            <a:br>
-              <a:rPr lang="zh-TW" altLang="en-US" dirty="0"/>
-            </a:br>
-            <a:br>
-              <a:rPr lang="zh-TW" altLang="en-US" dirty="0"/>
-            </a:br>
-            <a:endParaRPr kumimoji="1" lang="zh-TW" altLang="en-US" dirty="0"/>
-          </a:p>
-        </p:txBody>
-      </p:sp>
-      <p:sp>
-        <p:nvSpPr>
-          <p:cNvPr id="6" name="文字方塊 5">
-            <a:extLst>
-              <a:ext uri="{FF2B5EF4-FFF2-40B4-BE49-F238E27FC236}">
-                <a16:creationId xmlns:a16="http://schemas.microsoft.com/office/drawing/2014/main" id="{A1047FAD-6830-D04D-AD3C-9346DF3FC755}"/>
-              </a:ext>
-            </a:extLst>
-          </p:cNvPr>
-          <p:cNvSpPr txBox="1"/>
-          <p:nvPr/>
-        </p:nvSpPr>
-        <p:spPr>
-          <a:xfrm>
-            <a:off x="1265913" y="1380469"/>
-            <a:ext cx="6950942" cy="5047536"/>
-          </a:xfrm>
-          <a:prstGeom prst="rect">
-            <a:avLst/>
-          </a:prstGeom>
-          <a:noFill/>
-          <a:ln>
-            <a:solidFill>
-              <a:schemeClr val="accent1"/>
-            </a:solidFill>
-          </a:ln>
-        </p:spPr>
-        <p:txBody>
-          <a:bodyPr wrap="none" rtlCol="0">
-            <a:spAutoFit/>
-          </a:bodyPr>
-          <a:lstStyle/>
-          <a:p>
-            <a:r>
-              <a:rPr kumimoji="1" lang="en" altLang="zh-TW" sz="1400" dirty="0">
-                <a:latin typeface="Menlo" panose="020B0609030804020204" pitchFamily="49" charset="0"/>
-                <a:ea typeface="Menlo" panose="020B0609030804020204" pitchFamily="49" charset="0"/>
-                <a:cs typeface="Menlo" panose="020B0609030804020204" pitchFamily="49" charset="0"/>
-              </a:rPr>
-              <a:t>while True:</a:t>
-            </a:r>
-          </a:p>
-          <a:p>
-            <a:r>
-              <a:rPr kumimoji="1" lang="en" altLang="zh-TW" sz="1400" dirty="0">
-                <a:latin typeface="Menlo" panose="020B0609030804020204" pitchFamily="49" charset="0"/>
-                <a:ea typeface="Menlo" panose="020B0609030804020204" pitchFamily="49" charset="0"/>
-                <a:cs typeface="Menlo" panose="020B0609030804020204" pitchFamily="49" charset="0"/>
-              </a:rPr>
-              <a:t>    try:</a:t>
-            </a:r>
-          </a:p>
-          <a:p>
-            <a:r>
-              <a:rPr kumimoji="1" lang="en" altLang="zh-TW" sz="1400" dirty="0">
-                <a:latin typeface="Menlo" panose="020B0609030804020204" pitchFamily="49" charset="0"/>
-                <a:ea typeface="Menlo" panose="020B0609030804020204" pitchFamily="49" charset="0"/>
-                <a:cs typeface="Menlo" panose="020B0609030804020204" pitchFamily="49" charset="0"/>
-              </a:rPr>
-              <a:t>        R, C, M = map(int, input().strip().split())</a:t>
-            </a:r>
-          </a:p>
-          <a:p>
-            <a:r>
-              <a:rPr kumimoji="1" lang="en" altLang="zh-TW" sz="1400" dirty="0">
-                <a:latin typeface="Menlo" panose="020B0609030804020204" pitchFamily="49" charset="0"/>
-                <a:ea typeface="Menlo" panose="020B0609030804020204" pitchFamily="49" charset="0"/>
-                <a:cs typeface="Menlo" panose="020B0609030804020204" pitchFamily="49" charset="0"/>
-              </a:rPr>
-              <a:t>        </a:t>
-            </a:r>
-          </a:p>
-          <a:p>
-            <a:r>
-              <a:rPr kumimoji="1" lang="en" altLang="zh-TW" sz="1400" dirty="0">
-                <a:latin typeface="Menlo" panose="020B0609030804020204" pitchFamily="49" charset="0"/>
-                <a:ea typeface="Menlo" panose="020B0609030804020204" pitchFamily="49" charset="0"/>
-                <a:cs typeface="Menlo" panose="020B0609030804020204" pitchFamily="49" charset="0"/>
-              </a:rPr>
-              <a:t>        mat = []</a:t>
-            </a:r>
-          </a:p>
-          <a:p>
-            <a:r>
-              <a:rPr kumimoji="1" lang="en" altLang="zh-TW" sz="1400" dirty="0">
-                <a:latin typeface="Menlo" panose="020B0609030804020204" pitchFamily="49" charset="0"/>
-                <a:ea typeface="Menlo" panose="020B0609030804020204" pitchFamily="49" charset="0"/>
-                <a:cs typeface="Menlo" panose="020B0609030804020204" pitchFamily="49" charset="0"/>
-              </a:rPr>
-              <a:t>        for r in range(R):</a:t>
-            </a:r>
-          </a:p>
-          <a:p>
-            <a:r>
-              <a:rPr kumimoji="1" lang="en" altLang="zh-TW" sz="1400" dirty="0">
-                <a:latin typeface="Menlo" panose="020B0609030804020204" pitchFamily="49" charset="0"/>
-                <a:ea typeface="Menlo" panose="020B0609030804020204" pitchFamily="49" charset="0"/>
-                <a:cs typeface="Menlo" panose="020B0609030804020204" pitchFamily="49" charset="0"/>
-              </a:rPr>
-              <a:t>            </a:t>
-            </a:r>
-            <a:r>
-              <a:rPr kumimoji="1" lang="en" altLang="zh-TW" sz="1400" dirty="0" err="1">
-                <a:latin typeface="Menlo" panose="020B0609030804020204" pitchFamily="49" charset="0"/>
-                <a:ea typeface="Menlo" panose="020B0609030804020204" pitchFamily="49" charset="0"/>
-                <a:cs typeface="Menlo" panose="020B0609030804020204" pitchFamily="49" charset="0"/>
-              </a:rPr>
-              <a:t>mat.append</a:t>
-            </a:r>
-            <a:r>
-              <a:rPr kumimoji="1" lang="en" altLang="zh-TW" sz="1400" dirty="0">
-                <a:latin typeface="Menlo" panose="020B0609030804020204" pitchFamily="49" charset="0"/>
-                <a:ea typeface="Menlo" panose="020B0609030804020204" pitchFamily="49" charset="0"/>
-                <a:cs typeface="Menlo" panose="020B0609030804020204" pitchFamily="49" charset="0"/>
-              </a:rPr>
-              <a:t>(list(map(int, input().strip().split())))</a:t>
-            </a:r>
-          </a:p>
-          <a:p>
-            <a:r>
-              <a:rPr kumimoji="1" lang="en" altLang="zh-TW" sz="1400" dirty="0">
-                <a:latin typeface="Menlo" panose="020B0609030804020204" pitchFamily="49" charset="0"/>
-                <a:ea typeface="Menlo" panose="020B0609030804020204" pitchFamily="49" charset="0"/>
-                <a:cs typeface="Menlo" panose="020B0609030804020204" pitchFamily="49" charset="0"/>
-              </a:rPr>
-              <a:t>        </a:t>
-            </a:r>
-          </a:p>
-          <a:p>
-            <a:r>
-              <a:rPr kumimoji="1" lang="en" altLang="zh-TW" sz="1400" dirty="0">
-                <a:latin typeface="Menlo" panose="020B0609030804020204" pitchFamily="49" charset="0"/>
-                <a:ea typeface="Menlo" panose="020B0609030804020204" pitchFamily="49" charset="0"/>
-                <a:cs typeface="Menlo" panose="020B0609030804020204" pitchFamily="49" charset="0"/>
-              </a:rPr>
-              <a:t>        m = list(map(int, input().strip().split()))</a:t>
-            </a:r>
-          </a:p>
-          <a:p>
-            <a:r>
-              <a:rPr kumimoji="1" lang="en" altLang="zh-TW" sz="1400" dirty="0">
-                <a:latin typeface="Menlo" panose="020B0609030804020204" pitchFamily="49" charset="0"/>
-                <a:ea typeface="Menlo" panose="020B0609030804020204" pitchFamily="49" charset="0"/>
-                <a:cs typeface="Menlo" panose="020B0609030804020204" pitchFamily="49" charset="0"/>
-              </a:rPr>
-              <a:t>        </a:t>
-            </a:r>
-            <a:r>
-              <a:rPr kumimoji="1" lang="en" altLang="zh-TW" sz="1400" dirty="0" err="1">
-                <a:latin typeface="Menlo" panose="020B0609030804020204" pitchFamily="49" charset="0"/>
-                <a:ea typeface="Menlo" panose="020B0609030804020204" pitchFamily="49" charset="0"/>
-                <a:cs typeface="Menlo" panose="020B0609030804020204" pitchFamily="49" charset="0"/>
-              </a:rPr>
-              <a:t>m.reverse</a:t>
-            </a:r>
-            <a:r>
-              <a:rPr kumimoji="1" lang="en" altLang="zh-TW" sz="1400" dirty="0">
-                <a:latin typeface="Menlo" panose="020B0609030804020204" pitchFamily="49" charset="0"/>
-                <a:ea typeface="Menlo" panose="020B0609030804020204" pitchFamily="49" charset="0"/>
-                <a:cs typeface="Menlo" panose="020B0609030804020204" pitchFamily="49" charset="0"/>
-              </a:rPr>
-              <a:t>()</a:t>
-            </a:r>
-          </a:p>
-          <a:p>
-            <a:r>
-              <a:rPr kumimoji="1" lang="en" altLang="zh-TW" sz="1400" dirty="0">
-                <a:latin typeface="Menlo" panose="020B0609030804020204" pitchFamily="49" charset="0"/>
-                <a:ea typeface="Menlo" panose="020B0609030804020204" pitchFamily="49" charset="0"/>
-                <a:cs typeface="Menlo" panose="020B0609030804020204" pitchFamily="49" charset="0"/>
-              </a:rPr>
-              <a:t>        for op in m:</a:t>
-            </a:r>
-          </a:p>
-          <a:p>
-            <a:r>
-              <a:rPr kumimoji="1" lang="en" altLang="zh-TW" sz="1400" dirty="0">
-                <a:latin typeface="Menlo" panose="020B0609030804020204" pitchFamily="49" charset="0"/>
-                <a:ea typeface="Menlo" panose="020B0609030804020204" pitchFamily="49" charset="0"/>
-                <a:cs typeface="Menlo" panose="020B0609030804020204" pitchFamily="49" charset="0"/>
-              </a:rPr>
-              <a:t>            if op == 0:</a:t>
-            </a:r>
-          </a:p>
-          <a:p>
-            <a:r>
-              <a:rPr kumimoji="1" lang="en" altLang="zh-TW" sz="1400" dirty="0">
-                <a:latin typeface="Menlo" panose="020B0609030804020204" pitchFamily="49" charset="0"/>
-                <a:ea typeface="Menlo" panose="020B0609030804020204" pitchFamily="49" charset="0"/>
-                <a:cs typeface="Menlo" panose="020B0609030804020204" pitchFamily="49" charset="0"/>
-              </a:rPr>
-              <a:t>                mat = rotate(mat)</a:t>
-            </a:r>
-          </a:p>
-          <a:p>
-            <a:r>
-              <a:rPr kumimoji="1" lang="en" altLang="zh-TW" sz="1400" dirty="0">
-                <a:latin typeface="Menlo" panose="020B0609030804020204" pitchFamily="49" charset="0"/>
-                <a:ea typeface="Menlo" panose="020B0609030804020204" pitchFamily="49" charset="0"/>
-                <a:cs typeface="Menlo" panose="020B0609030804020204" pitchFamily="49" charset="0"/>
-              </a:rPr>
-              <a:t>            </a:t>
-            </a:r>
-            <a:r>
-              <a:rPr kumimoji="1" lang="en" altLang="zh-TW" sz="1400" dirty="0" err="1">
-                <a:latin typeface="Menlo" panose="020B0609030804020204" pitchFamily="49" charset="0"/>
-                <a:ea typeface="Menlo" panose="020B0609030804020204" pitchFamily="49" charset="0"/>
-                <a:cs typeface="Menlo" panose="020B0609030804020204" pitchFamily="49" charset="0"/>
-              </a:rPr>
-              <a:t>elif</a:t>
-            </a:r>
-            <a:r>
-              <a:rPr kumimoji="1" lang="en" altLang="zh-TW" sz="1400" dirty="0">
-                <a:latin typeface="Menlo" panose="020B0609030804020204" pitchFamily="49" charset="0"/>
-                <a:ea typeface="Menlo" panose="020B0609030804020204" pitchFamily="49" charset="0"/>
-                <a:cs typeface="Menlo" panose="020B0609030804020204" pitchFamily="49" charset="0"/>
-              </a:rPr>
-              <a:t> op == 1:</a:t>
-            </a:r>
-          </a:p>
-          <a:p>
-            <a:r>
-              <a:rPr kumimoji="1" lang="en" altLang="zh-TW" sz="1400" dirty="0">
-                <a:latin typeface="Menlo" panose="020B0609030804020204" pitchFamily="49" charset="0"/>
-                <a:ea typeface="Menlo" panose="020B0609030804020204" pitchFamily="49" charset="0"/>
-                <a:cs typeface="Menlo" panose="020B0609030804020204" pitchFamily="49" charset="0"/>
-              </a:rPr>
-              <a:t>                mat = flip(mat)</a:t>
-            </a:r>
-          </a:p>
-          <a:p>
-            <a:endParaRPr kumimoji="1" lang="en" altLang="zh-TW" sz="1400" dirty="0">
-              <a:latin typeface="Menlo" panose="020B0609030804020204" pitchFamily="49" charset="0"/>
-              <a:ea typeface="Menlo" panose="020B0609030804020204" pitchFamily="49" charset="0"/>
-              <a:cs typeface="Menlo" panose="020B0609030804020204" pitchFamily="49" charset="0"/>
-            </a:endParaRPr>
-          </a:p>
-          <a:p>
-            <a:r>
-              <a:rPr kumimoji="1" lang="en" altLang="zh-TW" sz="1400" dirty="0">
-                <a:latin typeface="Menlo" panose="020B0609030804020204" pitchFamily="49" charset="0"/>
-                <a:ea typeface="Menlo" panose="020B0609030804020204" pitchFamily="49" charset="0"/>
-                <a:cs typeface="Menlo" panose="020B0609030804020204" pitchFamily="49" charset="0"/>
-              </a:rPr>
-              <a:t>        print(f"{</a:t>
-            </a:r>
-            <a:r>
-              <a:rPr kumimoji="1" lang="en" altLang="zh-TW" sz="1400" dirty="0" err="1">
-                <a:latin typeface="Menlo" panose="020B0609030804020204" pitchFamily="49" charset="0"/>
-                <a:ea typeface="Menlo" panose="020B0609030804020204" pitchFamily="49" charset="0"/>
-                <a:cs typeface="Menlo" panose="020B0609030804020204" pitchFamily="49" charset="0"/>
-              </a:rPr>
-              <a:t>len</a:t>
-            </a:r>
-            <a:r>
-              <a:rPr kumimoji="1" lang="en" altLang="zh-TW" sz="1400" dirty="0">
-                <a:latin typeface="Menlo" panose="020B0609030804020204" pitchFamily="49" charset="0"/>
-                <a:ea typeface="Menlo" panose="020B0609030804020204" pitchFamily="49" charset="0"/>
-                <a:cs typeface="Menlo" panose="020B0609030804020204" pitchFamily="49" charset="0"/>
-              </a:rPr>
-              <a:t>(mat)} {</a:t>
-            </a:r>
-            <a:r>
-              <a:rPr kumimoji="1" lang="en" altLang="zh-TW" sz="1400" dirty="0" err="1">
-                <a:latin typeface="Menlo" panose="020B0609030804020204" pitchFamily="49" charset="0"/>
-                <a:ea typeface="Menlo" panose="020B0609030804020204" pitchFamily="49" charset="0"/>
-                <a:cs typeface="Menlo" panose="020B0609030804020204" pitchFamily="49" charset="0"/>
-              </a:rPr>
-              <a:t>len</a:t>
-            </a:r>
-            <a:r>
-              <a:rPr kumimoji="1" lang="en" altLang="zh-TW" sz="1400" dirty="0">
-                <a:latin typeface="Menlo" panose="020B0609030804020204" pitchFamily="49" charset="0"/>
-                <a:ea typeface="Menlo" panose="020B0609030804020204" pitchFamily="49" charset="0"/>
-                <a:cs typeface="Menlo" panose="020B0609030804020204" pitchFamily="49" charset="0"/>
-              </a:rPr>
-              <a:t>(mat[0])}")</a:t>
-            </a:r>
-          </a:p>
-          <a:p>
-            <a:endParaRPr kumimoji="1" lang="en" altLang="zh-TW" sz="1400" dirty="0">
-              <a:latin typeface="Menlo" panose="020B0609030804020204" pitchFamily="49" charset="0"/>
-              <a:ea typeface="Menlo" panose="020B0609030804020204" pitchFamily="49" charset="0"/>
-              <a:cs typeface="Menlo" panose="020B0609030804020204" pitchFamily="49" charset="0"/>
-            </a:endParaRPr>
-          </a:p>
-          <a:p>
-            <a:r>
-              <a:rPr kumimoji="1" lang="en" altLang="zh-TW" sz="1400" dirty="0">
-                <a:latin typeface="Menlo" panose="020B0609030804020204" pitchFamily="49" charset="0"/>
-                <a:ea typeface="Menlo" panose="020B0609030804020204" pitchFamily="49" charset="0"/>
-                <a:cs typeface="Menlo" panose="020B0609030804020204" pitchFamily="49" charset="0"/>
-              </a:rPr>
-              <a:t>        for </a:t>
-            </a:r>
-            <a:r>
-              <a:rPr kumimoji="1" lang="en" altLang="zh-TW" sz="1400" dirty="0" err="1">
-                <a:latin typeface="Menlo" panose="020B0609030804020204" pitchFamily="49" charset="0"/>
-                <a:ea typeface="Menlo" panose="020B0609030804020204" pitchFamily="49" charset="0"/>
-                <a:cs typeface="Menlo" panose="020B0609030804020204" pitchFamily="49" charset="0"/>
-              </a:rPr>
-              <a:t>i</a:t>
-            </a:r>
-            <a:r>
-              <a:rPr kumimoji="1" lang="en" altLang="zh-TW" sz="1400" dirty="0">
-                <a:latin typeface="Menlo" panose="020B0609030804020204" pitchFamily="49" charset="0"/>
-                <a:ea typeface="Menlo" panose="020B0609030804020204" pitchFamily="49" charset="0"/>
-                <a:cs typeface="Menlo" panose="020B0609030804020204" pitchFamily="49" charset="0"/>
-              </a:rPr>
-              <a:t> in range(</a:t>
-            </a:r>
-            <a:r>
-              <a:rPr kumimoji="1" lang="en" altLang="zh-TW" sz="1400" dirty="0" err="1">
-                <a:latin typeface="Menlo" panose="020B0609030804020204" pitchFamily="49" charset="0"/>
-                <a:ea typeface="Menlo" panose="020B0609030804020204" pitchFamily="49" charset="0"/>
-                <a:cs typeface="Menlo" panose="020B0609030804020204" pitchFamily="49" charset="0"/>
-              </a:rPr>
-              <a:t>len</a:t>
-            </a:r>
-            <a:r>
-              <a:rPr kumimoji="1" lang="en" altLang="zh-TW" sz="1400" dirty="0">
-                <a:latin typeface="Menlo" panose="020B0609030804020204" pitchFamily="49" charset="0"/>
-                <a:ea typeface="Menlo" panose="020B0609030804020204" pitchFamily="49" charset="0"/>
-                <a:cs typeface="Menlo" panose="020B0609030804020204" pitchFamily="49" charset="0"/>
-              </a:rPr>
-              <a:t>(mat)):</a:t>
-            </a:r>
-          </a:p>
-          <a:p>
-            <a:r>
-              <a:rPr kumimoji="1" lang="en" altLang="zh-TW" sz="1400" dirty="0">
-                <a:latin typeface="Menlo" panose="020B0609030804020204" pitchFamily="49" charset="0"/>
-                <a:ea typeface="Menlo" panose="020B0609030804020204" pitchFamily="49" charset="0"/>
-                <a:cs typeface="Menlo" panose="020B0609030804020204" pitchFamily="49" charset="0"/>
-              </a:rPr>
-              <a:t>            print(' '.join([str(d) for d in mat[</a:t>
-            </a:r>
-            <a:r>
-              <a:rPr kumimoji="1" lang="en" altLang="zh-TW" sz="1400" dirty="0" err="1">
-                <a:latin typeface="Menlo" panose="020B0609030804020204" pitchFamily="49" charset="0"/>
-                <a:ea typeface="Menlo" panose="020B0609030804020204" pitchFamily="49" charset="0"/>
-                <a:cs typeface="Menlo" panose="020B0609030804020204" pitchFamily="49" charset="0"/>
-              </a:rPr>
-              <a:t>i</a:t>
-            </a:r>
-            <a:r>
-              <a:rPr kumimoji="1" lang="en" altLang="zh-TW" sz="1400" dirty="0">
-                <a:latin typeface="Menlo" panose="020B0609030804020204" pitchFamily="49" charset="0"/>
-                <a:ea typeface="Menlo" panose="020B0609030804020204" pitchFamily="49" charset="0"/>
-                <a:cs typeface="Menlo" panose="020B0609030804020204" pitchFamily="49" charset="0"/>
-              </a:rPr>
-              <a:t>]]))</a:t>
-            </a:r>
-          </a:p>
-          <a:p>
-            <a:endParaRPr kumimoji="1" lang="en" altLang="zh-TW" sz="1400" dirty="0">
-              <a:latin typeface="Menlo" panose="020B0609030804020204" pitchFamily="49" charset="0"/>
-              <a:ea typeface="Menlo" panose="020B0609030804020204" pitchFamily="49" charset="0"/>
-              <a:cs typeface="Menlo" panose="020B0609030804020204" pitchFamily="49" charset="0"/>
-            </a:endParaRPr>
-          </a:p>
-          <a:p>
-            <a:r>
-              <a:rPr kumimoji="1" lang="en" altLang="zh-TW" sz="1400" dirty="0">
-                <a:latin typeface="Menlo" panose="020B0609030804020204" pitchFamily="49" charset="0"/>
-                <a:ea typeface="Menlo" panose="020B0609030804020204" pitchFamily="49" charset="0"/>
-                <a:cs typeface="Menlo" panose="020B0609030804020204" pitchFamily="49" charset="0"/>
-              </a:rPr>
-              <a:t>    except:</a:t>
-            </a:r>
-          </a:p>
-          <a:p>
-            <a:r>
-              <a:rPr kumimoji="1" lang="en" altLang="zh-TW" sz="1400" dirty="0">
-                <a:latin typeface="Menlo" panose="020B0609030804020204" pitchFamily="49" charset="0"/>
-                <a:ea typeface="Menlo" panose="020B0609030804020204" pitchFamily="49" charset="0"/>
-                <a:cs typeface="Menlo" panose="020B0609030804020204" pitchFamily="49" charset="0"/>
-              </a:rPr>
-              <a:t>        break</a:t>
-            </a:r>
-            <a:endParaRPr kumimoji="1" lang="zh-TW" altLang="en-US" sz="1400" dirty="0">
-              <a:latin typeface="Menlo" panose="020B0609030804020204" pitchFamily="49" charset="0"/>
-              <a:cs typeface="Menlo" panose="020B0609030804020204" pitchFamily="49" charset="0"/>
-            </a:endParaRPr>
-          </a:p>
-        </p:txBody>
-      </p:sp>
-    </p:spTree>
-    <p:extLst>
-      <p:ext uri="{BB962C8B-B14F-4D97-AF65-F5344CB8AC3E}">
-        <p14:creationId xmlns:p14="http://schemas.microsoft.com/office/powerpoint/2010/main" val="2761911951"/>
-      </p:ext>
-    </p:extLst>
-  </p:cSld>
-  <p:clrMapOvr>
-    <a:masterClrMapping/>
-  </p:clrMapOvr>
-</p:sld>
-</file>
-
-<file path=ppt/slides/slide7.xml><?xml version="1.0" encoding="utf-8"?>
-<p:sld xmlns:a="http://schemas.openxmlformats.org/drawingml/2006/main" xmlns:r="http://schemas.openxmlformats.org/officeDocument/2006/relationships" xmlns:p="http://schemas.openxmlformats.org/presentationml/2006/main">
-  <p:cSld>
-    <p:spTree>
-      <p:nvGrpSpPr>
-        <p:cNvPr id="1" name=""/>
-        <p:cNvGrpSpPr/>
-        <p:nvPr/>
-      </p:nvGrpSpPr>
-      <p:grpSpPr>
-        <a:xfrm>
-          <a:off x="0" y="0"/>
-          <a:ext cx="0" cy="0"/>
-          <a:chOff x="0" y="0"/>
-          <a:chExt cx="0" cy="0"/>
-        </a:xfrm>
-      </p:grpSpPr>
-      <p:sp>
-        <p:nvSpPr>
-          <p:cNvPr id="2" name="標題 1">
-            <a:extLst>
-              <a:ext uri="{FF2B5EF4-FFF2-40B4-BE49-F238E27FC236}">
-                <a16:creationId xmlns:a16="http://schemas.microsoft.com/office/drawing/2014/main" id="{502F20A6-4DF5-BF41-966A-77365CE31FF8}"/>
-              </a:ext>
-            </a:extLst>
-          </p:cNvPr>
-          <p:cNvSpPr>
-            <a:spLocks noGrp="1"/>
-          </p:cNvSpPr>
-          <p:nvPr>
-            <p:ph type="title"/>
-          </p:nvPr>
-        </p:nvSpPr>
-        <p:spPr/>
-        <p:txBody>
-          <a:bodyPr>
-            <a:normAutofit fontScale="90000"/>
-          </a:bodyPr>
-          <a:lstStyle/>
-          <a:p>
-            <a:r>
-              <a:rPr lang="en-US" altLang="zh-TW" dirty="0"/>
-              <a:t>2016</a:t>
-            </a:r>
-            <a:r>
-              <a:rPr lang="zh-TW" altLang="en-US" dirty="0"/>
-              <a:t>年</a:t>
-            </a:r>
-            <a:r>
-              <a:rPr lang="en-US" altLang="zh-TW" dirty="0"/>
-              <a:t>10</a:t>
-            </a:r>
-            <a:r>
-              <a:rPr lang="zh-TW" altLang="en-US" dirty="0"/>
-              <a:t>月</a:t>
-            </a:r>
-            <a:r>
-              <a:rPr lang="zh-TW" altLang="en-US" dirty="0">
-                <a:solidFill>
-                  <a:schemeClr val="dk1"/>
-                </a:solidFill>
-              </a:rPr>
-              <a:t>第 </a:t>
-            </a:r>
-            <a:r>
-              <a:rPr lang="en-US" altLang="zh-TW" dirty="0">
-                <a:solidFill>
-                  <a:schemeClr val="dk1"/>
-                </a:solidFill>
-              </a:rPr>
-              <a:t>1 </a:t>
-            </a:r>
-            <a:r>
-              <a:rPr lang="zh-TW" altLang="en-US" dirty="0">
-                <a:solidFill>
-                  <a:schemeClr val="dk1"/>
-                </a:solidFill>
-              </a:rPr>
-              <a:t>題 三角形辨別</a:t>
-            </a:r>
-            <a:r>
-              <a:rPr lang="en-US" altLang="zh-TW" dirty="0">
-                <a:solidFill>
-                  <a:schemeClr val="dk1"/>
-                </a:solidFill>
-              </a:rPr>
-              <a:t> [</a:t>
-            </a:r>
-            <a:r>
-              <a:rPr lang="en-US" altLang="zh-TW" dirty="0">
-                <a:solidFill>
-                  <a:schemeClr val="dk1"/>
-                </a:solidFill>
-                <a:hlinkClick r:id="rId2"/>
-              </a:rPr>
-              <a:t>Link</a:t>
-            </a:r>
-            <a:r>
-              <a:rPr lang="en-US" altLang="zh-TW" dirty="0">
-                <a:solidFill>
-                  <a:schemeClr val="dk1"/>
-                </a:solidFill>
-              </a:rPr>
-              <a:t>]</a:t>
-            </a:r>
-            <a:br>
-              <a:rPr lang="zh-TW" altLang="en-US" dirty="0"/>
-            </a:br>
-            <a:br>
-              <a:rPr lang="zh-TW" altLang="en-US" dirty="0"/>
-            </a:br>
-            <a:endParaRPr kumimoji="1" lang="zh-TW" altLang="en-US" dirty="0"/>
-          </a:p>
-        </p:txBody>
-      </p:sp>
-      <p:sp>
-        <p:nvSpPr>
-          <p:cNvPr id="4" name="文字方塊 3">
-            <a:extLst>
-              <a:ext uri="{FF2B5EF4-FFF2-40B4-BE49-F238E27FC236}">
-                <a16:creationId xmlns:a16="http://schemas.microsoft.com/office/drawing/2014/main" id="{D32F0C48-4715-024B-9A01-22AD287838FB}"/>
-              </a:ext>
-            </a:extLst>
-          </p:cNvPr>
-          <p:cNvSpPr txBox="1"/>
-          <p:nvPr/>
-        </p:nvSpPr>
-        <p:spPr>
-          <a:xfrm>
-            <a:off x="1334814" y="1270000"/>
-            <a:ext cx="6973384" cy="5262979"/>
-          </a:xfrm>
-          <a:prstGeom prst="rect">
-            <a:avLst/>
-          </a:prstGeom>
-          <a:noFill/>
-          <a:ln>
-            <a:solidFill>
-              <a:schemeClr val="accent1"/>
-            </a:solidFill>
-          </a:ln>
-        </p:spPr>
-        <p:txBody>
-          <a:bodyPr wrap="none" rtlCol="0">
-            <a:spAutoFit/>
-          </a:bodyPr>
-          <a:lstStyle/>
-          <a:p>
-            <a:r>
-              <a:rPr kumimoji="1" lang="en" altLang="zh-TW" sz="1600" dirty="0">
-                <a:latin typeface="Menlo" panose="020B0609030804020204" pitchFamily="49" charset="0"/>
-                <a:ea typeface="Menlo" panose="020B0609030804020204" pitchFamily="49" charset="0"/>
-                <a:cs typeface="Menlo" panose="020B0609030804020204" pitchFamily="49" charset="0"/>
-              </a:rPr>
-              <a:t>﻿while True:</a:t>
-            </a:r>
-          </a:p>
-          <a:p>
-            <a:r>
-              <a:rPr kumimoji="1" lang="en" altLang="zh-TW" sz="1600" dirty="0">
-                <a:latin typeface="Menlo" panose="020B0609030804020204" pitchFamily="49" charset="0"/>
-                <a:ea typeface="Menlo" panose="020B0609030804020204" pitchFamily="49" charset="0"/>
-                <a:cs typeface="Menlo" panose="020B0609030804020204" pitchFamily="49" charset="0"/>
-              </a:rPr>
-              <a:t>    try:</a:t>
-            </a:r>
-          </a:p>
-          <a:p>
-            <a:r>
-              <a:rPr kumimoji="1" lang="en" altLang="zh-TW" sz="1600" dirty="0">
-                <a:latin typeface="Menlo" panose="020B0609030804020204" pitchFamily="49" charset="0"/>
-                <a:ea typeface="Menlo" panose="020B0609030804020204" pitchFamily="49" charset="0"/>
-                <a:cs typeface="Menlo" panose="020B0609030804020204" pitchFamily="49" charset="0"/>
-              </a:rPr>
-              <a:t>        sides = list(map(int, input().strip().split()))</a:t>
-            </a:r>
-          </a:p>
-          <a:p>
-            <a:r>
-              <a:rPr kumimoji="1" lang="en" altLang="zh-TW" sz="1600" dirty="0">
-                <a:latin typeface="Menlo" panose="020B0609030804020204" pitchFamily="49" charset="0"/>
-                <a:ea typeface="Menlo" panose="020B0609030804020204" pitchFamily="49" charset="0"/>
-                <a:cs typeface="Menlo" panose="020B0609030804020204" pitchFamily="49" charset="0"/>
-              </a:rPr>
-              <a:t>        c = max(sides)</a:t>
-            </a:r>
-          </a:p>
-          <a:p>
-            <a:r>
-              <a:rPr kumimoji="1" lang="en" altLang="zh-TW" sz="1600" dirty="0">
-                <a:latin typeface="Menlo" panose="020B0609030804020204" pitchFamily="49" charset="0"/>
-                <a:ea typeface="Menlo" panose="020B0609030804020204" pitchFamily="49" charset="0"/>
-                <a:cs typeface="Menlo" panose="020B0609030804020204" pitchFamily="49" charset="0"/>
-              </a:rPr>
-              <a:t>        </a:t>
-            </a:r>
-            <a:r>
-              <a:rPr kumimoji="1" lang="en" altLang="zh-TW" sz="1600" dirty="0" err="1">
-                <a:latin typeface="Menlo" panose="020B0609030804020204" pitchFamily="49" charset="0"/>
-                <a:ea typeface="Menlo" panose="020B0609030804020204" pitchFamily="49" charset="0"/>
-                <a:cs typeface="Menlo" panose="020B0609030804020204" pitchFamily="49" charset="0"/>
-              </a:rPr>
-              <a:t>sides.remove</a:t>
-            </a:r>
-            <a:r>
-              <a:rPr kumimoji="1" lang="en" altLang="zh-TW" sz="1600" dirty="0">
-                <a:latin typeface="Menlo" panose="020B0609030804020204" pitchFamily="49" charset="0"/>
-                <a:ea typeface="Menlo" panose="020B0609030804020204" pitchFamily="49" charset="0"/>
-                <a:cs typeface="Menlo" panose="020B0609030804020204" pitchFamily="49" charset="0"/>
-              </a:rPr>
-              <a:t>(c)</a:t>
-            </a:r>
-          </a:p>
-          <a:p>
-            <a:r>
-              <a:rPr kumimoji="1" lang="en" altLang="zh-TW" sz="1600" dirty="0">
-                <a:latin typeface="Menlo" panose="020B0609030804020204" pitchFamily="49" charset="0"/>
-                <a:ea typeface="Menlo" panose="020B0609030804020204" pitchFamily="49" charset="0"/>
-                <a:cs typeface="Menlo" panose="020B0609030804020204" pitchFamily="49" charset="0"/>
-              </a:rPr>
-              <a:t>        a, b = min(sides), max(sides)</a:t>
-            </a:r>
-          </a:p>
-          <a:p>
-            <a:r>
-              <a:rPr kumimoji="1" lang="en" altLang="zh-TW" sz="1600" dirty="0">
-                <a:latin typeface="Menlo" panose="020B0609030804020204" pitchFamily="49" charset="0"/>
-                <a:ea typeface="Menlo" panose="020B0609030804020204" pitchFamily="49" charset="0"/>
-                <a:cs typeface="Menlo" panose="020B0609030804020204" pitchFamily="49" charset="0"/>
-              </a:rPr>
-              <a:t>        print(a, b, c)</a:t>
-            </a:r>
-          </a:p>
-          <a:p>
-            <a:endParaRPr kumimoji="1" lang="en" altLang="zh-TW" sz="1600" dirty="0">
-              <a:latin typeface="Menlo" panose="020B0609030804020204" pitchFamily="49" charset="0"/>
-              <a:ea typeface="Menlo" panose="020B0609030804020204" pitchFamily="49" charset="0"/>
-              <a:cs typeface="Menlo" panose="020B0609030804020204" pitchFamily="49" charset="0"/>
-            </a:endParaRPr>
-          </a:p>
-          <a:p>
-            <a:r>
-              <a:rPr kumimoji="1" lang="en" altLang="zh-TW" sz="1600" dirty="0">
-                <a:latin typeface="Menlo" panose="020B0609030804020204" pitchFamily="49" charset="0"/>
-                <a:ea typeface="Menlo" panose="020B0609030804020204" pitchFamily="49" charset="0"/>
-                <a:cs typeface="Menlo" panose="020B0609030804020204" pitchFamily="49" charset="0"/>
-              </a:rPr>
-              <a:t>        cond1 = a**2 + b**2</a:t>
-            </a:r>
-          </a:p>
-          <a:p>
-            <a:r>
-              <a:rPr kumimoji="1" lang="en" altLang="zh-TW" sz="1600" dirty="0">
-                <a:latin typeface="Menlo" panose="020B0609030804020204" pitchFamily="49" charset="0"/>
-                <a:ea typeface="Menlo" panose="020B0609030804020204" pitchFamily="49" charset="0"/>
-                <a:cs typeface="Menlo" panose="020B0609030804020204" pitchFamily="49" charset="0"/>
-              </a:rPr>
-              <a:t>        cond2 = c**2</a:t>
-            </a:r>
-          </a:p>
-          <a:p>
-            <a:endParaRPr kumimoji="1" lang="en" altLang="zh-TW" sz="1600" dirty="0">
-              <a:latin typeface="Menlo" panose="020B0609030804020204" pitchFamily="49" charset="0"/>
-              <a:ea typeface="Menlo" panose="020B0609030804020204" pitchFamily="49" charset="0"/>
-              <a:cs typeface="Menlo" panose="020B0609030804020204" pitchFamily="49" charset="0"/>
-            </a:endParaRPr>
-          </a:p>
-          <a:p>
-            <a:r>
-              <a:rPr kumimoji="1" lang="en" altLang="zh-TW" sz="1600" dirty="0">
-                <a:latin typeface="Menlo" panose="020B0609030804020204" pitchFamily="49" charset="0"/>
-                <a:ea typeface="Menlo" panose="020B0609030804020204" pitchFamily="49" charset="0"/>
-                <a:cs typeface="Menlo" panose="020B0609030804020204" pitchFamily="49" charset="0"/>
-              </a:rPr>
-              <a:t>        if </a:t>
-            </a:r>
-            <a:r>
-              <a:rPr kumimoji="1" lang="en" altLang="zh-TW" sz="1600" dirty="0" err="1">
-                <a:latin typeface="Menlo" panose="020B0609030804020204" pitchFamily="49" charset="0"/>
-                <a:ea typeface="Menlo" panose="020B0609030804020204" pitchFamily="49" charset="0"/>
-                <a:cs typeface="Menlo" panose="020B0609030804020204" pitchFamily="49" charset="0"/>
-              </a:rPr>
-              <a:t>a+b</a:t>
-            </a:r>
-            <a:r>
-              <a:rPr kumimoji="1" lang="en" altLang="zh-TW" sz="1600" dirty="0">
-                <a:latin typeface="Menlo" panose="020B0609030804020204" pitchFamily="49" charset="0"/>
-                <a:ea typeface="Menlo" panose="020B0609030804020204" pitchFamily="49" charset="0"/>
-                <a:cs typeface="Menlo" panose="020B0609030804020204" pitchFamily="49" charset="0"/>
-              </a:rPr>
-              <a:t> &lt;= c:</a:t>
-            </a:r>
-          </a:p>
-          <a:p>
-            <a:r>
-              <a:rPr kumimoji="1" lang="en" altLang="zh-TW" sz="1600" dirty="0">
-                <a:latin typeface="Menlo" panose="020B0609030804020204" pitchFamily="49" charset="0"/>
-                <a:ea typeface="Menlo" panose="020B0609030804020204" pitchFamily="49" charset="0"/>
-                <a:cs typeface="Menlo" panose="020B0609030804020204" pitchFamily="49" charset="0"/>
-              </a:rPr>
-              <a:t>            print('No')</a:t>
-            </a:r>
-          </a:p>
-          <a:p>
-            <a:r>
-              <a:rPr kumimoji="1" lang="en" altLang="zh-TW" sz="1600" dirty="0">
-                <a:latin typeface="Menlo" panose="020B0609030804020204" pitchFamily="49" charset="0"/>
-                <a:ea typeface="Menlo" panose="020B0609030804020204" pitchFamily="49" charset="0"/>
-                <a:cs typeface="Menlo" panose="020B0609030804020204" pitchFamily="49" charset="0"/>
-              </a:rPr>
-              <a:t>        </a:t>
-            </a:r>
-            <a:r>
-              <a:rPr kumimoji="1" lang="en" altLang="zh-TW" sz="1600" dirty="0" err="1">
-                <a:latin typeface="Menlo" panose="020B0609030804020204" pitchFamily="49" charset="0"/>
-                <a:ea typeface="Menlo" panose="020B0609030804020204" pitchFamily="49" charset="0"/>
-                <a:cs typeface="Menlo" panose="020B0609030804020204" pitchFamily="49" charset="0"/>
-              </a:rPr>
-              <a:t>elif</a:t>
-            </a:r>
-            <a:r>
-              <a:rPr kumimoji="1" lang="en" altLang="zh-TW" sz="1600" dirty="0">
-                <a:latin typeface="Menlo" panose="020B0609030804020204" pitchFamily="49" charset="0"/>
-                <a:ea typeface="Menlo" panose="020B0609030804020204" pitchFamily="49" charset="0"/>
-                <a:cs typeface="Menlo" panose="020B0609030804020204" pitchFamily="49" charset="0"/>
-              </a:rPr>
-              <a:t> cond1 &lt; cond2:</a:t>
-            </a:r>
-          </a:p>
-          <a:p>
-            <a:r>
-              <a:rPr kumimoji="1" lang="en" altLang="zh-TW" sz="1600" dirty="0">
-                <a:latin typeface="Menlo" panose="020B0609030804020204" pitchFamily="49" charset="0"/>
-                <a:ea typeface="Menlo" panose="020B0609030804020204" pitchFamily="49" charset="0"/>
-                <a:cs typeface="Menlo" panose="020B0609030804020204" pitchFamily="49" charset="0"/>
-              </a:rPr>
-              <a:t>            print('Obtuse')</a:t>
-            </a:r>
-          </a:p>
-          <a:p>
-            <a:r>
-              <a:rPr kumimoji="1" lang="en" altLang="zh-TW" sz="1600" dirty="0">
-                <a:latin typeface="Menlo" panose="020B0609030804020204" pitchFamily="49" charset="0"/>
-                <a:ea typeface="Menlo" panose="020B0609030804020204" pitchFamily="49" charset="0"/>
-                <a:cs typeface="Menlo" panose="020B0609030804020204" pitchFamily="49" charset="0"/>
-              </a:rPr>
-              <a:t>        </a:t>
-            </a:r>
-            <a:r>
-              <a:rPr kumimoji="1" lang="en" altLang="zh-TW" sz="1600" dirty="0" err="1">
-                <a:latin typeface="Menlo" panose="020B0609030804020204" pitchFamily="49" charset="0"/>
-                <a:ea typeface="Menlo" panose="020B0609030804020204" pitchFamily="49" charset="0"/>
-                <a:cs typeface="Menlo" panose="020B0609030804020204" pitchFamily="49" charset="0"/>
-              </a:rPr>
-              <a:t>elif</a:t>
-            </a:r>
-            <a:r>
-              <a:rPr kumimoji="1" lang="en" altLang="zh-TW" sz="1600" dirty="0">
-                <a:latin typeface="Menlo" panose="020B0609030804020204" pitchFamily="49" charset="0"/>
-                <a:ea typeface="Menlo" panose="020B0609030804020204" pitchFamily="49" charset="0"/>
-                <a:cs typeface="Menlo" panose="020B0609030804020204" pitchFamily="49" charset="0"/>
-              </a:rPr>
-              <a:t> cond1 == cond2:</a:t>
-            </a:r>
-          </a:p>
-          <a:p>
-            <a:r>
-              <a:rPr kumimoji="1" lang="en" altLang="zh-TW" sz="1600" dirty="0">
-                <a:latin typeface="Menlo" panose="020B0609030804020204" pitchFamily="49" charset="0"/>
-                <a:ea typeface="Menlo" panose="020B0609030804020204" pitchFamily="49" charset="0"/>
-                <a:cs typeface="Menlo" panose="020B0609030804020204" pitchFamily="49" charset="0"/>
-              </a:rPr>
-              <a:t>            print('Right')</a:t>
-            </a:r>
-          </a:p>
-          <a:p>
-            <a:r>
-              <a:rPr kumimoji="1" lang="en" altLang="zh-TW" sz="1600" dirty="0">
-                <a:latin typeface="Menlo" panose="020B0609030804020204" pitchFamily="49" charset="0"/>
-                <a:ea typeface="Menlo" panose="020B0609030804020204" pitchFamily="49" charset="0"/>
-                <a:cs typeface="Menlo" panose="020B0609030804020204" pitchFamily="49" charset="0"/>
-              </a:rPr>
-              <a:t>        else:</a:t>
-            </a:r>
-          </a:p>
-          <a:p>
-            <a:r>
-              <a:rPr kumimoji="1" lang="en" altLang="zh-TW" sz="1600" dirty="0">
-                <a:latin typeface="Menlo" panose="020B0609030804020204" pitchFamily="49" charset="0"/>
-                <a:ea typeface="Menlo" panose="020B0609030804020204" pitchFamily="49" charset="0"/>
-                <a:cs typeface="Menlo" panose="020B0609030804020204" pitchFamily="49" charset="0"/>
-              </a:rPr>
-              <a:t>            print('Acute')</a:t>
-            </a:r>
-          </a:p>
-          <a:p>
-            <a:r>
-              <a:rPr kumimoji="1" lang="en" altLang="zh-TW" sz="1600" dirty="0">
-                <a:latin typeface="Menlo" panose="020B0609030804020204" pitchFamily="49" charset="0"/>
-                <a:ea typeface="Menlo" panose="020B0609030804020204" pitchFamily="49" charset="0"/>
-                <a:cs typeface="Menlo" panose="020B0609030804020204" pitchFamily="49" charset="0"/>
-              </a:rPr>
-              <a:t>    except:</a:t>
-            </a:r>
-          </a:p>
-          <a:p>
-            <a:r>
-              <a:rPr kumimoji="1" lang="en" altLang="zh-TW" sz="1600" dirty="0">
-                <a:latin typeface="Menlo" panose="020B0609030804020204" pitchFamily="49" charset="0"/>
-                <a:ea typeface="Menlo" panose="020B0609030804020204" pitchFamily="49" charset="0"/>
-                <a:cs typeface="Menlo" panose="020B0609030804020204" pitchFamily="49" charset="0"/>
-              </a:rPr>
-              <a:t>        break</a:t>
-            </a:r>
-            <a:endParaRPr kumimoji="1" lang="zh-TW" altLang="en-US" sz="1600" dirty="0">
-              <a:latin typeface="Menlo" panose="020B0609030804020204" pitchFamily="49" charset="0"/>
-              <a:cs typeface="Menlo" panose="020B0609030804020204" pitchFamily="49" charset="0"/>
-            </a:endParaRPr>
-          </a:p>
-        </p:txBody>
-      </p:sp>
-    </p:spTree>
-    <p:extLst>
-      <p:ext uri="{BB962C8B-B14F-4D97-AF65-F5344CB8AC3E}">
-        <p14:creationId xmlns:p14="http://schemas.microsoft.com/office/powerpoint/2010/main" val="658198733"/>
-      </p:ext>
-    </p:extLst>
-  </p:cSld>
-  <p:clrMapOvr>
-    <a:masterClrMapping/>
-  </p:clrMapOvr>
-</p:sld>
-</file>
-
-<file path=ppt/slides/slide8.xml><?xml version="1.0" encoding="utf-8"?>
-<p:sld xmlns:a="http://schemas.openxmlformats.org/drawingml/2006/main" xmlns:r="http://schemas.openxmlformats.org/officeDocument/2006/relationships" xmlns:p="http://schemas.openxmlformats.org/presentationml/2006/main">
-  <p:cSld>
-    <p:spTree>
-      <p:nvGrpSpPr>
-        <p:cNvPr id="1" name=""/>
-        <p:cNvGrpSpPr/>
-        <p:nvPr/>
-      </p:nvGrpSpPr>
-      <p:grpSpPr>
-        <a:xfrm>
-          <a:off x="0" y="0"/>
-          <a:ext cx="0" cy="0"/>
-          <a:chOff x="0" y="0"/>
-          <a:chExt cx="0" cy="0"/>
-        </a:xfrm>
-      </p:grpSpPr>
-      <p:sp>
-        <p:nvSpPr>
-          <p:cNvPr id="2" name="標題 1">
-            <a:extLst>
-              <a:ext uri="{FF2B5EF4-FFF2-40B4-BE49-F238E27FC236}">
-                <a16:creationId xmlns:a16="http://schemas.microsoft.com/office/drawing/2014/main" id="{D53A7EB9-C384-3940-BC48-34A5B4575DC0}"/>
-              </a:ext>
-            </a:extLst>
-          </p:cNvPr>
-          <p:cNvSpPr>
-            <a:spLocks noGrp="1"/>
-          </p:cNvSpPr>
-          <p:nvPr>
-            <p:ph type="title"/>
-          </p:nvPr>
-        </p:nvSpPr>
-        <p:spPr/>
-        <p:txBody>
-          <a:bodyPr>
-            <a:normAutofit fontScale="90000"/>
-          </a:bodyPr>
-          <a:lstStyle/>
-          <a:p>
-            <a:r>
-              <a:rPr lang="en-US" altLang="zh-TW" dirty="0"/>
-              <a:t>2016</a:t>
-            </a:r>
-            <a:r>
-              <a:rPr lang="zh-TW" altLang="en-US" dirty="0"/>
-              <a:t>年</a:t>
-            </a:r>
-            <a:r>
-              <a:rPr lang="en-US" altLang="zh-TW" dirty="0"/>
-              <a:t>10</a:t>
-            </a:r>
-            <a:r>
-              <a:rPr lang="zh-TW" altLang="en-US" dirty="0"/>
-              <a:t>月</a:t>
-            </a:r>
-            <a:r>
-              <a:rPr lang="zh-TW" altLang="en-US" dirty="0">
-                <a:solidFill>
-                  <a:schemeClr val="dk1"/>
-                </a:solidFill>
-              </a:rPr>
-              <a:t>第 </a:t>
-            </a:r>
-            <a:r>
-              <a:rPr lang="en-US" altLang="zh-TW" dirty="0">
-                <a:solidFill>
-                  <a:schemeClr val="dk1"/>
-                </a:solidFill>
-              </a:rPr>
-              <a:t>2 </a:t>
-            </a:r>
-            <a:r>
-              <a:rPr lang="zh-TW" altLang="en-US" dirty="0">
-                <a:solidFill>
-                  <a:schemeClr val="dk1"/>
-                </a:solidFill>
-              </a:rPr>
-              <a:t>題 最大和</a:t>
-            </a:r>
-            <a:r>
-              <a:rPr lang="en-US" altLang="zh-TW" dirty="0">
-                <a:solidFill>
-                  <a:schemeClr val="dk1"/>
-                </a:solidFill>
-              </a:rPr>
-              <a:t> [</a:t>
-            </a:r>
-            <a:r>
-              <a:rPr lang="en-US" altLang="zh-TW" dirty="0">
-                <a:solidFill>
-                  <a:schemeClr val="dk1"/>
-                </a:solidFill>
-                <a:hlinkClick r:id="rId2"/>
-              </a:rPr>
-              <a:t>Link</a:t>
-            </a:r>
-            <a:r>
-              <a:rPr lang="en-US" altLang="zh-TW" dirty="0">
-                <a:solidFill>
-                  <a:schemeClr val="dk1"/>
-                </a:solidFill>
-              </a:rPr>
-              <a:t>]</a:t>
-            </a:r>
-            <a:br>
-              <a:rPr lang="zh-TW" altLang="en-US" dirty="0"/>
-            </a:br>
-            <a:br>
-              <a:rPr lang="zh-TW" altLang="en-US" dirty="0"/>
-            </a:br>
-            <a:endParaRPr kumimoji="1" lang="zh-TW" altLang="en-US" dirty="0"/>
-          </a:p>
-        </p:txBody>
-      </p:sp>
-      <p:sp>
-        <p:nvSpPr>
-          <p:cNvPr id="4" name="文字方塊 3">
-            <a:extLst>
-              <a:ext uri="{FF2B5EF4-FFF2-40B4-BE49-F238E27FC236}">
-                <a16:creationId xmlns:a16="http://schemas.microsoft.com/office/drawing/2014/main" id="{AA64B800-B682-594C-84A0-C7E4B3100D5C}"/>
-              </a:ext>
-            </a:extLst>
-          </p:cNvPr>
-          <p:cNvSpPr txBox="1"/>
-          <p:nvPr/>
-        </p:nvSpPr>
-        <p:spPr>
-          <a:xfrm>
-            <a:off x="1286934" y="1270000"/>
-            <a:ext cx="6413935" cy="5478423"/>
-          </a:xfrm>
-          <a:prstGeom prst="rect">
-            <a:avLst/>
-          </a:prstGeom>
-          <a:noFill/>
-          <a:ln>
-            <a:solidFill>
-              <a:schemeClr val="accent1"/>
-            </a:solidFill>
-          </a:ln>
-        </p:spPr>
-        <p:txBody>
-          <a:bodyPr wrap="none" rtlCol="0">
-            <a:spAutoFit/>
-          </a:bodyPr>
-          <a:lstStyle/>
-          <a:p>
-            <a:r>
-              <a:rPr kumimoji="1" lang="en" altLang="zh-TW" sz="1400" dirty="0">
-                <a:latin typeface="Menlo" panose="020B0609030804020204" pitchFamily="49" charset="0"/>
-                <a:ea typeface="Menlo" panose="020B0609030804020204" pitchFamily="49" charset="0"/>
-                <a:cs typeface="Menlo" panose="020B0609030804020204" pitchFamily="49" charset="0"/>
-              </a:rPr>
-              <a:t>﻿while True:</a:t>
-            </a:r>
-          </a:p>
-          <a:p>
-            <a:r>
-              <a:rPr kumimoji="1" lang="en" altLang="zh-TW" sz="1400" dirty="0">
-                <a:latin typeface="Menlo" panose="020B0609030804020204" pitchFamily="49" charset="0"/>
-                <a:ea typeface="Menlo" panose="020B0609030804020204" pitchFamily="49" charset="0"/>
-                <a:cs typeface="Menlo" panose="020B0609030804020204" pitchFamily="49" charset="0"/>
-              </a:rPr>
-              <a:t>    try:</a:t>
-            </a:r>
-          </a:p>
-          <a:p>
-            <a:r>
-              <a:rPr kumimoji="1" lang="en" altLang="zh-TW" sz="1400" dirty="0">
-                <a:latin typeface="Menlo" panose="020B0609030804020204" pitchFamily="49" charset="0"/>
-                <a:ea typeface="Menlo" panose="020B0609030804020204" pitchFamily="49" charset="0"/>
-                <a:cs typeface="Menlo" panose="020B0609030804020204" pitchFamily="49" charset="0"/>
-              </a:rPr>
-              <a:t>        N, M = map(int, input().strip().split())</a:t>
-            </a:r>
-          </a:p>
-          <a:p>
-            <a:r>
-              <a:rPr kumimoji="1" lang="en" altLang="zh-TW" sz="1400" dirty="0">
-                <a:latin typeface="Menlo" panose="020B0609030804020204" pitchFamily="49" charset="0"/>
-                <a:ea typeface="Menlo" panose="020B0609030804020204" pitchFamily="49" charset="0"/>
-                <a:cs typeface="Menlo" panose="020B0609030804020204" pitchFamily="49" charset="0"/>
-              </a:rPr>
-              <a:t>        </a:t>
-            </a:r>
-          </a:p>
-          <a:p>
-            <a:r>
-              <a:rPr kumimoji="1" lang="en" altLang="zh-TW" sz="1400" dirty="0">
-                <a:latin typeface="Menlo" panose="020B0609030804020204" pitchFamily="49" charset="0"/>
-                <a:ea typeface="Menlo" panose="020B0609030804020204" pitchFamily="49" charset="0"/>
-                <a:cs typeface="Menlo" panose="020B0609030804020204" pitchFamily="49" charset="0"/>
-              </a:rPr>
-              <a:t>        maxi = []</a:t>
-            </a:r>
-          </a:p>
-          <a:p>
-            <a:r>
-              <a:rPr kumimoji="1" lang="en" altLang="zh-TW" sz="1400" dirty="0">
-                <a:latin typeface="Menlo" panose="020B0609030804020204" pitchFamily="49" charset="0"/>
-                <a:ea typeface="Menlo" panose="020B0609030804020204" pitchFamily="49" charset="0"/>
-                <a:cs typeface="Menlo" panose="020B0609030804020204" pitchFamily="49" charset="0"/>
-              </a:rPr>
-              <a:t>        total = 0</a:t>
-            </a:r>
-          </a:p>
-          <a:p>
-            <a:r>
-              <a:rPr kumimoji="1" lang="en" altLang="zh-TW" sz="1400" dirty="0">
-                <a:latin typeface="Menlo" panose="020B0609030804020204" pitchFamily="49" charset="0"/>
-                <a:ea typeface="Menlo" panose="020B0609030804020204" pitchFamily="49" charset="0"/>
-                <a:cs typeface="Menlo" panose="020B0609030804020204" pitchFamily="49" charset="0"/>
-              </a:rPr>
-              <a:t>        for </a:t>
-            </a:r>
-            <a:r>
-              <a:rPr kumimoji="1" lang="en" altLang="zh-TW" sz="1400" dirty="0" err="1">
-                <a:latin typeface="Menlo" panose="020B0609030804020204" pitchFamily="49" charset="0"/>
-                <a:ea typeface="Menlo" panose="020B0609030804020204" pitchFamily="49" charset="0"/>
-                <a:cs typeface="Menlo" panose="020B0609030804020204" pitchFamily="49" charset="0"/>
-              </a:rPr>
-              <a:t>i</a:t>
-            </a:r>
-            <a:r>
-              <a:rPr kumimoji="1" lang="en" altLang="zh-TW" sz="1400" dirty="0">
-                <a:latin typeface="Menlo" panose="020B0609030804020204" pitchFamily="49" charset="0"/>
-                <a:ea typeface="Menlo" panose="020B0609030804020204" pitchFamily="49" charset="0"/>
-                <a:cs typeface="Menlo" panose="020B0609030804020204" pitchFamily="49" charset="0"/>
-              </a:rPr>
-              <a:t> in range(N):</a:t>
-            </a:r>
-          </a:p>
-          <a:p>
-            <a:r>
-              <a:rPr kumimoji="1" lang="en" altLang="zh-TW" sz="1400" dirty="0">
-                <a:latin typeface="Menlo" panose="020B0609030804020204" pitchFamily="49" charset="0"/>
-                <a:ea typeface="Menlo" panose="020B0609030804020204" pitchFamily="49" charset="0"/>
-                <a:cs typeface="Menlo" panose="020B0609030804020204" pitchFamily="49" charset="0"/>
-              </a:rPr>
-              <a:t>            </a:t>
-            </a:r>
-            <a:r>
-              <a:rPr kumimoji="1" lang="en" altLang="zh-TW" sz="1400" dirty="0" err="1">
-                <a:latin typeface="Menlo" panose="020B0609030804020204" pitchFamily="49" charset="0"/>
-                <a:ea typeface="Menlo" panose="020B0609030804020204" pitchFamily="49" charset="0"/>
-                <a:cs typeface="Menlo" panose="020B0609030804020204" pitchFamily="49" charset="0"/>
-              </a:rPr>
-              <a:t>nums</a:t>
-            </a:r>
-            <a:r>
-              <a:rPr kumimoji="1" lang="en" altLang="zh-TW" sz="1400" dirty="0">
-                <a:latin typeface="Menlo" panose="020B0609030804020204" pitchFamily="49" charset="0"/>
-                <a:ea typeface="Menlo" panose="020B0609030804020204" pitchFamily="49" charset="0"/>
-                <a:cs typeface="Menlo" panose="020B0609030804020204" pitchFamily="49" charset="0"/>
-              </a:rPr>
-              <a:t> = list(map(int, input().strip().split()))</a:t>
-            </a:r>
-          </a:p>
-          <a:p>
-            <a:r>
-              <a:rPr kumimoji="1" lang="en" altLang="zh-TW" sz="1400" dirty="0">
-                <a:latin typeface="Menlo" panose="020B0609030804020204" pitchFamily="49" charset="0"/>
-                <a:ea typeface="Menlo" panose="020B0609030804020204" pitchFamily="49" charset="0"/>
-                <a:cs typeface="Menlo" panose="020B0609030804020204" pitchFamily="49" charset="0"/>
-              </a:rPr>
-              <a:t>            n = max(</a:t>
-            </a:r>
-            <a:r>
-              <a:rPr kumimoji="1" lang="en" altLang="zh-TW" sz="1400" dirty="0" err="1">
-                <a:latin typeface="Menlo" panose="020B0609030804020204" pitchFamily="49" charset="0"/>
-                <a:ea typeface="Menlo" panose="020B0609030804020204" pitchFamily="49" charset="0"/>
-                <a:cs typeface="Menlo" panose="020B0609030804020204" pitchFamily="49" charset="0"/>
-              </a:rPr>
-              <a:t>nums</a:t>
-            </a:r>
-            <a:r>
-              <a:rPr kumimoji="1" lang="en" altLang="zh-TW" sz="1400" dirty="0">
-                <a:latin typeface="Menlo" panose="020B0609030804020204" pitchFamily="49" charset="0"/>
-                <a:ea typeface="Menlo" panose="020B0609030804020204" pitchFamily="49" charset="0"/>
-                <a:cs typeface="Menlo" panose="020B0609030804020204" pitchFamily="49" charset="0"/>
-              </a:rPr>
-              <a:t>)</a:t>
-            </a:r>
-          </a:p>
-          <a:p>
-            <a:r>
-              <a:rPr kumimoji="1" lang="en" altLang="zh-TW" sz="1400" dirty="0">
-                <a:latin typeface="Menlo" panose="020B0609030804020204" pitchFamily="49" charset="0"/>
-                <a:ea typeface="Menlo" panose="020B0609030804020204" pitchFamily="49" charset="0"/>
-                <a:cs typeface="Menlo" panose="020B0609030804020204" pitchFamily="49" charset="0"/>
-              </a:rPr>
-              <a:t>            total += n</a:t>
-            </a:r>
-          </a:p>
-          <a:p>
-            <a:r>
-              <a:rPr kumimoji="1" lang="en" altLang="zh-TW" sz="1400" dirty="0">
-                <a:latin typeface="Menlo" panose="020B0609030804020204" pitchFamily="49" charset="0"/>
-                <a:ea typeface="Menlo" panose="020B0609030804020204" pitchFamily="49" charset="0"/>
-                <a:cs typeface="Menlo" panose="020B0609030804020204" pitchFamily="49" charset="0"/>
-              </a:rPr>
-              <a:t>            </a:t>
-            </a:r>
-            <a:r>
-              <a:rPr kumimoji="1" lang="en" altLang="zh-TW" sz="1400" dirty="0" err="1">
-                <a:latin typeface="Menlo" panose="020B0609030804020204" pitchFamily="49" charset="0"/>
-                <a:ea typeface="Menlo" panose="020B0609030804020204" pitchFamily="49" charset="0"/>
-                <a:cs typeface="Menlo" panose="020B0609030804020204" pitchFamily="49" charset="0"/>
-              </a:rPr>
-              <a:t>maxi.append</a:t>
-            </a:r>
-            <a:r>
-              <a:rPr kumimoji="1" lang="en" altLang="zh-TW" sz="1400" dirty="0">
-                <a:latin typeface="Menlo" panose="020B0609030804020204" pitchFamily="49" charset="0"/>
-                <a:ea typeface="Menlo" panose="020B0609030804020204" pitchFamily="49" charset="0"/>
-                <a:cs typeface="Menlo" panose="020B0609030804020204" pitchFamily="49" charset="0"/>
-              </a:rPr>
-              <a:t>(n)</a:t>
-            </a:r>
-          </a:p>
-          <a:p>
-            <a:r>
-              <a:rPr kumimoji="1" lang="en" altLang="zh-TW" sz="1400" dirty="0">
-                <a:latin typeface="Menlo" panose="020B0609030804020204" pitchFamily="49" charset="0"/>
-                <a:ea typeface="Menlo" panose="020B0609030804020204" pitchFamily="49" charset="0"/>
-                <a:cs typeface="Menlo" panose="020B0609030804020204" pitchFamily="49" charset="0"/>
-              </a:rPr>
-              <a:t>            </a:t>
-            </a:r>
-          </a:p>
-          <a:p>
-            <a:r>
-              <a:rPr kumimoji="1" lang="en" altLang="zh-TW" sz="1400" dirty="0">
-                <a:latin typeface="Menlo" panose="020B0609030804020204" pitchFamily="49" charset="0"/>
-                <a:ea typeface="Menlo" panose="020B0609030804020204" pitchFamily="49" charset="0"/>
-                <a:cs typeface="Menlo" panose="020B0609030804020204" pitchFamily="49" charset="0"/>
-              </a:rPr>
-              <a:t>        print(total)</a:t>
-            </a:r>
-          </a:p>
-          <a:p>
-            <a:r>
-              <a:rPr kumimoji="1" lang="en" altLang="zh-TW" sz="1400" dirty="0">
-                <a:latin typeface="Menlo" panose="020B0609030804020204" pitchFamily="49" charset="0"/>
-                <a:ea typeface="Menlo" panose="020B0609030804020204" pitchFamily="49" charset="0"/>
-                <a:cs typeface="Menlo" panose="020B0609030804020204" pitchFamily="49" charset="0"/>
-              </a:rPr>
-              <a:t>        res = ''</a:t>
-            </a:r>
-          </a:p>
-          <a:p>
-            <a:r>
-              <a:rPr kumimoji="1" lang="en" altLang="zh-TW" sz="1400" dirty="0">
-                <a:latin typeface="Menlo" panose="020B0609030804020204" pitchFamily="49" charset="0"/>
-                <a:ea typeface="Menlo" panose="020B0609030804020204" pitchFamily="49" charset="0"/>
-                <a:cs typeface="Menlo" panose="020B0609030804020204" pitchFamily="49" charset="0"/>
-              </a:rPr>
-              <a:t>        </a:t>
-            </a:r>
-            <a:r>
-              <a:rPr kumimoji="1" lang="en" altLang="zh-TW" sz="1400" dirty="0" err="1">
-                <a:latin typeface="Menlo" panose="020B0609030804020204" pitchFamily="49" charset="0"/>
-                <a:ea typeface="Menlo" panose="020B0609030804020204" pitchFamily="49" charset="0"/>
-                <a:cs typeface="Menlo" panose="020B0609030804020204" pitchFamily="49" charset="0"/>
-              </a:rPr>
-              <a:t>no_divisor</a:t>
-            </a:r>
-            <a:r>
-              <a:rPr kumimoji="1" lang="en" altLang="zh-TW" sz="1400" dirty="0">
-                <a:latin typeface="Menlo" panose="020B0609030804020204" pitchFamily="49" charset="0"/>
-                <a:ea typeface="Menlo" panose="020B0609030804020204" pitchFamily="49" charset="0"/>
-                <a:cs typeface="Menlo" panose="020B0609030804020204" pitchFamily="49" charset="0"/>
-              </a:rPr>
-              <a:t> = True</a:t>
-            </a:r>
-          </a:p>
-          <a:p>
-            <a:r>
-              <a:rPr kumimoji="1" lang="en" altLang="zh-TW" sz="1400" dirty="0">
-                <a:latin typeface="Menlo" panose="020B0609030804020204" pitchFamily="49" charset="0"/>
-                <a:ea typeface="Menlo" panose="020B0609030804020204" pitchFamily="49" charset="0"/>
-                <a:cs typeface="Menlo" panose="020B0609030804020204" pitchFamily="49" charset="0"/>
-              </a:rPr>
-              <a:t>        for n in maxi:</a:t>
-            </a:r>
-          </a:p>
-          <a:p>
-            <a:r>
-              <a:rPr kumimoji="1" lang="en" altLang="zh-TW" sz="1400" dirty="0">
-                <a:latin typeface="Menlo" panose="020B0609030804020204" pitchFamily="49" charset="0"/>
-                <a:ea typeface="Menlo" panose="020B0609030804020204" pitchFamily="49" charset="0"/>
-                <a:cs typeface="Menlo" panose="020B0609030804020204" pitchFamily="49" charset="0"/>
-              </a:rPr>
-              <a:t>            if total % n == 0:</a:t>
-            </a:r>
-          </a:p>
-          <a:p>
-            <a:r>
-              <a:rPr kumimoji="1" lang="en" altLang="zh-TW" sz="1400" dirty="0">
-                <a:latin typeface="Menlo" panose="020B0609030804020204" pitchFamily="49" charset="0"/>
-                <a:ea typeface="Menlo" panose="020B0609030804020204" pitchFamily="49" charset="0"/>
-                <a:cs typeface="Menlo" panose="020B0609030804020204" pitchFamily="49" charset="0"/>
-              </a:rPr>
-              <a:t>                </a:t>
-            </a:r>
-            <a:r>
-              <a:rPr kumimoji="1" lang="en" altLang="zh-TW" sz="1400" dirty="0" err="1">
-                <a:latin typeface="Menlo" panose="020B0609030804020204" pitchFamily="49" charset="0"/>
-                <a:ea typeface="Menlo" panose="020B0609030804020204" pitchFamily="49" charset="0"/>
-                <a:cs typeface="Menlo" panose="020B0609030804020204" pitchFamily="49" charset="0"/>
-              </a:rPr>
-              <a:t>no_divisor</a:t>
-            </a:r>
-            <a:r>
-              <a:rPr kumimoji="1" lang="en" altLang="zh-TW" sz="1400" dirty="0">
-                <a:latin typeface="Menlo" panose="020B0609030804020204" pitchFamily="49" charset="0"/>
-                <a:ea typeface="Menlo" panose="020B0609030804020204" pitchFamily="49" charset="0"/>
-                <a:cs typeface="Menlo" panose="020B0609030804020204" pitchFamily="49" charset="0"/>
-              </a:rPr>
-              <a:t> = False</a:t>
-            </a:r>
-          </a:p>
-          <a:p>
-            <a:r>
-              <a:rPr kumimoji="1" lang="en" altLang="zh-TW" sz="1400" dirty="0">
-                <a:latin typeface="Menlo" panose="020B0609030804020204" pitchFamily="49" charset="0"/>
-                <a:ea typeface="Menlo" panose="020B0609030804020204" pitchFamily="49" charset="0"/>
-                <a:cs typeface="Menlo" panose="020B0609030804020204" pitchFamily="49" charset="0"/>
-              </a:rPr>
-              <a:t>                res += str(n) + ' '</a:t>
-            </a:r>
-          </a:p>
-          <a:p>
-            <a:r>
-              <a:rPr kumimoji="1" lang="en" altLang="zh-TW" sz="1400" dirty="0">
-                <a:latin typeface="Menlo" panose="020B0609030804020204" pitchFamily="49" charset="0"/>
-                <a:ea typeface="Menlo" panose="020B0609030804020204" pitchFamily="49" charset="0"/>
-                <a:cs typeface="Menlo" panose="020B0609030804020204" pitchFamily="49" charset="0"/>
-              </a:rPr>
-              <a:t>        if </a:t>
-            </a:r>
-            <a:r>
-              <a:rPr kumimoji="1" lang="en" altLang="zh-TW" sz="1400" dirty="0" err="1">
-                <a:latin typeface="Menlo" panose="020B0609030804020204" pitchFamily="49" charset="0"/>
-                <a:ea typeface="Menlo" panose="020B0609030804020204" pitchFamily="49" charset="0"/>
-                <a:cs typeface="Menlo" panose="020B0609030804020204" pitchFamily="49" charset="0"/>
-              </a:rPr>
-              <a:t>no_divisor</a:t>
-            </a:r>
-            <a:r>
-              <a:rPr kumimoji="1" lang="en" altLang="zh-TW" sz="1400" dirty="0">
-                <a:latin typeface="Menlo" panose="020B0609030804020204" pitchFamily="49" charset="0"/>
-                <a:ea typeface="Menlo" panose="020B0609030804020204" pitchFamily="49" charset="0"/>
-                <a:cs typeface="Menlo" panose="020B0609030804020204" pitchFamily="49" charset="0"/>
-              </a:rPr>
-              <a:t>:</a:t>
-            </a:r>
-          </a:p>
-          <a:p>
-            <a:r>
-              <a:rPr kumimoji="1" lang="en" altLang="zh-TW" sz="1400" dirty="0">
-                <a:latin typeface="Menlo" panose="020B0609030804020204" pitchFamily="49" charset="0"/>
-                <a:ea typeface="Menlo" panose="020B0609030804020204" pitchFamily="49" charset="0"/>
-                <a:cs typeface="Menlo" panose="020B0609030804020204" pitchFamily="49" charset="0"/>
-              </a:rPr>
-              <a:t>            print(-1)</a:t>
-            </a:r>
-          </a:p>
-          <a:p>
-            <a:r>
-              <a:rPr kumimoji="1" lang="en" altLang="zh-TW" sz="1400" dirty="0">
-                <a:latin typeface="Menlo" panose="020B0609030804020204" pitchFamily="49" charset="0"/>
-                <a:ea typeface="Menlo" panose="020B0609030804020204" pitchFamily="49" charset="0"/>
-                <a:cs typeface="Menlo" panose="020B0609030804020204" pitchFamily="49" charset="0"/>
-              </a:rPr>
-              <a:t>        else:</a:t>
-            </a:r>
-          </a:p>
-          <a:p>
-            <a:r>
-              <a:rPr kumimoji="1" lang="en" altLang="zh-TW" sz="1400" dirty="0">
-                <a:latin typeface="Menlo" panose="020B0609030804020204" pitchFamily="49" charset="0"/>
-                <a:ea typeface="Menlo" panose="020B0609030804020204" pitchFamily="49" charset="0"/>
-                <a:cs typeface="Menlo" panose="020B0609030804020204" pitchFamily="49" charset="0"/>
-              </a:rPr>
-              <a:t>            print(res[:-1])</a:t>
-            </a:r>
-          </a:p>
-          <a:p>
-            <a:r>
-              <a:rPr kumimoji="1" lang="en" altLang="zh-TW" sz="1400" dirty="0">
-                <a:latin typeface="Menlo" panose="020B0609030804020204" pitchFamily="49" charset="0"/>
-                <a:ea typeface="Menlo" panose="020B0609030804020204" pitchFamily="49" charset="0"/>
-                <a:cs typeface="Menlo" panose="020B0609030804020204" pitchFamily="49" charset="0"/>
-              </a:rPr>
-              <a:t>    except:</a:t>
-            </a:r>
-          </a:p>
-          <a:p>
-            <a:r>
-              <a:rPr kumimoji="1" lang="en" altLang="zh-TW" sz="1400" dirty="0">
-                <a:latin typeface="Menlo" panose="020B0609030804020204" pitchFamily="49" charset="0"/>
-                <a:ea typeface="Menlo" panose="020B0609030804020204" pitchFamily="49" charset="0"/>
-                <a:cs typeface="Menlo" panose="020B0609030804020204" pitchFamily="49" charset="0"/>
-              </a:rPr>
-              <a:t>        break</a:t>
-            </a:r>
-            <a:endParaRPr kumimoji="1" lang="zh-TW" altLang="en-US" sz="1400" dirty="0">
-              <a:latin typeface="Menlo" panose="020B0609030804020204" pitchFamily="49" charset="0"/>
-              <a:cs typeface="Menlo" panose="020B0609030804020204" pitchFamily="49" charset="0"/>
-            </a:endParaRPr>
-          </a:p>
-        </p:txBody>
-      </p:sp>
-    </p:spTree>
-    <p:extLst>
-      <p:ext uri="{BB962C8B-B14F-4D97-AF65-F5344CB8AC3E}">
-        <p14:creationId xmlns:p14="http://schemas.microsoft.com/office/powerpoint/2010/main" val="317034264"/>
-      </p:ext>
-    </p:extLst>
-  </p:cSld>
-  <p:clrMapOvr>
-    <a:masterClrMapping/>
-  </p:clrMapOvr>
-</p:sld>
-</file>
-
-<file path=ppt/slides/slide9.xml><?xml version="1.0" encoding="utf-8"?>
-<p:sld xmlns:a="http://schemas.openxmlformats.org/drawingml/2006/main" xmlns:r="http://schemas.openxmlformats.org/officeDocument/2006/relationships" xmlns:p="http://schemas.openxmlformats.org/presentationml/2006/main">
-  <p:cSld>
-    <p:spTree>
-      <p:nvGrpSpPr>
-        <p:cNvPr id="1" name=""/>
-        <p:cNvGrpSpPr/>
-        <p:nvPr/>
-      </p:nvGrpSpPr>
-      <p:grpSpPr>
-        <a:xfrm>
-          <a:off x="0" y="0"/>
-          <a:ext cx="0" cy="0"/>
-          <a:chOff x="0" y="0"/>
-          <a:chExt cx="0" cy="0"/>
-        </a:xfrm>
-      </p:grpSpPr>
-      <p:sp>
-        <p:nvSpPr>
-          <p:cNvPr id="2" name="標題 1">
-            <a:extLst>
-              <a:ext uri="{FF2B5EF4-FFF2-40B4-BE49-F238E27FC236}">
-                <a16:creationId xmlns:a16="http://schemas.microsoft.com/office/drawing/2014/main" id="{399E284C-6DA9-7849-8F2D-7C0F5656F23E}"/>
-              </a:ext>
-            </a:extLst>
-          </p:cNvPr>
-          <p:cNvSpPr>
-            <a:spLocks noGrp="1"/>
-          </p:cNvSpPr>
-          <p:nvPr>
-            <p:ph type="title"/>
-          </p:nvPr>
-        </p:nvSpPr>
-        <p:spPr/>
-        <p:txBody>
-          <a:bodyPr>
-            <a:normAutofit fontScale="90000"/>
-          </a:bodyPr>
-          <a:lstStyle/>
-          <a:p>
-            <a:r>
-              <a:rPr lang="en-US" altLang="zh-TW" dirty="0"/>
-              <a:t>2017</a:t>
-            </a:r>
-            <a:r>
-              <a:rPr lang="zh-TW" altLang="en-US" dirty="0"/>
-              <a:t>年</a:t>
-            </a:r>
-            <a:r>
-              <a:rPr lang="en-US" altLang="zh-TW" dirty="0"/>
-              <a:t>3</a:t>
-            </a:r>
-            <a:r>
-              <a:rPr lang="zh-TW" altLang="en-US" dirty="0"/>
-              <a:t>月</a:t>
-            </a:r>
-            <a:r>
-              <a:rPr lang="zh-TW" altLang="en-US" dirty="0">
-                <a:solidFill>
-                  <a:schemeClr val="dk1"/>
-                </a:solidFill>
-              </a:rPr>
-              <a:t>第 </a:t>
-            </a:r>
-            <a:r>
-              <a:rPr lang="en-US" altLang="zh-TW" dirty="0">
-                <a:solidFill>
-                  <a:schemeClr val="dk1"/>
-                </a:solidFill>
-              </a:rPr>
-              <a:t>1 </a:t>
-            </a:r>
-            <a:r>
-              <a:rPr lang="zh-TW" altLang="en-US" dirty="0">
-                <a:solidFill>
-                  <a:schemeClr val="dk1"/>
-                </a:solidFill>
-              </a:rPr>
-              <a:t>題 秘密差</a:t>
-            </a:r>
-            <a:r>
-              <a:rPr lang="en-US" altLang="zh-TW" dirty="0">
-                <a:solidFill>
-                  <a:schemeClr val="dk1"/>
-                </a:solidFill>
-              </a:rPr>
-              <a:t> [</a:t>
-            </a:r>
-            <a:r>
-              <a:rPr lang="en-US" altLang="zh-TW" dirty="0">
-                <a:solidFill>
-                  <a:schemeClr val="dk1"/>
-                </a:solidFill>
-                <a:hlinkClick r:id="rId2"/>
-              </a:rPr>
-              <a:t>Link</a:t>
-            </a:r>
-            <a:r>
-              <a:rPr lang="en-US" altLang="zh-TW" dirty="0">
-                <a:solidFill>
-                  <a:schemeClr val="dk1"/>
-                </a:solidFill>
-              </a:rPr>
-              <a:t>]</a:t>
-            </a:r>
-            <a:br>
-              <a:rPr lang="zh-TW" altLang="en-US" dirty="0"/>
-            </a:br>
-            <a:br>
-              <a:rPr lang="zh-TW" altLang="en-US" dirty="0"/>
-            </a:br>
-            <a:endParaRPr kumimoji="1" lang="zh-TW" altLang="en-US" dirty="0"/>
-          </a:p>
-        </p:txBody>
-      </p:sp>
-      <p:sp>
-        <p:nvSpPr>
-          <p:cNvPr id="4" name="文字方塊 3">
-            <a:extLst>
-              <a:ext uri="{FF2B5EF4-FFF2-40B4-BE49-F238E27FC236}">
-                <a16:creationId xmlns:a16="http://schemas.microsoft.com/office/drawing/2014/main" id="{6CD24CE5-017B-3B41-AE4F-E975CCD76B9A}"/>
-              </a:ext>
-            </a:extLst>
-          </p:cNvPr>
-          <p:cNvSpPr txBox="1"/>
-          <p:nvPr/>
-        </p:nvSpPr>
-        <p:spPr>
-          <a:xfrm>
-            <a:off x="1282262" y="1643896"/>
-            <a:ext cx="6849952" cy="3570208"/>
-          </a:xfrm>
-          <a:prstGeom prst="rect">
-            <a:avLst/>
-          </a:prstGeom>
-          <a:noFill/>
-          <a:ln>
-            <a:solidFill>
-              <a:schemeClr val="accent1"/>
-            </a:solidFill>
-          </a:ln>
-        </p:spPr>
-        <p:txBody>
-          <a:bodyPr wrap="none" rtlCol="0">
-            <a:spAutoFit/>
-          </a:bodyPr>
-          <a:lstStyle/>
-          <a:p>
-            <a:r>
-              <a:rPr kumimoji="1" lang="en" altLang="zh-TW" sz="1600" dirty="0">
-                <a:latin typeface="Menlo" panose="020B0609030804020204" pitchFamily="49" charset="0"/>
-                <a:ea typeface="Menlo" panose="020B0609030804020204" pitchFamily="49" charset="0"/>
-                <a:cs typeface="Menlo" panose="020B0609030804020204" pitchFamily="49" charset="0"/>
-              </a:rPr>
-              <a:t>﻿while True:</a:t>
-            </a:r>
-          </a:p>
-          <a:p>
-            <a:r>
-              <a:rPr kumimoji="1" lang="en" altLang="zh-TW" sz="1600" dirty="0">
-                <a:latin typeface="Menlo" panose="020B0609030804020204" pitchFamily="49" charset="0"/>
-                <a:ea typeface="Menlo" panose="020B0609030804020204" pitchFamily="49" charset="0"/>
-                <a:cs typeface="Menlo" panose="020B0609030804020204" pitchFamily="49" charset="0"/>
-              </a:rPr>
-              <a:t>    try:</a:t>
-            </a:r>
-          </a:p>
-          <a:p>
-            <a:r>
-              <a:rPr kumimoji="1" lang="en" altLang="zh-TW" sz="1600" dirty="0">
-                <a:latin typeface="Menlo" panose="020B0609030804020204" pitchFamily="49" charset="0"/>
-                <a:ea typeface="Menlo" panose="020B0609030804020204" pitchFamily="49" charset="0"/>
-                <a:cs typeface="Menlo" panose="020B0609030804020204" pitchFamily="49" charset="0"/>
-              </a:rPr>
-              <a:t>        </a:t>
-            </a:r>
-            <a:r>
-              <a:rPr kumimoji="1" lang="en" altLang="zh-TW" sz="1600" dirty="0" err="1">
-                <a:latin typeface="Menlo" panose="020B0609030804020204" pitchFamily="49" charset="0"/>
-                <a:ea typeface="Menlo" panose="020B0609030804020204" pitchFamily="49" charset="0"/>
-                <a:cs typeface="Menlo" panose="020B0609030804020204" pitchFamily="49" charset="0"/>
-              </a:rPr>
-              <a:t>nums</a:t>
-            </a:r>
-            <a:r>
-              <a:rPr kumimoji="1" lang="en" altLang="zh-TW" sz="1600" dirty="0">
-                <a:latin typeface="Menlo" panose="020B0609030804020204" pitchFamily="49" charset="0"/>
-                <a:ea typeface="Menlo" panose="020B0609030804020204" pitchFamily="49" charset="0"/>
-                <a:cs typeface="Menlo" panose="020B0609030804020204" pitchFamily="49" charset="0"/>
-              </a:rPr>
-              <a:t> = [int(c) for c in list(input().strip())]</a:t>
-            </a:r>
-          </a:p>
-          <a:p>
-            <a:r>
-              <a:rPr kumimoji="1" lang="en" altLang="zh-TW" sz="1600" dirty="0">
-                <a:latin typeface="Menlo" panose="020B0609030804020204" pitchFamily="49" charset="0"/>
-                <a:ea typeface="Menlo" panose="020B0609030804020204" pitchFamily="49" charset="0"/>
-                <a:cs typeface="Menlo" panose="020B0609030804020204" pitchFamily="49" charset="0"/>
-              </a:rPr>
-              <a:t>        </a:t>
-            </a:r>
-            <a:r>
-              <a:rPr kumimoji="1" lang="en" altLang="zh-TW" sz="1600" dirty="0" err="1">
-                <a:latin typeface="Menlo" panose="020B0609030804020204" pitchFamily="49" charset="0"/>
-                <a:ea typeface="Menlo" panose="020B0609030804020204" pitchFamily="49" charset="0"/>
-                <a:cs typeface="Menlo" panose="020B0609030804020204" pitchFamily="49" charset="0"/>
-              </a:rPr>
-              <a:t>nums.reverse</a:t>
-            </a:r>
-            <a:r>
-              <a:rPr kumimoji="1" lang="en" altLang="zh-TW" sz="1600" dirty="0">
-                <a:latin typeface="Menlo" panose="020B0609030804020204" pitchFamily="49" charset="0"/>
-                <a:ea typeface="Menlo" panose="020B0609030804020204" pitchFamily="49" charset="0"/>
-                <a:cs typeface="Menlo" panose="020B0609030804020204" pitchFamily="49" charset="0"/>
-              </a:rPr>
-              <a:t>()</a:t>
-            </a:r>
-          </a:p>
-          <a:p>
-            <a:endParaRPr kumimoji="1" lang="en" altLang="zh-TW" sz="1600" dirty="0">
-              <a:latin typeface="Menlo" panose="020B0609030804020204" pitchFamily="49" charset="0"/>
-              <a:ea typeface="Menlo" panose="020B0609030804020204" pitchFamily="49" charset="0"/>
-              <a:cs typeface="Menlo" panose="020B0609030804020204" pitchFamily="49" charset="0"/>
-            </a:endParaRPr>
-          </a:p>
-          <a:p>
-            <a:r>
-              <a:rPr kumimoji="1" lang="en" altLang="zh-TW" sz="1600" dirty="0">
-                <a:latin typeface="Menlo" panose="020B0609030804020204" pitchFamily="49" charset="0"/>
-                <a:ea typeface="Menlo" panose="020B0609030804020204" pitchFamily="49" charset="0"/>
-                <a:cs typeface="Menlo" panose="020B0609030804020204" pitchFamily="49" charset="0"/>
-              </a:rPr>
-              <a:t>        res = 0</a:t>
-            </a:r>
-          </a:p>
-          <a:p>
-            <a:r>
-              <a:rPr kumimoji="1" lang="en" altLang="zh-TW" sz="1600" dirty="0">
-                <a:latin typeface="Menlo" panose="020B0609030804020204" pitchFamily="49" charset="0"/>
-                <a:ea typeface="Menlo" panose="020B0609030804020204" pitchFamily="49" charset="0"/>
-                <a:cs typeface="Menlo" panose="020B0609030804020204" pitchFamily="49" charset="0"/>
-              </a:rPr>
-              <a:t>        for </a:t>
-            </a:r>
-            <a:r>
-              <a:rPr kumimoji="1" lang="en" altLang="zh-TW" sz="1600" dirty="0" err="1">
-                <a:latin typeface="Menlo" panose="020B0609030804020204" pitchFamily="49" charset="0"/>
-                <a:ea typeface="Menlo" panose="020B0609030804020204" pitchFamily="49" charset="0"/>
-                <a:cs typeface="Menlo" panose="020B0609030804020204" pitchFamily="49" charset="0"/>
-              </a:rPr>
-              <a:t>i</a:t>
-            </a:r>
-            <a:r>
-              <a:rPr kumimoji="1" lang="en" altLang="zh-TW" sz="1600" dirty="0">
-                <a:latin typeface="Menlo" panose="020B0609030804020204" pitchFamily="49" charset="0"/>
-                <a:ea typeface="Menlo" panose="020B0609030804020204" pitchFamily="49" charset="0"/>
-                <a:cs typeface="Menlo" panose="020B0609030804020204" pitchFamily="49" charset="0"/>
-              </a:rPr>
-              <a:t> in range(0, </a:t>
-            </a:r>
-            <a:r>
-              <a:rPr kumimoji="1" lang="en" altLang="zh-TW" sz="1600" dirty="0" err="1">
-                <a:latin typeface="Menlo" panose="020B0609030804020204" pitchFamily="49" charset="0"/>
-                <a:ea typeface="Menlo" panose="020B0609030804020204" pitchFamily="49" charset="0"/>
-                <a:cs typeface="Menlo" panose="020B0609030804020204" pitchFamily="49" charset="0"/>
-              </a:rPr>
-              <a:t>len</a:t>
-            </a:r>
-            <a:r>
-              <a:rPr kumimoji="1" lang="en" altLang="zh-TW" sz="1600" dirty="0">
-                <a:latin typeface="Menlo" panose="020B0609030804020204" pitchFamily="49" charset="0"/>
-                <a:ea typeface="Menlo" panose="020B0609030804020204" pitchFamily="49" charset="0"/>
-                <a:cs typeface="Menlo" panose="020B0609030804020204" pitchFamily="49" charset="0"/>
-              </a:rPr>
-              <a:t>(</a:t>
-            </a:r>
-            <a:r>
-              <a:rPr kumimoji="1" lang="en" altLang="zh-TW" sz="1600" dirty="0" err="1">
-                <a:latin typeface="Menlo" panose="020B0609030804020204" pitchFamily="49" charset="0"/>
-                <a:ea typeface="Menlo" panose="020B0609030804020204" pitchFamily="49" charset="0"/>
-                <a:cs typeface="Menlo" panose="020B0609030804020204" pitchFamily="49" charset="0"/>
-              </a:rPr>
-              <a:t>nums</a:t>
-            </a:r>
-            <a:r>
-              <a:rPr kumimoji="1" lang="en" altLang="zh-TW" sz="1600" dirty="0">
-                <a:latin typeface="Menlo" panose="020B0609030804020204" pitchFamily="49" charset="0"/>
-                <a:ea typeface="Menlo" panose="020B0609030804020204" pitchFamily="49" charset="0"/>
-                <a:cs typeface="Menlo" panose="020B0609030804020204" pitchFamily="49" charset="0"/>
-              </a:rPr>
-              <a:t>), 2):</a:t>
-            </a:r>
-          </a:p>
-          <a:p>
-            <a:r>
-              <a:rPr kumimoji="1" lang="en" altLang="zh-TW" sz="1600" dirty="0">
-                <a:latin typeface="Menlo" panose="020B0609030804020204" pitchFamily="49" charset="0"/>
-                <a:ea typeface="Menlo" panose="020B0609030804020204" pitchFamily="49" charset="0"/>
-                <a:cs typeface="Menlo" panose="020B0609030804020204" pitchFamily="49" charset="0"/>
-              </a:rPr>
-              <a:t>            res += </a:t>
-            </a:r>
-            <a:r>
-              <a:rPr kumimoji="1" lang="en" altLang="zh-TW" sz="1600" dirty="0" err="1">
-                <a:latin typeface="Menlo" panose="020B0609030804020204" pitchFamily="49" charset="0"/>
-                <a:ea typeface="Menlo" panose="020B0609030804020204" pitchFamily="49" charset="0"/>
-                <a:cs typeface="Menlo" panose="020B0609030804020204" pitchFamily="49" charset="0"/>
-              </a:rPr>
-              <a:t>nums</a:t>
-            </a:r>
-            <a:r>
-              <a:rPr kumimoji="1" lang="en" altLang="zh-TW" sz="1600" dirty="0">
-                <a:latin typeface="Menlo" panose="020B0609030804020204" pitchFamily="49" charset="0"/>
-                <a:ea typeface="Menlo" panose="020B0609030804020204" pitchFamily="49" charset="0"/>
-                <a:cs typeface="Menlo" panose="020B0609030804020204" pitchFamily="49" charset="0"/>
-              </a:rPr>
-              <a:t>[</a:t>
-            </a:r>
-            <a:r>
-              <a:rPr kumimoji="1" lang="en" altLang="zh-TW" sz="1600" dirty="0" err="1">
-                <a:latin typeface="Menlo" panose="020B0609030804020204" pitchFamily="49" charset="0"/>
-                <a:ea typeface="Menlo" panose="020B0609030804020204" pitchFamily="49" charset="0"/>
-                <a:cs typeface="Menlo" panose="020B0609030804020204" pitchFamily="49" charset="0"/>
-              </a:rPr>
-              <a:t>i</a:t>
-            </a:r>
-            <a:r>
-              <a:rPr kumimoji="1" lang="en" altLang="zh-TW" sz="1600" dirty="0">
-                <a:latin typeface="Menlo" panose="020B0609030804020204" pitchFamily="49" charset="0"/>
-                <a:ea typeface="Menlo" panose="020B0609030804020204" pitchFamily="49" charset="0"/>
-                <a:cs typeface="Menlo" panose="020B0609030804020204" pitchFamily="49" charset="0"/>
-              </a:rPr>
-              <a:t>]</a:t>
-            </a:r>
-          </a:p>
-          <a:p>
-            <a:r>
-              <a:rPr kumimoji="1" lang="en" altLang="zh-TW" sz="1600" dirty="0">
-                <a:latin typeface="Menlo" panose="020B0609030804020204" pitchFamily="49" charset="0"/>
-                <a:ea typeface="Menlo" panose="020B0609030804020204" pitchFamily="49" charset="0"/>
-                <a:cs typeface="Menlo" panose="020B0609030804020204" pitchFamily="49" charset="0"/>
-              </a:rPr>
-              <a:t>            </a:t>
-            </a:r>
-          </a:p>
-          <a:p>
-            <a:r>
-              <a:rPr kumimoji="1" lang="en" altLang="zh-TW" sz="1600" dirty="0">
-                <a:latin typeface="Menlo" panose="020B0609030804020204" pitchFamily="49" charset="0"/>
-                <a:ea typeface="Menlo" panose="020B0609030804020204" pitchFamily="49" charset="0"/>
-                <a:cs typeface="Menlo" panose="020B0609030804020204" pitchFamily="49" charset="0"/>
-              </a:rPr>
-              <a:t>        for </a:t>
-            </a:r>
-            <a:r>
-              <a:rPr kumimoji="1" lang="en" altLang="zh-TW" sz="1600" dirty="0" err="1">
-                <a:latin typeface="Menlo" panose="020B0609030804020204" pitchFamily="49" charset="0"/>
-                <a:ea typeface="Menlo" panose="020B0609030804020204" pitchFamily="49" charset="0"/>
-                <a:cs typeface="Menlo" panose="020B0609030804020204" pitchFamily="49" charset="0"/>
-              </a:rPr>
-              <a:t>i</a:t>
-            </a:r>
-            <a:r>
-              <a:rPr kumimoji="1" lang="en" altLang="zh-TW" sz="1600" dirty="0">
-                <a:latin typeface="Menlo" panose="020B0609030804020204" pitchFamily="49" charset="0"/>
-                <a:ea typeface="Menlo" panose="020B0609030804020204" pitchFamily="49" charset="0"/>
-                <a:cs typeface="Menlo" panose="020B0609030804020204" pitchFamily="49" charset="0"/>
-              </a:rPr>
-              <a:t> in range(1, </a:t>
-            </a:r>
-            <a:r>
-              <a:rPr kumimoji="1" lang="en" altLang="zh-TW" sz="1600" dirty="0" err="1">
-                <a:latin typeface="Menlo" panose="020B0609030804020204" pitchFamily="49" charset="0"/>
-                <a:ea typeface="Menlo" panose="020B0609030804020204" pitchFamily="49" charset="0"/>
-                <a:cs typeface="Menlo" panose="020B0609030804020204" pitchFamily="49" charset="0"/>
-              </a:rPr>
-              <a:t>len</a:t>
-            </a:r>
-            <a:r>
-              <a:rPr kumimoji="1" lang="en" altLang="zh-TW" sz="1600" dirty="0">
-                <a:latin typeface="Menlo" panose="020B0609030804020204" pitchFamily="49" charset="0"/>
-                <a:ea typeface="Menlo" panose="020B0609030804020204" pitchFamily="49" charset="0"/>
-                <a:cs typeface="Menlo" panose="020B0609030804020204" pitchFamily="49" charset="0"/>
-              </a:rPr>
-              <a:t>(</a:t>
-            </a:r>
-            <a:r>
-              <a:rPr kumimoji="1" lang="en" altLang="zh-TW" sz="1600" dirty="0" err="1">
-                <a:latin typeface="Menlo" panose="020B0609030804020204" pitchFamily="49" charset="0"/>
-                <a:ea typeface="Menlo" panose="020B0609030804020204" pitchFamily="49" charset="0"/>
-                <a:cs typeface="Menlo" panose="020B0609030804020204" pitchFamily="49" charset="0"/>
-              </a:rPr>
-              <a:t>nums</a:t>
-            </a:r>
-            <a:r>
-              <a:rPr kumimoji="1" lang="en" altLang="zh-TW" sz="1600" dirty="0">
-                <a:latin typeface="Menlo" panose="020B0609030804020204" pitchFamily="49" charset="0"/>
-                <a:ea typeface="Menlo" panose="020B0609030804020204" pitchFamily="49" charset="0"/>
-                <a:cs typeface="Menlo" panose="020B0609030804020204" pitchFamily="49" charset="0"/>
-              </a:rPr>
-              <a:t>), 2):</a:t>
-            </a:r>
-          </a:p>
-          <a:p>
-            <a:r>
-              <a:rPr kumimoji="1" lang="en" altLang="zh-TW" sz="1600" dirty="0">
-                <a:latin typeface="Menlo" panose="020B0609030804020204" pitchFamily="49" charset="0"/>
-                <a:ea typeface="Menlo" panose="020B0609030804020204" pitchFamily="49" charset="0"/>
-                <a:cs typeface="Menlo" panose="020B0609030804020204" pitchFamily="49" charset="0"/>
-              </a:rPr>
-              <a:t>            res -= </a:t>
-            </a:r>
-            <a:r>
-              <a:rPr kumimoji="1" lang="en" altLang="zh-TW" sz="1600" dirty="0" err="1">
-                <a:latin typeface="Menlo" panose="020B0609030804020204" pitchFamily="49" charset="0"/>
-                <a:ea typeface="Menlo" panose="020B0609030804020204" pitchFamily="49" charset="0"/>
-                <a:cs typeface="Menlo" panose="020B0609030804020204" pitchFamily="49" charset="0"/>
-              </a:rPr>
-              <a:t>nums</a:t>
-            </a:r>
-            <a:r>
-              <a:rPr kumimoji="1" lang="en" altLang="zh-TW" sz="1600" dirty="0">
-                <a:latin typeface="Menlo" panose="020B0609030804020204" pitchFamily="49" charset="0"/>
-                <a:ea typeface="Menlo" panose="020B0609030804020204" pitchFamily="49" charset="0"/>
-                <a:cs typeface="Menlo" panose="020B0609030804020204" pitchFamily="49" charset="0"/>
-              </a:rPr>
-              <a:t>[</a:t>
-            </a:r>
-            <a:r>
-              <a:rPr kumimoji="1" lang="en" altLang="zh-TW" sz="1600" dirty="0" err="1">
-                <a:latin typeface="Menlo" panose="020B0609030804020204" pitchFamily="49" charset="0"/>
-                <a:ea typeface="Menlo" panose="020B0609030804020204" pitchFamily="49" charset="0"/>
-                <a:cs typeface="Menlo" panose="020B0609030804020204" pitchFamily="49" charset="0"/>
-              </a:rPr>
-              <a:t>i</a:t>
-            </a:r>
-            <a:r>
-              <a:rPr kumimoji="1" lang="en" altLang="zh-TW" sz="1600" dirty="0">
-                <a:latin typeface="Menlo" panose="020B0609030804020204" pitchFamily="49" charset="0"/>
-                <a:ea typeface="Menlo" panose="020B0609030804020204" pitchFamily="49" charset="0"/>
-                <a:cs typeface="Menlo" panose="020B0609030804020204" pitchFamily="49" charset="0"/>
-              </a:rPr>
-              <a:t>]</a:t>
-            </a:r>
-          </a:p>
-          <a:p>
-            <a:r>
-              <a:rPr kumimoji="1" lang="en" altLang="zh-TW" sz="1600" dirty="0">
-                <a:latin typeface="Menlo" panose="020B0609030804020204" pitchFamily="49" charset="0"/>
-                <a:ea typeface="Menlo" panose="020B0609030804020204" pitchFamily="49" charset="0"/>
-                <a:cs typeface="Menlo" panose="020B0609030804020204" pitchFamily="49" charset="0"/>
-              </a:rPr>
-              <a:t>        print(abs(res))</a:t>
-            </a:r>
-          </a:p>
-          <a:p>
-            <a:r>
-              <a:rPr kumimoji="1" lang="en" altLang="zh-TW" sz="1600" dirty="0">
-                <a:latin typeface="Menlo" panose="020B0609030804020204" pitchFamily="49" charset="0"/>
-                <a:ea typeface="Menlo" panose="020B0609030804020204" pitchFamily="49" charset="0"/>
-                <a:cs typeface="Menlo" panose="020B0609030804020204" pitchFamily="49" charset="0"/>
-              </a:rPr>
-              <a:t>    except:</a:t>
-            </a:r>
-          </a:p>
-          <a:p>
-            <a:r>
-              <a:rPr kumimoji="1" lang="en" altLang="zh-TW" sz="1600" dirty="0">
-                <a:latin typeface="Menlo" panose="020B0609030804020204" pitchFamily="49" charset="0"/>
-                <a:ea typeface="Menlo" panose="020B0609030804020204" pitchFamily="49" charset="0"/>
-                <a:cs typeface="Menlo" panose="020B0609030804020204" pitchFamily="49" charset="0"/>
-              </a:rPr>
-              <a:t>        break</a:t>
-            </a:r>
-            <a:endParaRPr kumimoji="1" lang="zh-TW" altLang="en-US" sz="1600" dirty="0">
-              <a:latin typeface="Menlo" panose="020B0609030804020204" pitchFamily="49" charset="0"/>
-              <a:cs typeface="Menlo" panose="020B0609030804020204" pitchFamily="49" charset="0"/>
-            </a:endParaRPr>
-          </a:p>
-        </p:txBody>
-      </p:sp>
-    </p:spTree>
-    <p:extLst>
-      <p:ext uri="{BB962C8B-B14F-4D97-AF65-F5344CB8AC3E}">
-        <p14:creationId xmlns:p14="http://schemas.microsoft.com/office/powerpoint/2010/main" val="2380662200"/>
       </p:ext>
     </p:extLst>
   </p:cSld>
